--- a/张祥裕答辩PPT.pptx
+++ b/张祥裕答辩PPT.pptx
@@ -15,7 +15,7 @@
     <p:sldId id="296" r:id="rId5"/>
     <p:sldId id="258" r:id="rId6"/>
     <p:sldId id="331" r:id="rId7"/>
-    <p:sldId id="329" r:id="rId8"/>
+    <p:sldId id="335" r:id="rId8"/>
     <p:sldId id="330" r:id="rId9"/>
     <p:sldId id="282" r:id="rId10"/>
   </p:sldIdLst>
@@ -6750,8 +6750,8 @@
         </p:nvSpPr>
         <p:spPr>
           <a:xfrm>
-            <a:off x="539750" y="1412875"/>
-            <a:ext cx="8229600" cy="4525963"/>
+            <a:off x="539750" y="835025"/>
+            <a:ext cx="8229600" cy="5104130"/>
           </a:xfrm>
         </p:spPr>
         <p:txBody>
@@ -6766,7 +6766,7 @@
               <a:buChar char="l"/>
             </a:pPr>
             <a:r>
-              <a:rPr lang="zh-CN" altLang="en-US" dirty="0">
+              <a:rPr lang="zh-CN" altLang="en-US" sz="4000" dirty="0">
                 <a:solidFill>
                   <a:srgbClr val="FF0000"/>
                 </a:solidFill>
@@ -6781,7 +6781,7 @@
               <a:t>选题</a:t>
             </a:r>
             <a:r>
-              <a:rPr lang="zh-CN" altLang="en-US" dirty="0" smtClean="0">
+              <a:rPr lang="zh-CN" altLang="en-US" sz="4000" dirty="0" smtClean="0">
                 <a:solidFill>
                   <a:srgbClr val="FF0000"/>
                 </a:solidFill>
@@ -6795,7 +6795,7 @@
               </a:rPr>
               <a:t>的背景和意义</a:t>
             </a:r>
-            <a:endParaRPr lang="en-US" altLang="zh-CN" dirty="0">
+            <a:endParaRPr lang="en-US" altLang="zh-CN" sz="4000" dirty="0">
               <a:solidFill>
                 <a:srgbClr val="FF0000"/>
               </a:solidFill>
@@ -6817,7 +6817,7 @@
               <a:buChar char="l"/>
             </a:pPr>
             <a:r>
-              <a:rPr lang="zh-CN" altLang="en-US" dirty="0" smtClean="0">
+              <a:rPr lang="zh-CN" altLang="en-US" sz="4000" dirty="0" smtClean="0">
                 <a:effectLst>
                   <a:outerShdw blurRad="38100" dist="38100" dir="2700000" algn="tl">
                     <a:srgbClr val="C0C0C0"/>
@@ -6826,9 +6826,9 @@
                 <a:latin typeface="华文楷体" panose="02010600040101010101" pitchFamily="2" charset="-122"/>
                 <a:ea typeface="华文楷体" panose="02010600040101010101" pitchFamily="2" charset="-122"/>
               </a:rPr>
-              <a:t>智能协同实验设计</a:t>
-            </a:r>
-            <a:endParaRPr lang="zh-CN" altLang="en-US" dirty="0" smtClean="0">
+              <a:t>主要研究内容</a:t>
+            </a:r>
+            <a:endParaRPr lang="zh-CN" altLang="en-US" sz="4000" dirty="0" smtClean="0">
               <a:effectLst>
                 <a:outerShdw blurRad="38100" dist="38100" dir="2700000" algn="tl">
                   <a:srgbClr val="C0C0C0"/>
@@ -6847,37 +6847,7 @@
               <a:buChar char="l"/>
             </a:pPr>
             <a:r>
-              <a:rPr lang="zh-CN" altLang="en-US" dirty="0" smtClean="0">
-                <a:effectLst>
-                  <a:outerShdw blurRad="38100" dist="38100" dir="2700000" algn="tl">
-                    <a:srgbClr val="C0C0C0"/>
-                  </a:outerShdw>
-                </a:effectLst>
-                <a:latin typeface="华文楷体" panose="02010600040101010101" pitchFamily="2" charset="-122"/>
-                <a:ea typeface="华文楷体" panose="02010600040101010101" pitchFamily="2" charset="-122"/>
-              </a:rPr>
-              <a:t>案例实验实现</a:t>
-            </a:r>
-            <a:endParaRPr lang="zh-CN" altLang="en-US" dirty="0" smtClean="0">
-              <a:effectLst>
-                <a:outerShdw blurRad="38100" dist="38100" dir="2700000" algn="tl">
-                  <a:srgbClr val="C0C0C0"/>
-                </a:outerShdw>
-              </a:effectLst>
-              <a:latin typeface="华文楷体" panose="02010600040101010101" pitchFamily="2" charset="-122"/>
-              <a:ea typeface="华文楷体" panose="02010600040101010101" pitchFamily="2" charset="-122"/>
-            </a:endParaRPr>
-          </a:p>
-          <a:p>
-            <a:pPr eaLnBrk="1" hangingPunct="1">
-              <a:lnSpc>
-                <a:spcPct val="200000"/>
-              </a:lnSpc>
-              <a:buFont typeface="Wingdings" panose="05000000000000000000" pitchFamily="2" charset="2"/>
-              <a:buChar char="l"/>
-            </a:pPr>
-            <a:r>
-              <a:rPr lang="zh-CN" altLang="en-US" dirty="0" smtClean="0">
+              <a:rPr lang="zh-CN" altLang="en-US" sz="4000" dirty="0" smtClean="0">
                 <a:effectLst>
                   <a:outerShdw blurRad="38100" dist="38100" dir="2700000" algn="tl">
                     <a:srgbClr val="C0C0C0"/>
@@ -6888,7 +6858,7 @@
               </a:rPr>
               <a:t>仿真结果展示</a:t>
             </a:r>
-            <a:endParaRPr lang="zh-CN" altLang="en-US" dirty="0" smtClean="0">
+            <a:endParaRPr lang="zh-CN" altLang="en-US" sz="4000" dirty="0" smtClean="0">
               <a:effectLst>
                 <a:outerShdw blurRad="38100" dist="38100" dir="2700000" algn="tl">
                   <a:srgbClr val="C0C0C0"/>
@@ -6897,40 +6867,6 @@
               <a:latin typeface="华文楷体" panose="02010600040101010101" pitchFamily="2" charset="-122"/>
               <a:ea typeface="华文楷体" panose="02010600040101010101" pitchFamily="2" charset="-122"/>
             </a:endParaRPr>
-          </a:p>
-        </p:txBody>
-      </p:sp>
-      <p:sp>
-        <p:nvSpPr>
-          <p:cNvPr id="4" name="标题 3"/>
-          <p:cNvSpPr>
-            <a:spLocks noGrp="1"/>
-          </p:cNvSpPr>
-          <p:nvPr>
-            <p:ph type="title"/>
-          </p:nvPr>
-        </p:nvSpPr>
-        <p:spPr>
-          <a:xfrm>
-            <a:off x="441325" y="482600"/>
-            <a:ext cx="8229600" cy="1143000"/>
-          </a:xfrm>
-        </p:spPr>
-        <p:txBody>
-          <a:bodyPr/>
-          <a:lstStyle/>
-          <a:p>
-            <a:pPr eaLnBrk="1" fontAlgn="auto" hangingPunct="1">
-              <a:spcAft>
-                <a:spcPts val="0"/>
-              </a:spcAft>
-              <a:defRPr/>
-            </a:pPr>
-            <a:r>
-              <a:rPr lang="zh-CN" altLang="en-US" dirty="0" smtClean="0"/>
-              <a:t>主要内容</a:t>
-            </a:r>
-            <a:endParaRPr lang="zh-CN" altLang="en-US" dirty="0"/>
           </a:p>
         </p:txBody>
       </p:sp>
@@ -6997,7 +6933,8 @@
                     <a:srgbClr val="C0C0C0"/>
                   </a:outerShdw>
                 </a:effectLst>
-                <a:ea typeface="华文楷体" panose="02010600040101010101" pitchFamily="2" charset="-122"/>
+                <a:latin typeface="楷体" panose="02010609060101010101" charset="-122"/>
+                <a:ea typeface="楷体" panose="02010609060101010101" charset="-122"/>
               </a:rPr>
               <a:t>选题背景和意义</a:t>
             </a:r>
@@ -7007,7 +6944,8 @@
                   <a:srgbClr val="C0C0C0"/>
                 </a:outerShdw>
               </a:effectLst>
-              <a:ea typeface="华文楷体" panose="02010600040101010101" pitchFamily="2" charset="-122"/>
+              <a:latin typeface="楷体" panose="02010609060101010101" charset="-122"/>
+              <a:ea typeface="楷体" panose="02010609060101010101" charset="-122"/>
             </a:endParaRPr>
           </a:p>
           <a:p>
@@ -7018,7 +6956,8 @@
                   <a:srgbClr val="C0C0C0"/>
                 </a:outerShdw>
               </a:effectLst>
-              <a:ea typeface="华文楷体" panose="02010600040101010101" pitchFamily="2" charset="-122"/>
+              <a:latin typeface="楷体" panose="02010609060101010101" charset="-122"/>
+              <a:ea typeface="楷体" panose="02010609060101010101" charset="-122"/>
             </a:endParaRPr>
           </a:p>
         </p:txBody>
@@ -7324,6 +7263,30 @@
           <a:p>
             <a:pPr algn="ctr"/>
             <a:r>
+              <a:rPr lang="en-US" altLang="zh-CN" sz="1800">
+                <a:solidFill>
+                  <a:schemeClr val="tx1"/>
+                </a:solidFill>
+                <a:uFillTx/>
+                <a:latin typeface="宋体" panose="02010600030101010101" pitchFamily="2" charset="-122"/>
+                <a:ea typeface="宋体" panose="02010600030101010101" pitchFamily="2" charset="-122"/>
+                <a:hlinkClick r:id="rId1" tooltip="" action="ppaction://hlinkfile"/>
+              </a:rPr>
+              <a:t>2D</a:t>
+            </a:r>
+            <a:r>
+              <a:rPr lang="zh-CN" altLang="en-US" sz="1800">
+                <a:solidFill>
+                  <a:schemeClr val="tx1"/>
+                </a:solidFill>
+                <a:uFillTx/>
+                <a:latin typeface="宋体" panose="02010600030101010101" pitchFamily="2" charset="-122"/>
+                <a:ea typeface="宋体" panose="02010600030101010101" pitchFamily="2" charset="-122"/>
+                <a:hlinkClick r:id="rId1" tooltip="" action="ppaction://hlinkfile"/>
+              </a:rPr>
+              <a:t>虚拟实验</a:t>
+            </a:r>
+            <a:r>
               <a:rPr lang="zh-CN" altLang="en-US" sz="1800">
                 <a:solidFill>
                   <a:schemeClr val="tx1"/>
@@ -7332,11 +7295,7 @@
                 <a:latin typeface="宋体" panose="02010600030101010101" pitchFamily="2" charset="-122"/>
                 <a:ea typeface="宋体" panose="02010600030101010101" pitchFamily="2" charset="-122"/>
               </a:rPr>
-              <a:t>摆脱了时间上和空间上的限制，但是以动画的方式使得人机交互性差</a:t>
-            </a:r>
-            <a:r>
-              <a:rPr lang="zh-CN" altLang="en-US"/>
-              <a:t>了</a:t>
+              <a:t>把现实中的实验转移到虚拟环境中</a:t>
             </a:r>
             <a:endParaRPr lang="zh-CN" altLang="en-US"/>
           </a:p>
@@ -7591,7 +7550,30 @@
                 <a:latin typeface="宋体" panose="02010600030101010101" pitchFamily="2" charset="-122"/>
                 <a:ea typeface="宋体" panose="02010600030101010101" pitchFamily="2" charset="-122"/>
               </a:rPr>
-              <a:t>实现了三维虚拟场景、虚拟角色，提高了虚拟实验的逼真度和人机交互，但是只能独立完成实验</a:t>
+              <a:t>实现了</a:t>
+            </a:r>
+            <a:r>
+              <a:rPr lang="zh-CN" altLang="en-US">
+                <a:solidFill>
+                  <a:schemeClr val="tx1"/>
+                </a:solidFill>
+                <a:uFillTx/>
+                <a:latin typeface="宋体" panose="02010600030101010101" pitchFamily="2" charset="-122"/>
+                <a:ea typeface="宋体" panose="02010600030101010101" pitchFamily="2" charset="-122"/>
+                <a:hlinkClick r:id="rId2" tooltip="" action="ppaction://hlinkfile"/>
+              </a:rPr>
+              <a:t>三维虚拟场景</a:t>
+            </a:r>
+            <a:r>
+              <a:rPr lang="zh-CN" altLang="en-US">
+                <a:solidFill>
+                  <a:schemeClr val="tx1"/>
+                </a:solidFill>
+                <a:uFillTx/>
+                <a:latin typeface="宋体" panose="02010600030101010101" pitchFamily="2" charset="-122"/>
+                <a:ea typeface="宋体" panose="02010600030101010101" pitchFamily="2" charset="-122"/>
+              </a:rPr>
+              <a:t>、虚拟角色，提高了虚拟实验的逼真度和人机交互，但是只能独立完成实验</a:t>
             </a:r>
             <a:endParaRPr lang="zh-CN" altLang="en-US"/>
           </a:p>
@@ -7841,7 +7823,30 @@
                 <a:latin typeface="宋体" panose="02010600030101010101" pitchFamily="2" charset="-122"/>
                 <a:ea typeface="宋体" panose="02010600030101010101" pitchFamily="2" charset="-122"/>
               </a:rPr>
-              <a:t>人机交互变得更好，支持多人协作实验，提高学生的合作能力和兴趣</a:t>
+              <a:t>人机交互变得更好，支持</a:t>
+            </a:r>
+            <a:r>
+              <a:rPr lang="zh-CN" altLang="en-US">
+                <a:solidFill>
+                  <a:schemeClr val="tx1"/>
+                </a:solidFill>
+                <a:uFillTx/>
+                <a:latin typeface="宋体" panose="02010600030101010101" pitchFamily="2" charset="-122"/>
+                <a:ea typeface="宋体" panose="02010600030101010101" pitchFamily="2" charset="-122"/>
+                <a:hlinkClick r:id="rId3" tooltip="" action="ppaction://hlinkfile"/>
+              </a:rPr>
+              <a:t>多人协作实验</a:t>
+            </a:r>
+            <a:r>
+              <a:rPr lang="zh-CN" altLang="en-US">
+                <a:solidFill>
+                  <a:schemeClr val="tx1"/>
+                </a:solidFill>
+                <a:uFillTx/>
+                <a:latin typeface="宋体" panose="02010600030101010101" pitchFamily="2" charset="-122"/>
+                <a:ea typeface="宋体" panose="02010600030101010101" pitchFamily="2" charset="-122"/>
+              </a:rPr>
+              <a:t>，提高学生的合作能力和兴趣</a:t>
             </a:r>
             <a:endParaRPr lang="zh-CN" altLang="en-US">
               <a:solidFill>
@@ -8610,7 +8615,8 @@
                     <a:srgbClr val="C0C0C0"/>
                   </a:outerShdw>
                 </a:effectLst>
-                <a:ea typeface="华文楷体" panose="02010600040101010101" pitchFamily="2" charset="-122"/>
+                <a:latin typeface="楷体" panose="02010609060101010101" charset="-122"/>
+                <a:ea typeface="楷体" panose="02010609060101010101" charset="-122"/>
               </a:rPr>
               <a:t>选题背景和意义</a:t>
             </a:r>
@@ -8620,7 +8626,8 @@
                   <a:srgbClr val="C0C0C0"/>
                 </a:outerShdw>
               </a:effectLst>
-              <a:ea typeface="华文楷体" panose="02010600040101010101" pitchFamily="2" charset="-122"/>
+              <a:latin typeface="楷体" panose="02010609060101010101" charset="-122"/>
+              <a:ea typeface="楷体" panose="02010609060101010101" charset="-122"/>
             </a:endParaRPr>
           </a:p>
           <a:p>
@@ -8633,7 +8640,8 @@
                   <a:srgbClr val="C0C0C0"/>
                 </a:outerShdw>
               </a:effectLst>
-              <a:ea typeface="华文楷体" panose="02010600040101010101" pitchFamily="2" charset="-122"/>
+              <a:latin typeface="楷体" panose="02010609060101010101" charset="-122"/>
+              <a:ea typeface="楷体" panose="02010609060101010101" charset="-122"/>
             </a:endParaRPr>
           </a:p>
         </p:txBody>
@@ -8647,7 +8655,7 @@
         <p:spPr>
           <a:xfrm>
             <a:off x="525145" y="1227455"/>
-            <a:ext cx="7458075" cy="3138170"/>
+            <a:ext cx="7458075" cy="4799965"/>
           </a:xfrm>
           <a:prstGeom prst="rect">
             <a:avLst/>
@@ -8669,6 +8677,96 @@
             <a:endParaRPr lang="zh-CN" altLang="en-US"/>
           </a:p>
           <a:p>
+            <a:r>
+              <a:rPr lang="zh-CN" altLang="en-US"/>
+              <a:t>（</a:t>
+            </a:r>
+            <a:r>
+              <a:rPr lang="en-US" altLang="zh-CN"/>
+              <a:t>1</a:t>
+            </a:r>
+            <a:r>
+              <a:rPr lang="zh-CN" altLang="en-US"/>
+              <a:t>）</a:t>
+            </a:r>
+            <a:r>
+              <a:rPr lang="zh-CN" altLang="en-US">
+                <a:hlinkClick r:id="rId1" tooltip="" action="ppaction://hlinkfile"/>
+              </a:rPr>
+              <a:t>增加辅助协同实验的手段</a:t>
+            </a:r>
+            <a:endParaRPr lang="zh-CN" altLang="en-US"/>
+          </a:p>
+          <a:p>
+            <a:endParaRPr lang="zh-CN" altLang="en-US"/>
+          </a:p>
+          <a:p>
+            <a:r>
+              <a:rPr lang="zh-CN" altLang="en-US"/>
+              <a:t>（</a:t>
+            </a:r>
+            <a:r>
+              <a:rPr lang="en-US" altLang="zh-CN"/>
+              <a:t>2</a:t>
+            </a:r>
+            <a:r>
+              <a:rPr lang="zh-CN" altLang="en-US"/>
+              <a:t>）</a:t>
+            </a:r>
+            <a:r>
+              <a:rPr lang="zh-CN" altLang="en-US">
+                <a:hlinkClick r:id="rId2" tooltip="" action="ppaction://hlinkfile"/>
+              </a:rPr>
+              <a:t>增加</a:t>
+            </a:r>
+            <a:r>
+              <a:rPr lang="en-US" altLang="zh-CN">
+                <a:hlinkClick r:id="rId2" tooltip="" action="ppaction://hlinkfile"/>
+              </a:rPr>
+              <a:t>AR</a:t>
+            </a:r>
+            <a:r>
+              <a:rPr lang="zh-CN" altLang="en-US">
+                <a:hlinkClick r:id="rId2" tooltip="" action="ppaction://hlinkfile"/>
+              </a:rPr>
+              <a:t>设备使协同实验更加真实</a:t>
+            </a:r>
+            <a:endParaRPr lang="zh-CN" altLang="en-US"/>
+          </a:p>
+          <a:p>
+            <a:endParaRPr lang="zh-CN" altLang="en-US"/>
+          </a:p>
+          <a:p>
+            <a:r>
+              <a:rPr lang="zh-CN" altLang="en-US"/>
+              <a:t>（</a:t>
+            </a:r>
+            <a:r>
+              <a:rPr lang="en-US" altLang="zh-CN"/>
+              <a:t>3</a:t>
+            </a:r>
+            <a:r>
+              <a:rPr lang="zh-CN" altLang="en-US"/>
+              <a:t>）改变协同的形式</a:t>
+            </a:r>
+            <a:endParaRPr lang="zh-CN" altLang="en-US"/>
+          </a:p>
+          <a:p>
+            <a:endParaRPr lang="zh-CN" altLang="en-US"/>
+          </a:p>
+          <a:p>
+            <a:r>
+              <a:rPr lang="zh-CN" altLang="en-US"/>
+              <a:t>（</a:t>
+            </a:r>
+            <a:r>
+              <a:rPr lang="en-US" altLang="zh-CN"/>
+              <a:t>4</a:t>
+            </a:r>
+            <a:r>
+              <a:rPr lang="zh-CN" altLang="en-US"/>
+              <a:t>）协同算法</a:t>
+            </a:r>
             <a:endParaRPr lang="zh-CN" altLang="en-US"/>
           </a:p>
           <a:p>
@@ -8741,8 +8839,8 @@
         </p:nvSpPr>
         <p:spPr>
           <a:xfrm>
-            <a:off x="539750" y="1412875"/>
-            <a:ext cx="8229600" cy="4525963"/>
+            <a:off x="539750" y="835025"/>
+            <a:ext cx="8229600" cy="5104130"/>
           </a:xfrm>
         </p:spPr>
         <p:txBody>
@@ -8757,7 +8855,7 @@
               <a:buChar char="l"/>
             </a:pPr>
             <a:r>
-              <a:rPr lang="zh-CN" altLang="en-US" dirty="0">
+              <a:rPr lang="zh-CN" altLang="en-US" sz="4000" dirty="0">
                 <a:solidFill>
                   <a:schemeClr val="tx1"/>
                 </a:solidFill>
@@ -8772,7 +8870,7 @@
               <a:t>选题</a:t>
             </a:r>
             <a:r>
-              <a:rPr lang="zh-CN" altLang="en-US" dirty="0" smtClean="0">
+              <a:rPr lang="zh-CN" altLang="en-US" sz="4000" dirty="0" smtClean="0">
                 <a:solidFill>
                   <a:schemeClr val="tx1"/>
                 </a:solidFill>
@@ -8786,7 +8884,7 @@
               </a:rPr>
               <a:t>的背景和意义</a:t>
             </a:r>
-            <a:endParaRPr lang="en-US" altLang="zh-CN" dirty="0">
+            <a:endParaRPr lang="en-US" altLang="zh-CN" sz="4000" dirty="0">
               <a:solidFill>
                 <a:schemeClr val="tx1"/>
               </a:solidFill>
@@ -8808,7 +8906,7 @@
               <a:buChar char="l"/>
             </a:pPr>
             <a:r>
-              <a:rPr lang="zh-CN" altLang="en-US" dirty="0" smtClean="0">
+              <a:rPr lang="zh-CN" altLang="en-US" sz="4000" dirty="0" smtClean="0">
                 <a:solidFill>
                   <a:srgbClr val="FF0000"/>
                 </a:solidFill>
@@ -8820,9 +8918,9 @@
                 <a:latin typeface="华文楷体" panose="02010600040101010101" pitchFamily="2" charset="-122"/>
                 <a:ea typeface="华文楷体" panose="02010600040101010101" pitchFamily="2" charset="-122"/>
               </a:rPr>
-              <a:t>智能协同实验设计</a:t>
-            </a:r>
-            <a:endParaRPr lang="zh-CN" altLang="en-US" dirty="0" smtClean="0">
+              <a:t>主要研究内容</a:t>
+            </a:r>
+            <a:endParaRPr lang="zh-CN" altLang="en-US" sz="4000" dirty="0" smtClean="0">
               <a:solidFill>
                 <a:srgbClr val="FF0000"/>
               </a:solidFill>
@@ -8844,37 +8942,7 @@
               <a:buChar char="l"/>
             </a:pPr>
             <a:r>
-              <a:rPr lang="zh-CN" altLang="en-US" dirty="0" smtClean="0">
-                <a:effectLst>
-                  <a:outerShdw blurRad="38100" dist="38100" dir="2700000" algn="tl">
-                    <a:srgbClr val="C0C0C0"/>
-                  </a:outerShdw>
-                </a:effectLst>
-                <a:latin typeface="华文楷体" panose="02010600040101010101" pitchFamily="2" charset="-122"/>
-                <a:ea typeface="华文楷体" panose="02010600040101010101" pitchFamily="2" charset="-122"/>
-              </a:rPr>
-              <a:t>案例实验实现</a:t>
-            </a:r>
-            <a:endParaRPr lang="zh-CN" altLang="en-US" dirty="0" smtClean="0">
-              <a:effectLst>
-                <a:outerShdw blurRad="38100" dist="38100" dir="2700000" algn="tl">
-                  <a:srgbClr val="C0C0C0"/>
-                </a:outerShdw>
-              </a:effectLst>
-              <a:latin typeface="华文楷体" panose="02010600040101010101" pitchFamily="2" charset="-122"/>
-              <a:ea typeface="华文楷体" panose="02010600040101010101" pitchFamily="2" charset="-122"/>
-            </a:endParaRPr>
-          </a:p>
-          <a:p>
-            <a:pPr eaLnBrk="1" hangingPunct="1">
-              <a:lnSpc>
-                <a:spcPct val="200000"/>
-              </a:lnSpc>
-              <a:buFont typeface="Wingdings" panose="05000000000000000000" pitchFamily="2" charset="2"/>
-              <a:buChar char="l"/>
-            </a:pPr>
-            <a:r>
-              <a:rPr lang="zh-CN" altLang="en-US" dirty="0" smtClean="0">
+              <a:rPr lang="zh-CN" altLang="en-US" sz="4000" dirty="0" smtClean="0">
                 <a:effectLst>
                   <a:outerShdw blurRad="38100" dist="38100" dir="2700000" algn="tl">
                     <a:srgbClr val="C0C0C0"/>
@@ -8885,7 +8953,7 @@
               </a:rPr>
               <a:t>仿真结果展示</a:t>
             </a:r>
-            <a:endParaRPr lang="zh-CN" altLang="en-US" dirty="0" smtClean="0">
+            <a:endParaRPr lang="zh-CN" altLang="en-US" sz="4000" dirty="0" smtClean="0">
               <a:effectLst>
                 <a:outerShdw blurRad="38100" dist="38100" dir="2700000" algn="tl">
                   <a:srgbClr val="C0C0C0"/>
@@ -8894,40 +8962,6 @@
               <a:latin typeface="华文楷体" panose="02010600040101010101" pitchFamily="2" charset="-122"/>
               <a:ea typeface="华文楷体" panose="02010600040101010101" pitchFamily="2" charset="-122"/>
             </a:endParaRPr>
-          </a:p>
-        </p:txBody>
-      </p:sp>
-      <p:sp>
-        <p:nvSpPr>
-          <p:cNvPr id="4" name="标题 3"/>
-          <p:cNvSpPr>
-            <a:spLocks noGrp="1"/>
-          </p:cNvSpPr>
-          <p:nvPr>
-            <p:ph type="title"/>
-          </p:nvPr>
-        </p:nvSpPr>
-        <p:spPr>
-          <a:xfrm>
-            <a:off x="441325" y="482600"/>
-            <a:ext cx="8229600" cy="1143000"/>
-          </a:xfrm>
-        </p:spPr>
-        <p:txBody>
-          <a:bodyPr/>
-          <a:lstStyle/>
-          <a:p>
-            <a:pPr eaLnBrk="1" fontAlgn="auto" hangingPunct="1">
-              <a:spcAft>
-                <a:spcPts val="0"/>
-              </a:spcAft>
-              <a:defRPr/>
-            </a:pPr>
-            <a:r>
-              <a:rPr lang="zh-CN" altLang="en-US" dirty="0" smtClean="0"/>
-              <a:t>主要内容</a:t>
-            </a:r>
-            <a:endParaRPr lang="zh-CN" altLang="en-US" dirty="0"/>
           </a:p>
         </p:txBody>
       </p:sp>
@@ -8974,10 +9008,16 @@
               <a:buNone/>
             </a:pPr>
             <a:r>
-              <a:rPr lang="zh-CN" altLang="en-US"/>
+              <a:rPr lang="zh-CN" altLang="en-US">
+                <a:latin typeface="楷体" panose="02010609060101010101" charset="-122"/>
+                <a:ea typeface="楷体" panose="02010609060101010101" charset="-122"/>
+              </a:rPr>
               <a:t>三大系统，五大功能模块，多编程语言交互</a:t>
             </a:r>
-            <a:endParaRPr lang="zh-CN" altLang="en-US"/>
+            <a:endParaRPr lang="zh-CN" altLang="en-US">
+              <a:latin typeface="楷体" panose="02010609060101010101" charset="-122"/>
+              <a:ea typeface="楷体" panose="02010609060101010101" charset="-122"/>
+            </a:endParaRPr>
           </a:p>
         </p:txBody>
       </p:sp>
@@ -8996,10 +9036,30 @@
           <a:bodyPr/>
           <a:p>
             <a:r>
-              <a:rPr lang="zh-CN" altLang="en-US" sz="2800"/>
+              <a:rPr lang="zh-CN" altLang="en-US" sz="2800" b="0">
+                <a:latin typeface="楷体" panose="02010609060101010101" charset="-122"/>
+                <a:ea typeface="楷体" panose="02010609060101010101" charset="-122"/>
+              </a:rPr>
+              <a:t>主要研究内容</a:t>
+            </a:r>
+            <a:r>
+              <a:rPr lang="en-US" altLang="zh-CN" sz="2800" b="0">
+                <a:latin typeface="楷体" panose="02010609060101010101" charset="-122"/>
+                <a:ea typeface="楷体" panose="02010609060101010101" charset="-122"/>
+              </a:rPr>
+              <a:t>——</a:t>
+            </a:r>
+            <a:r>
+              <a:rPr lang="zh-CN" altLang="en-US" sz="2800" b="0">
+                <a:latin typeface="楷体" panose="02010609060101010101" charset="-122"/>
+                <a:ea typeface="楷体" panose="02010609060101010101" charset="-122"/>
+              </a:rPr>
               <a:t>实验平台简介</a:t>
             </a:r>
-            <a:endParaRPr lang="zh-CN" altLang="en-US" sz="2800"/>
+            <a:endParaRPr lang="zh-CN" altLang="en-US" sz="2800" b="0">
+              <a:latin typeface="楷体" panose="02010609060101010101" charset="-122"/>
+              <a:ea typeface="楷体" panose="02010609060101010101" charset="-122"/>
+            </a:endParaRPr>
           </a:p>
         </p:txBody>
       </p:sp>
@@ -9250,7 +9310,7 @@
                         <a:buChar char="•"/>
                       </a:pPr>
                       <a:r>
-                        <a:rPr lang="zh-CN" altLang="en-US" dirty="0">
+                        <a:rPr lang="zh-CN" altLang="en-US" b="0" dirty="0">
                           <a:solidFill>
                             <a:schemeClr val="tx1"/>
                           </a:solidFill>
@@ -9260,7 +9320,7 @@
                         </a:rPr>
                         <a:t>本论文在刘东峰老师的悉心指导下完成，谨向老师致以最崇高的敬意和衷心感谢！</a:t>
                       </a:r>
-                      <a:endParaRPr lang="zh-CN" altLang="en-US" dirty="0">
+                      <a:endParaRPr lang="zh-CN" altLang="en-US" b="0" dirty="0">
                         <a:solidFill>
                           <a:schemeClr val="tx1"/>
                         </a:solidFill>
@@ -9277,7 +9337,7 @@
                         <a:buChar char="•"/>
                       </a:pPr>
                       <a:r>
-                        <a:rPr lang="zh-CN" altLang="en-US" dirty="0">
+                        <a:rPr lang="zh-CN" altLang="en-US" b="0" dirty="0">
                           <a:solidFill>
                             <a:schemeClr val="tx1"/>
                           </a:solidFill>
@@ -9287,7 +9347,7 @@
                         </a:rPr>
                         <a:t>感谢各位专家评委！ 感谢各位老师、同学！</a:t>
                       </a:r>
-                      <a:endParaRPr lang="zh-CN" altLang="en-US" dirty="0">
+                      <a:endParaRPr lang="zh-CN" altLang="en-US" b="0" dirty="0">
                         <a:solidFill>
                           <a:schemeClr val="tx1"/>
                         </a:solidFill>
@@ -9304,7 +9364,7 @@
                         <a:buChar char="•"/>
                       </a:pPr>
                       <a:r>
-                        <a:rPr lang="zh-CN" altLang="en-US" dirty="0">
+                        <a:rPr lang="zh-CN" altLang="en-US" b="0" dirty="0">
                           <a:solidFill>
                             <a:schemeClr val="tx1"/>
                           </a:solidFill>
@@ -9315,12 +9375,20 @@
                         <a:t>请多提出宝贵意见！</a:t>
                       </a:r>
                       <a:r>
+                        <a:rPr lang="zh-CN" altLang="en-US" b="0" dirty="0">
+                          <a:latin typeface="华文楷体" panose="02010600040101010101" pitchFamily="2" charset="-122"/>
+                          <a:ea typeface="华文楷体" panose="02010600040101010101" pitchFamily="2" charset="-122"/>
+                          <a:sym typeface="Arial" panose="020B0604020202020204" pitchFamily="34" charset="0"/>
+                        </a:rPr>
+                        <a:t>请</a:t>
+                      </a:r>
+                      <a:r>
                         <a:rPr lang="zh-CN" altLang="en-US" dirty="0">
                           <a:latin typeface="华文楷体" panose="02010600040101010101" pitchFamily="2" charset="-122"/>
                           <a:ea typeface="华文楷体" panose="02010600040101010101" pitchFamily="2" charset="-122"/>
                           <a:sym typeface="Arial" panose="020B0604020202020204" pitchFamily="34" charset="0"/>
                         </a:rPr>
-                        <a:t>请多提出宝贵意见！</a:t>
+                        <a:t>多提出宝贵意见！</a:t>
                       </a:r>
                       <a:endParaRPr lang="zh-CN" altLang="en-US" dirty="0">
                         <a:latin typeface="华文楷体" panose="02010600040101010101" pitchFamily="2" charset="-122"/>

--- a/张祥裕答辩PPT.pptx
+++ b/张祥裕答辩PPT.pptx
@@ -8,7 +8,7 @@
     <p:notesMasterId r:id="rId4"/>
   </p:notesMasterIdLst>
   <p:handoutMasterIdLst>
-    <p:handoutMasterId r:id="rId11"/>
+    <p:handoutMasterId r:id="rId14"/>
   </p:handoutMasterIdLst>
   <p:sldIdLst>
     <p:sldId id="256" r:id="rId3"/>
@@ -16,8 +16,11 @@
     <p:sldId id="258" r:id="rId6"/>
     <p:sldId id="331" r:id="rId7"/>
     <p:sldId id="335" r:id="rId8"/>
-    <p:sldId id="330" r:id="rId9"/>
-    <p:sldId id="282" r:id="rId10"/>
+    <p:sldId id="338" r:id="rId9"/>
+    <p:sldId id="330" r:id="rId10"/>
+    <p:sldId id="341" r:id="rId11"/>
+    <p:sldId id="342" r:id="rId12"/>
+    <p:sldId id="282" r:id="rId13"/>
   </p:sldIdLst>
   <p:sldSz cx="9144000" cy="6858000" type="screen4x3"/>
   <p:notesSz cx="6858000" cy="9144000"/>
@@ -6505,8 +6508,9 @@
                     <a:srgbClr val="C0C0C0"/>
                   </a:outerShdw>
                 </a:effectLst>
-                <a:latin typeface="华文楷体" panose="02010600040101010101" pitchFamily="2" charset="-122"/>
-                <a:ea typeface="华文楷体" panose="02010600040101010101" pitchFamily="2" charset="-122"/>
+                <a:latin typeface="微软雅黑" panose="020B0503020204020204" charset="-122"/>
+                <a:ea typeface="微软雅黑" panose="020B0503020204020204" charset="-122"/>
+                <a:cs typeface="微软雅黑" panose="020B0503020204020204" charset="-122"/>
               </a:rPr>
               <a:t>学院：信息工程学院  </a:t>
             </a:r>
@@ -6516,8 +6520,9 @@
                   <a:srgbClr val="C0C0C0"/>
                 </a:outerShdw>
               </a:effectLst>
-              <a:latin typeface="华文楷体" panose="02010600040101010101" pitchFamily="2" charset="-122"/>
-              <a:ea typeface="华文楷体" panose="02010600040101010101" pitchFamily="2" charset="-122"/>
+              <a:latin typeface="微软雅黑" panose="020B0503020204020204" charset="-122"/>
+              <a:ea typeface="微软雅黑" panose="020B0503020204020204" charset="-122"/>
+              <a:cs typeface="微软雅黑" panose="020B0503020204020204" charset="-122"/>
             </a:endParaRPr>
           </a:p>
           <a:p>
@@ -6533,8 +6538,9 @@
                     <a:srgbClr val="C0C0C0"/>
                   </a:outerShdw>
                 </a:effectLst>
-                <a:latin typeface="华文楷体" panose="02010600040101010101" pitchFamily="2" charset="-122"/>
-                <a:ea typeface="华文楷体" panose="02010600040101010101" pitchFamily="2" charset="-122"/>
+                <a:latin typeface="微软雅黑" panose="020B0503020204020204" charset="-122"/>
+                <a:ea typeface="微软雅黑" panose="020B0503020204020204" charset="-122"/>
+                <a:cs typeface="微软雅黑" panose="020B0503020204020204" charset="-122"/>
               </a:rPr>
               <a:t>专业：电子与通信工程</a:t>
             </a:r>
@@ -6544,8 +6550,9 @@
                   <a:srgbClr val="C0C0C0"/>
                 </a:outerShdw>
               </a:effectLst>
-              <a:latin typeface="华文楷体" panose="02010600040101010101" pitchFamily="2" charset="-122"/>
-              <a:ea typeface="华文楷体" panose="02010600040101010101" pitchFamily="2" charset="-122"/>
+              <a:latin typeface="微软雅黑" panose="020B0503020204020204" charset="-122"/>
+              <a:ea typeface="微软雅黑" panose="020B0503020204020204" charset="-122"/>
+              <a:cs typeface="微软雅黑" panose="020B0503020204020204" charset="-122"/>
             </a:endParaRPr>
           </a:p>
           <a:p>
@@ -6561,8 +6568,9 @@
                     <a:srgbClr val="C0C0C0"/>
                   </a:outerShdw>
                 </a:effectLst>
-                <a:latin typeface="华文楷体" panose="02010600040101010101" pitchFamily="2" charset="-122"/>
-                <a:ea typeface="华文楷体" panose="02010600040101010101" pitchFamily="2" charset="-122"/>
+                <a:latin typeface="微软雅黑" panose="020B0503020204020204" charset="-122"/>
+                <a:ea typeface="微软雅黑" panose="020B0503020204020204" charset="-122"/>
+                <a:cs typeface="微软雅黑" panose="020B0503020204020204" charset="-122"/>
               </a:rPr>
               <a:t>学生：张祥裕</a:t>
             </a:r>
@@ -6572,8 +6580,9 @@
                   <a:srgbClr val="C0C0C0"/>
                 </a:outerShdw>
               </a:effectLst>
-              <a:latin typeface="华文楷体" panose="02010600040101010101" pitchFamily="2" charset="-122"/>
-              <a:ea typeface="华文楷体" panose="02010600040101010101" pitchFamily="2" charset="-122"/>
+              <a:latin typeface="微软雅黑" panose="020B0503020204020204" charset="-122"/>
+              <a:ea typeface="微软雅黑" panose="020B0503020204020204" charset="-122"/>
+              <a:cs typeface="微软雅黑" panose="020B0503020204020204" charset="-122"/>
             </a:endParaRPr>
           </a:p>
           <a:p>
@@ -6589,8 +6598,9 @@
                     <a:srgbClr val="C0C0C0"/>
                   </a:outerShdw>
                 </a:effectLst>
-                <a:latin typeface="华文楷体" panose="02010600040101010101" pitchFamily="2" charset="-122"/>
-                <a:ea typeface="华文楷体" panose="02010600040101010101" pitchFamily="2" charset="-122"/>
+                <a:latin typeface="微软雅黑" panose="020B0503020204020204" charset="-122"/>
+                <a:ea typeface="微软雅黑" panose="020B0503020204020204" charset="-122"/>
+                <a:cs typeface="微软雅黑" panose="020B0503020204020204" charset="-122"/>
               </a:rPr>
               <a:t>导师：刘东峰教授</a:t>
             </a:r>
@@ -6603,8 +6613,9 @@
                   <a:srgbClr val="C0C0C0"/>
                 </a:outerShdw>
               </a:effectLst>
-              <a:latin typeface="华文楷体" panose="02010600040101010101" pitchFamily="2" charset="-122"/>
-              <a:ea typeface="华文楷体" panose="02010600040101010101" pitchFamily="2" charset="-122"/>
+              <a:latin typeface="微软雅黑" panose="020B0503020204020204" charset="-122"/>
+              <a:ea typeface="微软雅黑" panose="020B0503020204020204" charset="-122"/>
+              <a:cs typeface="微软雅黑" panose="020B0503020204020204" charset="-122"/>
             </a:endParaRPr>
           </a:p>
         </p:txBody>
@@ -6686,8 +6697,8 @@
                     <a:srgbClr val="C0C0C0"/>
                   </a:outerShdw>
                 </a:effectLst>
-                <a:latin typeface="华文楷体" panose="02010600040101010101" pitchFamily="2" charset="-122"/>
-                <a:ea typeface="华文楷体" panose="02010600040101010101" pitchFamily="2" charset="-122"/>
+                <a:latin typeface="微软雅黑" panose="020B0503020204020204" charset="-122"/>
+                <a:ea typeface="微软雅黑" panose="020B0503020204020204" charset="-122"/>
               </a:rPr>
               <a:t>智能协同在三维虚拟实验中的应用</a:t>
             </a:r>
@@ -6700,12 +6711,373 @@
                   <a:srgbClr val="C0C0C0"/>
                 </a:outerShdw>
               </a:effectLst>
-              <a:latin typeface="华文楷体" panose="02010600040101010101" pitchFamily="2" charset="-122"/>
-              <a:ea typeface="华文楷体" panose="02010600040101010101" pitchFamily="2" charset="-122"/>
+              <a:latin typeface="微软雅黑" panose="020B0503020204020204" charset="-122"/>
+              <a:ea typeface="微软雅黑" panose="020B0503020204020204" charset="-122"/>
             </a:endParaRPr>
           </a:p>
         </p:txBody>
       </p:sp>
+    </p:spTree>
+  </p:cSld>
+  <p:clrMapOvr>
+    <a:masterClrMapping/>
+  </p:clrMapOvr>
+  <p:timing>
+    <p:tnLst>
+      <p:par>
+        <p:cTn id="1" dur="indefinite" restart="never" nodeType="tmRoot"/>
+      </p:par>
+    </p:tnLst>
+  </p:timing>
+</p:sld>
+</file>
+
+<file path=ppt/slides/slide10.xml><?xml version="1.0" encoding="utf-8"?>
+<p:sld xmlns:a="http://schemas.openxmlformats.org/drawingml/2006/main" xmlns:r="http://schemas.openxmlformats.org/officeDocument/2006/relationships" xmlns:p="http://schemas.openxmlformats.org/presentationml/2006/main">
+  <p:cSld>
+    <p:spTree>
+      <p:nvGrpSpPr>
+        <p:cNvPr id="1" name=""/>
+        <p:cNvGrpSpPr/>
+        <p:nvPr/>
+      </p:nvGrpSpPr>
+      <p:grpSpPr>
+        <a:xfrm>
+          <a:off x="0" y="0"/>
+          <a:ext cx="0" cy="0"/>
+          <a:chOff x="0" y="0"/>
+          <a:chExt cx="0" cy="0"/>
+        </a:xfrm>
+      </p:grpSpPr>
+      <p:sp>
+        <p:nvSpPr>
+          <p:cNvPr id="44034" name="Text Box 4"/>
+          <p:cNvSpPr txBox="1">
+            <a:spLocks noChangeArrowheads="1"/>
+          </p:cNvSpPr>
+          <p:nvPr/>
+        </p:nvSpPr>
+        <p:spPr bwMode="auto">
+          <a:xfrm>
+            <a:off x="3226435" y="3763010"/>
+            <a:ext cx="1873250" cy="1014730"/>
+          </a:xfrm>
+          <a:prstGeom prst="rect">
+            <a:avLst/>
+          </a:prstGeom>
+          <a:noFill/>
+          <a:ln>
+            <a:noFill/>
+          </a:ln>
+          <a:extLst>
+            <a:ext uri="{909E8E84-426E-40DD-AFC4-6F175D3DCCD1}">
+              <a14:hiddenFill xmlns:a14="http://schemas.microsoft.com/office/drawing/2010/main">
+                <a:solidFill>
+                  <a:srgbClr val="FFFFFF"/>
+                </a:solidFill>
+              </a14:hiddenFill>
+            </a:ext>
+            <a:ext uri="{91240B29-F687-4F45-9708-019B960494DF}">
+              <a14:hiddenLine xmlns:a14="http://schemas.microsoft.com/office/drawing/2010/main" w="9525">
+                <a:solidFill>
+                  <a:srgbClr val="000000"/>
+                </a:solidFill>
+                <a:miter lim="800000"/>
+                <a:headEnd/>
+                <a:tailEnd/>
+              </a14:hiddenLine>
+            </a:ext>
+          </a:extLst>
+        </p:spPr>
+        <p:txBody>
+          <a:bodyPr wrap="square">
+            <a:spAutoFit/>
+          </a:bodyPr>
+          <a:lstStyle>
+            <a:lvl1pPr eaLnBrk="0" hangingPunct="0">
+              <a:defRPr>
+                <a:solidFill>
+                  <a:schemeClr val="tx1"/>
+                </a:solidFill>
+                <a:latin typeface="Arial" panose="020B0604020202020204" pitchFamily="34" charset="0"/>
+                <a:ea typeface="宋体" panose="02010600030101010101" pitchFamily="2" charset="-122"/>
+              </a:defRPr>
+            </a:lvl1pPr>
+            <a:lvl2pPr marL="742950" indent="-285750" eaLnBrk="0" hangingPunct="0">
+              <a:defRPr>
+                <a:solidFill>
+                  <a:schemeClr val="tx1"/>
+                </a:solidFill>
+                <a:latin typeface="Arial" panose="020B0604020202020204" pitchFamily="34" charset="0"/>
+                <a:ea typeface="宋体" panose="02010600030101010101" pitchFamily="2" charset="-122"/>
+              </a:defRPr>
+            </a:lvl2pPr>
+            <a:lvl3pPr marL="1143000" indent="-228600" eaLnBrk="0" hangingPunct="0">
+              <a:defRPr>
+                <a:solidFill>
+                  <a:schemeClr val="tx1"/>
+                </a:solidFill>
+                <a:latin typeface="Arial" panose="020B0604020202020204" pitchFamily="34" charset="0"/>
+                <a:ea typeface="宋体" panose="02010600030101010101" pitchFamily="2" charset="-122"/>
+              </a:defRPr>
+            </a:lvl3pPr>
+            <a:lvl4pPr marL="1600200" indent="-228600" eaLnBrk="0" hangingPunct="0">
+              <a:defRPr>
+                <a:solidFill>
+                  <a:schemeClr val="tx1"/>
+                </a:solidFill>
+                <a:latin typeface="Arial" panose="020B0604020202020204" pitchFamily="34" charset="0"/>
+                <a:ea typeface="宋体" panose="02010600030101010101" pitchFamily="2" charset="-122"/>
+              </a:defRPr>
+            </a:lvl4pPr>
+            <a:lvl5pPr marL="2057400" indent="-228600" eaLnBrk="0" hangingPunct="0">
+              <a:defRPr>
+                <a:solidFill>
+                  <a:schemeClr val="tx1"/>
+                </a:solidFill>
+                <a:latin typeface="Arial" panose="020B0604020202020204" pitchFamily="34" charset="0"/>
+                <a:ea typeface="宋体" panose="02010600030101010101" pitchFamily="2" charset="-122"/>
+              </a:defRPr>
+            </a:lvl5pPr>
+            <a:lvl6pPr marL="2514600" indent="-228600" eaLnBrk="0" fontAlgn="base" hangingPunct="0">
+              <a:spcBef>
+                <a:spcPct val="0"/>
+              </a:spcBef>
+              <a:spcAft>
+                <a:spcPct val="0"/>
+              </a:spcAft>
+              <a:defRPr>
+                <a:solidFill>
+                  <a:schemeClr val="tx1"/>
+                </a:solidFill>
+                <a:latin typeface="Arial" panose="020B0604020202020204" pitchFamily="34" charset="0"/>
+                <a:ea typeface="宋体" panose="02010600030101010101" pitchFamily="2" charset="-122"/>
+              </a:defRPr>
+            </a:lvl6pPr>
+            <a:lvl7pPr marL="2971800" indent="-228600" eaLnBrk="0" fontAlgn="base" hangingPunct="0">
+              <a:spcBef>
+                <a:spcPct val="0"/>
+              </a:spcBef>
+              <a:spcAft>
+                <a:spcPct val="0"/>
+              </a:spcAft>
+              <a:defRPr>
+                <a:solidFill>
+                  <a:schemeClr val="tx1"/>
+                </a:solidFill>
+                <a:latin typeface="Arial" panose="020B0604020202020204" pitchFamily="34" charset="0"/>
+                <a:ea typeface="宋体" panose="02010600030101010101" pitchFamily="2" charset="-122"/>
+              </a:defRPr>
+            </a:lvl7pPr>
+            <a:lvl8pPr marL="3429000" indent="-228600" eaLnBrk="0" fontAlgn="base" hangingPunct="0">
+              <a:spcBef>
+                <a:spcPct val="0"/>
+              </a:spcBef>
+              <a:spcAft>
+                <a:spcPct val="0"/>
+              </a:spcAft>
+              <a:defRPr>
+                <a:solidFill>
+                  <a:schemeClr val="tx1"/>
+                </a:solidFill>
+                <a:latin typeface="Arial" panose="020B0604020202020204" pitchFamily="34" charset="0"/>
+                <a:ea typeface="宋体" panose="02010600030101010101" pitchFamily="2" charset="-122"/>
+              </a:defRPr>
+            </a:lvl8pPr>
+            <a:lvl9pPr marL="3886200" indent="-228600" eaLnBrk="0" fontAlgn="base" hangingPunct="0">
+              <a:spcBef>
+                <a:spcPct val="0"/>
+              </a:spcBef>
+              <a:spcAft>
+                <a:spcPct val="0"/>
+              </a:spcAft>
+              <a:defRPr>
+                <a:solidFill>
+                  <a:schemeClr val="tx1"/>
+                </a:solidFill>
+                <a:latin typeface="Arial" panose="020B0604020202020204" pitchFamily="34" charset="0"/>
+                <a:ea typeface="宋体" panose="02010600030101010101" pitchFamily="2" charset="-122"/>
+              </a:defRPr>
+            </a:lvl9pPr>
+          </a:lstStyle>
+          <a:p>
+            <a:pPr eaLnBrk="1" hangingPunct="1">
+              <a:spcBef>
+                <a:spcPct val="50000"/>
+              </a:spcBef>
+            </a:pPr>
+            <a:r>
+              <a:rPr lang="zh-CN" altLang="en-US" sz="6000" b="1">
+                <a:ea typeface="黑体" panose="02010609060101010101" pitchFamily="49" charset="-122"/>
+              </a:rPr>
+              <a:t>谢谢</a:t>
+            </a:r>
+            <a:r>
+              <a:rPr lang="en-US" altLang="zh-CN" sz="6000" b="1">
+                <a:ea typeface="黑体" panose="02010609060101010101" pitchFamily="49" charset="-122"/>
+              </a:rPr>
+              <a:t>!</a:t>
+            </a:r>
+            <a:endParaRPr lang="zh-CN" altLang="en-US" sz="6000" b="1">
+              <a:ea typeface="黑体" panose="02010609060101010101" pitchFamily="49" charset="-122"/>
+            </a:endParaRPr>
+          </a:p>
+        </p:txBody>
+      </p:sp>
+      <p:graphicFrame>
+        <p:nvGraphicFramePr>
+          <p:cNvPr id="2" name="表格 1"/>
+          <p:cNvGraphicFramePr/>
+          <p:nvPr/>
+        </p:nvGraphicFramePr>
+        <p:xfrm>
+          <a:off x="468630" y="760730"/>
+          <a:ext cx="7980045" cy="2884170"/>
+        </p:xfrm>
+        <a:graphic>
+          <a:graphicData uri="http://schemas.openxmlformats.org/drawingml/2006/table">
+            <a:tbl>
+              <a:tblPr firstRow="1" bandRow="1">
+                <a:tableStyleId>{5C22544A-7EE6-4342-B048-85BDC9FD1C3A}</a:tableStyleId>
+              </a:tblPr>
+              <a:tblGrid>
+                <a:gridCol w="7980045"/>
+              </a:tblGrid>
+              <a:tr h="2884170">
+                <a:tc>
+                  <a:txBody>
+                    <a:bodyPr/>
+                    <a:p>
+                      <a:pPr indent="0">
+                        <a:spcBef>
+                          <a:spcPct val="20000"/>
+                        </a:spcBef>
+                        <a:buNone/>
+                      </a:pPr>
+                      <a:endParaRPr lang="zh-CN" altLang="en-US" dirty="0">
+                        <a:solidFill>
+                          <a:schemeClr val="tx1"/>
+                        </a:solidFill>
+                        <a:latin typeface="华文楷体" panose="02010600040101010101" pitchFamily="2" charset="-122"/>
+                        <a:ea typeface="华文楷体" panose="02010600040101010101" pitchFamily="2" charset="-122"/>
+                        <a:sym typeface="Arial" panose="020B0604020202020204" pitchFamily="34" charset="0"/>
+                      </a:endParaRPr>
+                    </a:p>
+                    <a:p>
+                      <a:pPr marL="342900" indent="-342900">
+                        <a:spcBef>
+                          <a:spcPct val="20000"/>
+                        </a:spcBef>
+                        <a:buChar char="•"/>
+                      </a:pPr>
+                      <a:r>
+                        <a:rPr lang="zh-CN" altLang="en-US" sz="2800" b="0" dirty="0">
+                          <a:solidFill>
+                            <a:schemeClr val="tx1"/>
+                          </a:solidFill>
+                          <a:latin typeface="楷体" panose="02010609060101010101" charset="-122"/>
+                          <a:ea typeface="楷体" panose="02010609060101010101" charset="-122"/>
+                          <a:cs typeface="楷体" panose="02010609060101010101" charset="-122"/>
+                          <a:sym typeface="宋体" panose="02010600030101010101" pitchFamily="2" charset="-122"/>
+                        </a:rPr>
+                        <a:t>本论文在刘东峰老师的悉心指导下完成，谨向老师致以最崇高的敬意和衷心感谢！</a:t>
+                      </a:r>
+                      <a:endParaRPr lang="zh-CN" altLang="en-US" sz="2800" b="0" dirty="0">
+                        <a:solidFill>
+                          <a:schemeClr val="tx1"/>
+                        </a:solidFill>
+                        <a:latin typeface="楷体" panose="02010609060101010101" charset="-122"/>
+                        <a:ea typeface="楷体" panose="02010609060101010101" charset="-122"/>
+                        <a:cs typeface="楷体" panose="02010609060101010101" charset="-122"/>
+                        <a:sym typeface="宋体" panose="02010600030101010101" pitchFamily="2" charset="-122"/>
+                      </a:endParaRPr>
+                    </a:p>
+                    <a:p>
+                      <a:pPr marL="342900" indent="-342900">
+                        <a:spcBef>
+                          <a:spcPct val="20000"/>
+                        </a:spcBef>
+                        <a:buChar char="•"/>
+                      </a:pPr>
+                      <a:r>
+                        <a:rPr lang="zh-CN" altLang="en-US" sz="2800" b="0" dirty="0">
+                          <a:solidFill>
+                            <a:schemeClr val="tx1"/>
+                          </a:solidFill>
+                          <a:latin typeface="楷体" panose="02010609060101010101" charset="-122"/>
+                          <a:ea typeface="楷体" panose="02010609060101010101" charset="-122"/>
+                          <a:cs typeface="楷体" panose="02010609060101010101" charset="-122"/>
+                          <a:sym typeface="Arial" panose="020B0604020202020204" pitchFamily="34" charset="0"/>
+                        </a:rPr>
+                        <a:t>感谢各位专家评委！ 感谢各位老师、同学！</a:t>
+                      </a:r>
+                      <a:endParaRPr lang="zh-CN" altLang="en-US" sz="2800" b="0" dirty="0">
+                        <a:solidFill>
+                          <a:schemeClr val="tx1"/>
+                        </a:solidFill>
+                        <a:latin typeface="楷体" panose="02010609060101010101" charset="-122"/>
+                        <a:ea typeface="楷体" panose="02010609060101010101" charset="-122"/>
+                        <a:cs typeface="楷体" panose="02010609060101010101" charset="-122"/>
+                        <a:sym typeface="Arial" panose="020B0604020202020204" pitchFamily="34" charset="0"/>
+                      </a:endParaRPr>
+                    </a:p>
+                    <a:p>
+                      <a:pPr marL="342900" indent="-342900">
+                        <a:spcBef>
+                          <a:spcPct val="20000"/>
+                        </a:spcBef>
+                        <a:buChar char="•"/>
+                      </a:pPr>
+                      <a:r>
+                        <a:rPr lang="zh-CN" altLang="en-US" sz="2800" b="0" dirty="0">
+                          <a:solidFill>
+                            <a:schemeClr val="tx1"/>
+                          </a:solidFill>
+                          <a:latin typeface="楷体" panose="02010609060101010101" charset="-122"/>
+                          <a:ea typeface="楷体" panose="02010609060101010101" charset="-122"/>
+                          <a:cs typeface="楷体" panose="02010609060101010101" charset="-122"/>
+                          <a:sym typeface="Arial" panose="020B0604020202020204" pitchFamily="34" charset="0"/>
+                        </a:rPr>
+                        <a:t>请多提出宝贵意见！</a:t>
+                      </a:r>
+                      <a:r>
+                        <a:rPr lang="zh-CN" altLang="en-US" b="0" dirty="0">
+                          <a:latin typeface="华文楷体" panose="02010600040101010101" pitchFamily="2" charset="-122"/>
+                          <a:ea typeface="华文楷体" panose="02010600040101010101" pitchFamily="2" charset="-122"/>
+                          <a:sym typeface="Arial" panose="020B0604020202020204" pitchFamily="34" charset="0"/>
+                        </a:rPr>
+                        <a:t>请</a:t>
+                      </a:r>
+                      <a:r>
+                        <a:rPr lang="zh-CN" altLang="en-US" dirty="0">
+                          <a:latin typeface="华文楷体" panose="02010600040101010101" pitchFamily="2" charset="-122"/>
+                          <a:ea typeface="华文楷体" panose="02010600040101010101" pitchFamily="2" charset="-122"/>
+                          <a:sym typeface="Arial" panose="020B0604020202020204" pitchFamily="34" charset="0"/>
+                        </a:rPr>
+                        <a:t>多提出宝贵意见！</a:t>
+                      </a:r>
+                      <a:endParaRPr lang="zh-CN" altLang="en-US" dirty="0">
+                        <a:latin typeface="华文楷体" panose="02010600040101010101" pitchFamily="2" charset="-122"/>
+                        <a:ea typeface="华文楷体" panose="02010600040101010101" pitchFamily="2" charset="-122"/>
+                        <a:sym typeface="Arial" panose="020B0604020202020204" pitchFamily="34" charset="0"/>
+                      </a:endParaRPr>
+                    </a:p>
+                    <a:p>
+                      <a:pPr>
+                        <a:buNone/>
+                      </a:pPr>
+                      <a:endParaRPr lang="zh-CN" altLang="en-US"/>
+                    </a:p>
+                  </a:txBody>
+                  <a:tcPr>
+                    <a:noFill/>
+                  </a:tcPr>
+                </a:tc>
+              </a:tr>
+            </a:tbl>
+          </a:graphicData>
+        </a:graphic>
+      </p:graphicFrame>
     </p:spTree>
   </p:cSld>
   <p:clrMapOvr>
@@ -6775,8 +7147,8 @@
                     <a:srgbClr val="C0C0C0"/>
                   </a:outerShdw>
                 </a:effectLst>
-                <a:latin typeface="华文楷体" panose="02010600040101010101" pitchFamily="2" charset="-122"/>
-                <a:ea typeface="华文楷体" panose="02010600040101010101" pitchFamily="2" charset="-122"/>
+                <a:latin typeface="微软雅黑" panose="020B0503020204020204" charset="-122"/>
+                <a:ea typeface="微软雅黑" panose="020B0503020204020204" charset="-122"/>
               </a:rPr>
               <a:t>选题</a:t>
             </a:r>
@@ -6790,8 +7162,8 @@
                     <a:srgbClr val="C0C0C0"/>
                   </a:outerShdw>
                 </a:effectLst>
-                <a:latin typeface="华文楷体" panose="02010600040101010101" pitchFamily="2" charset="-122"/>
-                <a:ea typeface="华文楷体" panose="02010600040101010101" pitchFamily="2" charset="-122"/>
+                <a:latin typeface="微软雅黑" panose="020B0503020204020204" charset="-122"/>
+                <a:ea typeface="微软雅黑" panose="020B0503020204020204" charset="-122"/>
               </a:rPr>
               <a:t>的背景和意义</a:t>
             </a:r>
@@ -6804,8 +7176,8 @@
                   <a:srgbClr val="C0C0C0"/>
                 </a:outerShdw>
               </a:effectLst>
-              <a:latin typeface="华文楷体" panose="02010600040101010101" pitchFamily="2" charset="-122"/>
-              <a:ea typeface="华文楷体" panose="02010600040101010101" pitchFamily="2" charset="-122"/>
+              <a:latin typeface="微软雅黑" panose="020B0503020204020204" charset="-122"/>
+              <a:ea typeface="微软雅黑" panose="020B0503020204020204" charset="-122"/>
             </a:endParaRPr>
           </a:p>
           <a:p>
@@ -6823,8 +7195,8 @@
                     <a:srgbClr val="C0C0C0"/>
                   </a:outerShdw>
                 </a:effectLst>
-                <a:latin typeface="华文楷体" panose="02010600040101010101" pitchFamily="2" charset="-122"/>
-                <a:ea typeface="华文楷体" panose="02010600040101010101" pitchFamily="2" charset="-122"/>
+                <a:latin typeface="微软雅黑" panose="020B0503020204020204" charset="-122"/>
+                <a:ea typeface="微软雅黑" panose="020B0503020204020204" charset="-122"/>
               </a:rPr>
               <a:t>主要研究内容</a:t>
             </a:r>
@@ -6834,8 +7206,8 @@
                   <a:srgbClr val="C0C0C0"/>
                 </a:outerShdw>
               </a:effectLst>
-              <a:latin typeface="华文楷体" panose="02010600040101010101" pitchFamily="2" charset="-122"/>
-              <a:ea typeface="华文楷体" panose="02010600040101010101" pitchFamily="2" charset="-122"/>
+              <a:latin typeface="微软雅黑" panose="020B0503020204020204" charset="-122"/>
+              <a:ea typeface="微软雅黑" panose="020B0503020204020204" charset="-122"/>
             </a:endParaRPr>
           </a:p>
           <a:p>
@@ -6853,8 +7225,8 @@
                     <a:srgbClr val="C0C0C0"/>
                   </a:outerShdw>
                 </a:effectLst>
-                <a:latin typeface="华文楷体" panose="02010600040101010101" pitchFamily="2" charset="-122"/>
-                <a:ea typeface="华文楷体" panose="02010600040101010101" pitchFamily="2" charset="-122"/>
+                <a:latin typeface="微软雅黑" panose="020B0503020204020204" charset="-122"/>
+                <a:ea typeface="微软雅黑" panose="020B0503020204020204" charset="-122"/>
               </a:rPr>
               <a:t>仿真结果展示</a:t>
             </a:r>
@@ -6864,8 +7236,8 @@
                   <a:srgbClr val="C0C0C0"/>
                 </a:outerShdw>
               </a:effectLst>
-              <a:latin typeface="华文楷体" panose="02010600040101010101" pitchFamily="2" charset="-122"/>
-              <a:ea typeface="华文楷体" panose="02010600040101010101" pitchFamily="2" charset="-122"/>
+              <a:latin typeface="微软雅黑" panose="020B0503020204020204" charset="-122"/>
+              <a:ea typeface="微软雅黑" panose="020B0503020204020204" charset="-122"/>
             </a:endParaRPr>
           </a:p>
         </p:txBody>
@@ -7001,14 +7373,14 @@
             <a:pPr algn="ctr"/>
             <a:r>
               <a:rPr lang="zh-CN" altLang="en-US" dirty="0" smtClean="0">
-                <a:latin typeface="宋体" panose="02010600030101010101" pitchFamily="2" charset="-122"/>
-                <a:ea typeface="宋体" panose="02010600030101010101" pitchFamily="2" charset="-122"/>
+                <a:latin typeface="微软雅黑" panose="020B0503020204020204" charset="-122"/>
+                <a:ea typeface="微软雅黑" panose="020B0503020204020204" charset="-122"/>
               </a:rPr>
               <a:t>资源、空间等受到限制</a:t>
             </a:r>
             <a:endParaRPr lang="zh-CN" altLang="en-US" dirty="0">
-              <a:latin typeface="宋体" panose="02010600030101010101" pitchFamily="2" charset="-122"/>
-              <a:ea typeface="宋体" panose="02010600030101010101" pitchFamily="2" charset="-122"/>
+              <a:latin typeface="微软雅黑" panose="020B0503020204020204" charset="-122"/>
+              <a:ea typeface="微软雅黑" panose="020B0503020204020204" charset="-122"/>
             </a:endParaRPr>
           </a:p>
         </p:txBody>
@@ -7048,10 +7420,16 @@
           <a:p>
             <a:pPr algn="ctr"/>
             <a:r>
-              <a:rPr lang="zh-CN" altLang="zh-CN" dirty="0"/>
+              <a:rPr lang="zh-CN" altLang="zh-CN" dirty="0">
+                <a:latin typeface="微软雅黑" panose="020B0503020204020204" charset="-122"/>
+                <a:ea typeface="微软雅黑" panose="020B0503020204020204" charset="-122"/>
+              </a:rPr>
               <a:t>虚拟现实技术不断发展</a:t>
             </a:r>
-            <a:endParaRPr lang="zh-CN" altLang="en-US" dirty="0"/>
+            <a:endParaRPr lang="zh-CN" altLang="en-US" dirty="0">
+              <a:latin typeface="微软雅黑" panose="020B0503020204020204" charset="-122"/>
+              <a:ea typeface="微软雅黑" panose="020B0503020204020204" charset="-122"/>
+            </a:endParaRPr>
           </a:p>
         </p:txBody>
       </p:sp>
@@ -7090,10 +7468,16 @@
           <a:p>
             <a:pPr algn="ctr"/>
             <a:r>
-              <a:rPr lang="zh-CN" altLang="en-US" dirty="0" smtClean="0"/>
+              <a:rPr lang="zh-CN" altLang="en-US" dirty="0" smtClean="0">
+                <a:latin typeface="微软雅黑" panose="020B0503020204020204" charset="-122"/>
+                <a:ea typeface="微软雅黑" panose="020B0503020204020204" charset="-122"/>
+              </a:rPr>
               <a:t>传统实验室</a:t>
             </a:r>
-            <a:endParaRPr lang="zh-CN" altLang="en-US" dirty="0"/>
+            <a:endParaRPr lang="zh-CN" altLang="en-US" dirty="0">
+              <a:latin typeface="微软雅黑" panose="020B0503020204020204" charset="-122"/>
+              <a:ea typeface="微软雅黑" panose="020B0503020204020204" charset="-122"/>
+            </a:endParaRPr>
           </a:p>
         </p:txBody>
       </p:sp>
@@ -7132,18 +7516,34 @@
           <a:p>
             <a:pPr algn="ctr"/>
             <a:r>
-              <a:rPr lang="en-US" altLang="zh-CN" dirty="0"/>
+              <a:rPr lang="en-US" altLang="zh-CN" dirty="0">
+                <a:latin typeface="微软雅黑" panose="020B0503020204020204" charset="-122"/>
+                <a:ea typeface="微软雅黑" panose="020B0503020204020204" charset="-122"/>
+                <a:cs typeface="微软雅黑" panose="020B0503020204020204" charset="-122"/>
+              </a:rPr>
               <a:t>2D</a:t>
             </a:r>
             <a:r>
-              <a:rPr lang="zh-CN" altLang="en-US" dirty="0"/>
+              <a:rPr lang="zh-CN" altLang="en-US" dirty="0">
+                <a:latin typeface="微软雅黑" panose="020B0503020204020204" charset="-122"/>
+                <a:ea typeface="微软雅黑" panose="020B0503020204020204" charset="-122"/>
+                <a:cs typeface="微软雅黑" panose="020B0503020204020204" charset="-122"/>
+              </a:rPr>
               <a:t>虚拟</a:t>
             </a:r>
             <a:r>
-              <a:rPr lang="zh-CN" altLang="en-US" dirty="0" smtClean="0"/>
+              <a:rPr lang="zh-CN" altLang="en-US" dirty="0" smtClean="0">
+                <a:latin typeface="微软雅黑" panose="020B0503020204020204" charset="-122"/>
+                <a:ea typeface="微软雅黑" panose="020B0503020204020204" charset="-122"/>
+                <a:cs typeface="微软雅黑" panose="020B0503020204020204" charset="-122"/>
+              </a:rPr>
               <a:t>实验室</a:t>
             </a:r>
-            <a:endParaRPr lang="zh-CN" altLang="en-US" dirty="0"/>
+            <a:endParaRPr lang="zh-CN" altLang="en-US" dirty="0">
+              <a:latin typeface="微软雅黑" panose="020B0503020204020204" charset="-122"/>
+              <a:ea typeface="微软雅黑" panose="020B0503020204020204" charset="-122"/>
+              <a:cs typeface="微软雅黑" panose="020B0503020204020204" charset="-122"/>
+            </a:endParaRPr>
           </a:p>
         </p:txBody>
       </p:sp>
@@ -7191,8 +7591,8 @@
         </p:nvSpPr>
         <p:spPr>
           <a:xfrm>
-            <a:off x="2844165" y="1722755"/>
-            <a:ext cx="1857375" cy="2459355"/>
+            <a:off x="2844165" y="1722120"/>
+            <a:ext cx="1857375" cy="2290445"/>
           </a:xfrm>
           <a:prstGeom prst="rect">
             <a:avLst/>
@@ -7240,24 +7640,15 @@
           </a:p>
           <a:p>
             <a:pPr algn="ctr"/>
-            <a:endParaRPr lang="zh-CN" altLang="en-US" sz="1800">
+            <a:endParaRPr lang="en-US" altLang="zh-CN" sz="1800">
               <a:solidFill>
                 <a:schemeClr val="tx1"/>
               </a:solidFill>
               <a:uFillTx/>
-              <a:latin typeface="宋体" panose="02010600030101010101" pitchFamily="2" charset="-122"/>
-              <a:ea typeface="宋体" panose="02010600030101010101" pitchFamily="2" charset="-122"/>
-            </a:endParaRPr>
-          </a:p>
-          <a:p>
-            <a:pPr algn="ctr"/>
-            <a:endParaRPr lang="zh-CN" altLang="en-US" sz="1800">
-              <a:solidFill>
-                <a:schemeClr val="tx1"/>
-              </a:solidFill>
-              <a:uFillTx/>
-              <a:latin typeface="宋体" panose="02010600030101010101" pitchFamily="2" charset="-122"/>
-              <a:ea typeface="宋体" panose="02010600030101010101" pitchFamily="2" charset="-122"/>
+              <a:latin typeface="微软雅黑" panose="020B0503020204020204" charset="-122"/>
+              <a:ea typeface="微软雅黑" panose="020B0503020204020204" charset="-122"/>
+              <a:cs typeface="微软雅黑" panose="020B0503020204020204" charset="-122"/>
+              <a:hlinkClick r:id="rId1" action="ppaction://hlinkfile"/>
             </a:endParaRPr>
           </a:p>
           <a:p>
@@ -7268,9 +7659,10 @@
                   <a:schemeClr val="tx1"/>
                 </a:solidFill>
                 <a:uFillTx/>
-                <a:latin typeface="宋体" panose="02010600030101010101" pitchFamily="2" charset="-122"/>
-                <a:ea typeface="宋体" panose="02010600030101010101" pitchFamily="2" charset="-122"/>
-                <a:hlinkClick r:id="rId1" tooltip="" action="ppaction://hlinkfile"/>
+                <a:latin typeface="微软雅黑" panose="020B0503020204020204" charset="-122"/>
+                <a:ea typeface="微软雅黑" panose="020B0503020204020204" charset="-122"/>
+                <a:cs typeface="微软雅黑" panose="020B0503020204020204" charset="-122"/>
+                <a:hlinkClick r:id="rId1" action="ppaction://hlinkfile"/>
               </a:rPr>
               <a:t>2D</a:t>
             </a:r>
@@ -7280,9 +7672,10 @@
                   <a:schemeClr val="tx1"/>
                 </a:solidFill>
                 <a:uFillTx/>
-                <a:latin typeface="宋体" panose="02010600030101010101" pitchFamily="2" charset="-122"/>
-                <a:ea typeface="宋体" panose="02010600030101010101" pitchFamily="2" charset="-122"/>
-                <a:hlinkClick r:id="rId1" tooltip="" action="ppaction://hlinkfile"/>
+                <a:latin typeface="微软雅黑" panose="020B0503020204020204" charset="-122"/>
+                <a:ea typeface="微软雅黑" panose="020B0503020204020204" charset="-122"/>
+                <a:cs typeface="微软雅黑" panose="020B0503020204020204" charset="-122"/>
+                <a:hlinkClick r:id="rId1" action="ppaction://hlinkfile"/>
               </a:rPr>
               <a:t>虚拟实验</a:t>
             </a:r>
@@ -7292,12 +7685,17 @@
                   <a:schemeClr val="tx1"/>
                 </a:solidFill>
                 <a:uFillTx/>
-                <a:latin typeface="宋体" panose="02010600030101010101" pitchFamily="2" charset="-122"/>
-                <a:ea typeface="宋体" panose="02010600030101010101" pitchFamily="2" charset="-122"/>
+                <a:latin typeface="微软雅黑" panose="020B0503020204020204" charset="-122"/>
+                <a:ea typeface="微软雅黑" panose="020B0503020204020204" charset="-122"/>
+                <a:cs typeface="微软雅黑" panose="020B0503020204020204" charset="-122"/>
               </a:rPr>
               <a:t>把现实中的实验转移到虚拟环境中</a:t>
             </a:r>
-            <a:endParaRPr lang="zh-CN" altLang="en-US"/>
+            <a:endParaRPr lang="zh-CN" altLang="en-US">
+              <a:latin typeface="微软雅黑" panose="020B0503020204020204" charset="-122"/>
+              <a:ea typeface="微软雅黑" panose="020B0503020204020204" charset="-122"/>
+              <a:cs typeface="微软雅黑" panose="020B0503020204020204" charset="-122"/>
+            </a:endParaRPr>
           </a:p>
         </p:txBody>
       </p:sp>
@@ -7335,10 +7733,16 @@
           <a:p>
             <a:pPr algn="ctr"/>
             <a:r>
-              <a:rPr lang="zh-CN" altLang="zh-CN" dirty="0"/>
+              <a:rPr lang="zh-CN" altLang="zh-CN" dirty="0">
+                <a:latin typeface="微软雅黑" panose="020B0503020204020204" charset="-122"/>
+                <a:ea typeface="微软雅黑" panose="020B0503020204020204" charset="-122"/>
+              </a:rPr>
               <a:t>计算机技术不断发展</a:t>
             </a:r>
-            <a:endParaRPr lang="zh-CN" altLang="en-US" dirty="0"/>
+            <a:endParaRPr lang="zh-CN" altLang="en-US" dirty="0">
+              <a:latin typeface="微软雅黑" panose="020B0503020204020204" charset="-122"/>
+              <a:ea typeface="微软雅黑" panose="020B0503020204020204" charset="-122"/>
+            </a:endParaRPr>
           </a:p>
         </p:txBody>
       </p:sp>
@@ -7480,22 +7884,42 @@
           <a:p>
             <a:pPr algn="ctr"/>
             <a:r>
-              <a:rPr lang="zh-CN" altLang="en-US" dirty="0"/>
+              <a:rPr lang="zh-CN" altLang="en-US" dirty="0">
+                <a:latin typeface="微软雅黑" panose="020B0503020204020204" charset="-122"/>
+                <a:ea typeface="微软雅黑" panose="020B0503020204020204" charset="-122"/>
+                <a:cs typeface="微软雅黑" panose="020B0503020204020204" charset="-122"/>
+              </a:rPr>
               <a:t>单机</a:t>
             </a:r>
             <a:r>
-              <a:rPr lang="en-US" altLang="zh-CN" dirty="0"/>
+              <a:rPr lang="en-US" altLang="zh-CN" dirty="0">
+                <a:latin typeface="微软雅黑" panose="020B0503020204020204" charset="-122"/>
+                <a:ea typeface="微软雅黑" panose="020B0503020204020204" charset="-122"/>
+                <a:cs typeface="微软雅黑" panose="020B0503020204020204" charset="-122"/>
+              </a:rPr>
               <a:t>3D</a:t>
             </a:r>
             <a:r>
-              <a:rPr lang="zh-CN" altLang="en-US" dirty="0"/>
+              <a:rPr lang="zh-CN" altLang="en-US" dirty="0">
+                <a:latin typeface="微软雅黑" panose="020B0503020204020204" charset="-122"/>
+                <a:ea typeface="微软雅黑" panose="020B0503020204020204" charset="-122"/>
+                <a:cs typeface="微软雅黑" panose="020B0503020204020204" charset="-122"/>
+              </a:rPr>
               <a:t>虚拟</a:t>
             </a:r>
             <a:r>
-              <a:rPr lang="zh-CN" altLang="en-US" dirty="0" smtClean="0"/>
+              <a:rPr lang="zh-CN" altLang="en-US" dirty="0" smtClean="0">
+                <a:latin typeface="微软雅黑" panose="020B0503020204020204" charset="-122"/>
+                <a:ea typeface="微软雅黑" panose="020B0503020204020204" charset="-122"/>
+                <a:cs typeface="微软雅黑" panose="020B0503020204020204" charset="-122"/>
+              </a:rPr>
               <a:t>实验室</a:t>
             </a:r>
-            <a:endParaRPr lang="zh-CN" altLang="en-US" dirty="0"/>
+            <a:endParaRPr lang="zh-CN" altLang="en-US" dirty="0">
+              <a:latin typeface="微软雅黑" panose="020B0503020204020204" charset="-122"/>
+              <a:ea typeface="微软雅黑" panose="020B0503020204020204" charset="-122"/>
+              <a:cs typeface="微软雅黑" panose="020B0503020204020204" charset="-122"/>
+            </a:endParaRPr>
           </a:p>
         </p:txBody>
       </p:sp>
@@ -7547,8 +7971,8 @@
                   <a:schemeClr val="tx1"/>
                 </a:solidFill>
                 <a:uFillTx/>
-                <a:latin typeface="宋体" panose="02010600030101010101" pitchFamily="2" charset="-122"/>
-                <a:ea typeface="宋体" panose="02010600030101010101" pitchFamily="2" charset="-122"/>
+                <a:latin typeface="微软雅黑" panose="020B0503020204020204" charset="-122"/>
+                <a:ea typeface="微软雅黑" panose="020B0503020204020204" charset="-122"/>
               </a:rPr>
               <a:t>实现了</a:t>
             </a:r>
@@ -7558,9 +7982,9 @@
                   <a:schemeClr val="tx1"/>
                 </a:solidFill>
                 <a:uFillTx/>
-                <a:latin typeface="宋体" panose="02010600030101010101" pitchFamily="2" charset="-122"/>
-                <a:ea typeface="宋体" panose="02010600030101010101" pitchFamily="2" charset="-122"/>
-                <a:hlinkClick r:id="rId2" tooltip="" action="ppaction://hlinkfile"/>
+                <a:latin typeface="微软雅黑" panose="020B0503020204020204" charset="-122"/>
+                <a:ea typeface="微软雅黑" panose="020B0503020204020204" charset="-122"/>
+                <a:hlinkClick r:id="rId2" action="ppaction://hlinkfile"/>
               </a:rPr>
               <a:t>三维虚拟场景</a:t>
             </a:r>
@@ -7570,12 +7994,15 @@
                   <a:schemeClr val="tx1"/>
                 </a:solidFill>
                 <a:uFillTx/>
-                <a:latin typeface="宋体" panose="02010600030101010101" pitchFamily="2" charset="-122"/>
-                <a:ea typeface="宋体" panose="02010600030101010101" pitchFamily="2" charset="-122"/>
+                <a:latin typeface="微软雅黑" panose="020B0503020204020204" charset="-122"/>
+                <a:ea typeface="微软雅黑" panose="020B0503020204020204" charset="-122"/>
               </a:rPr>
               <a:t>、虚拟角色，提高了虚拟实验的逼真度和人机交互，但是只能独立完成实验</a:t>
             </a:r>
-            <a:endParaRPr lang="zh-CN" altLang="en-US"/>
+            <a:endParaRPr lang="zh-CN" altLang="en-US">
+              <a:latin typeface="微软雅黑" panose="020B0503020204020204" charset="-122"/>
+              <a:ea typeface="微软雅黑" panose="020B0503020204020204" charset="-122"/>
+            </a:endParaRPr>
           </a:p>
         </p:txBody>
       </p:sp>
@@ -7613,22 +8040,42 @@
           <a:p>
             <a:pPr algn="ctr"/>
             <a:r>
-              <a:rPr lang="zh-CN" altLang="en-US" dirty="0"/>
+              <a:rPr lang="zh-CN" altLang="en-US" dirty="0">
+                <a:latin typeface="微软雅黑" panose="020B0503020204020204" charset="-122"/>
+                <a:ea typeface="微软雅黑" panose="020B0503020204020204" charset="-122"/>
+                <a:cs typeface="微软雅黑" panose="020B0503020204020204" charset="-122"/>
+              </a:rPr>
               <a:t>协同</a:t>
             </a:r>
             <a:r>
-              <a:rPr lang="en-US" altLang="zh-CN" dirty="0"/>
+              <a:rPr lang="en-US" altLang="zh-CN" dirty="0">
+                <a:latin typeface="微软雅黑" panose="020B0503020204020204" charset="-122"/>
+                <a:ea typeface="微软雅黑" panose="020B0503020204020204" charset="-122"/>
+                <a:cs typeface="微软雅黑" panose="020B0503020204020204" charset="-122"/>
+              </a:rPr>
               <a:t>3D</a:t>
             </a:r>
             <a:r>
-              <a:rPr lang="zh-CN" altLang="en-US" dirty="0"/>
+              <a:rPr lang="zh-CN" altLang="en-US" dirty="0">
+                <a:latin typeface="微软雅黑" panose="020B0503020204020204" charset="-122"/>
+                <a:ea typeface="微软雅黑" panose="020B0503020204020204" charset="-122"/>
+                <a:cs typeface="微软雅黑" panose="020B0503020204020204" charset="-122"/>
+              </a:rPr>
               <a:t>虚拟</a:t>
             </a:r>
             <a:r>
-              <a:rPr lang="zh-CN" altLang="en-US" dirty="0" smtClean="0"/>
+              <a:rPr lang="zh-CN" altLang="en-US" dirty="0" smtClean="0">
+                <a:latin typeface="微软雅黑" panose="020B0503020204020204" charset="-122"/>
+                <a:ea typeface="微软雅黑" panose="020B0503020204020204" charset="-122"/>
+                <a:cs typeface="微软雅黑" panose="020B0503020204020204" charset="-122"/>
+              </a:rPr>
               <a:t>实验室</a:t>
             </a:r>
-            <a:endParaRPr lang="zh-CN" altLang="en-US" dirty="0"/>
+            <a:endParaRPr lang="zh-CN" altLang="en-US" dirty="0">
+              <a:latin typeface="微软雅黑" panose="020B0503020204020204" charset="-122"/>
+              <a:ea typeface="微软雅黑" panose="020B0503020204020204" charset="-122"/>
+              <a:cs typeface="微软雅黑" panose="020B0503020204020204" charset="-122"/>
+            </a:endParaRPr>
           </a:p>
         </p:txBody>
       </p:sp>
@@ -7712,10 +8159,16 @@
           <a:p>
             <a:pPr algn="ctr"/>
             <a:r>
-              <a:rPr lang="zh-CN" altLang="zh-CN" dirty="0"/>
+              <a:rPr lang="zh-CN" altLang="zh-CN" dirty="0">
+                <a:latin typeface="微软雅黑" panose="020B0503020204020204" charset="-122"/>
+                <a:ea typeface="微软雅黑" panose="020B0503020204020204" charset="-122"/>
+              </a:rPr>
               <a:t>网络技术不断发展</a:t>
             </a:r>
-            <a:endParaRPr lang="zh-CN" altLang="en-US" dirty="0"/>
+            <a:endParaRPr lang="zh-CN" altLang="en-US" dirty="0">
+              <a:latin typeface="微软雅黑" panose="020B0503020204020204" charset="-122"/>
+              <a:ea typeface="微软雅黑" panose="020B0503020204020204" charset="-122"/>
+            </a:endParaRPr>
           </a:p>
         </p:txBody>
       </p:sp>
@@ -7762,8 +8215,8 @@
         </p:nvSpPr>
         <p:spPr>
           <a:xfrm>
-            <a:off x="5938520" y="3559810"/>
-            <a:ext cx="2311400" cy="2344420"/>
+            <a:off x="5938520" y="3689985"/>
+            <a:ext cx="2311400" cy="2214245"/>
           </a:xfrm>
           <a:prstGeom prst="rect">
             <a:avLst/>
@@ -7820,8 +8273,8 @@
                   <a:schemeClr val="tx1"/>
                 </a:solidFill>
                 <a:uFillTx/>
-                <a:latin typeface="宋体" panose="02010600030101010101" pitchFamily="2" charset="-122"/>
-                <a:ea typeface="宋体" panose="02010600030101010101" pitchFamily="2" charset="-122"/>
+                <a:latin typeface="微软雅黑" panose="020B0503020204020204" charset="-122"/>
+                <a:ea typeface="微软雅黑" panose="020B0503020204020204" charset="-122"/>
               </a:rPr>
               <a:t>人机交互变得更好，支持</a:t>
             </a:r>
@@ -7831,9 +8284,9 @@
                   <a:schemeClr val="tx1"/>
                 </a:solidFill>
                 <a:uFillTx/>
-                <a:latin typeface="宋体" panose="02010600030101010101" pitchFamily="2" charset="-122"/>
-                <a:ea typeface="宋体" panose="02010600030101010101" pitchFamily="2" charset="-122"/>
-                <a:hlinkClick r:id="rId3" tooltip="" action="ppaction://hlinkfile"/>
+                <a:latin typeface="微软雅黑" panose="020B0503020204020204" charset="-122"/>
+                <a:ea typeface="微软雅黑" panose="020B0503020204020204" charset="-122"/>
+                <a:hlinkClick r:id="rId3" action="ppaction://hlinkfile"/>
               </a:rPr>
               <a:t>多人协作实验</a:t>
             </a:r>
@@ -7843,8 +8296,8 @@
                   <a:schemeClr val="tx1"/>
                 </a:solidFill>
                 <a:uFillTx/>
-                <a:latin typeface="宋体" panose="02010600030101010101" pitchFamily="2" charset="-122"/>
-                <a:ea typeface="宋体" panose="02010600030101010101" pitchFamily="2" charset="-122"/>
+                <a:latin typeface="微软雅黑" panose="020B0503020204020204" charset="-122"/>
+                <a:ea typeface="微软雅黑" panose="020B0503020204020204" charset="-122"/>
               </a:rPr>
               <a:t>，提高学生的合作能力和兴趣</a:t>
             </a:r>
@@ -7853,8 +8306,8 @@
                 <a:schemeClr val="tx1"/>
               </a:solidFill>
               <a:uFillTx/>
-              <a:latin typeface="宋体" panose="02010600030101010101" pitchFamily="2" charset="-122"/>
-              <a:ea typeface="宋体" panose="02010600030101010101" pitchFamily="2" charset="-122"/>
+              <a:latin typeface="微软雅黑" panose="020B0503020204020204" charset="-122"/>
+              <a:ea typeface="微软雅黑" panose="020B0503020204020204" charset="-122"/>
             </a:endParaRPr>
           </a:p>
         </p:txBody>
@@ -8555,13 +9008,13 @@
       <p:bldP spid="10" grpId="0" animBg="1"/>
       <p:bldP spid="11" grpId="0" animBg="1"/>
       <p:bldP spid="28" grpId="0" animBg="1"/>
-      <p:bldP spid="7" grpId="0" animBg="1"/>
+      <p:bldP spid="7" grpId="0" bldLvl="0" animBg="1"/>
       <p:bldP spid="8" grpId="0" animBg="1"/>
       <p:bldP spid="16" grpId="0" animBg="1"/>
       <p:bldP spid="17" grpId="0" animBg="1"/>
       <p:bldP spid="20" grpId="0" animBg="1"/>
       <p:bldP spid="18" grpId="0" animBg="1"/>
-      <p:bldP spid="22" grpId="0" animBg="1"/>
+      <p:bldP spid="22" grpId="0" bldLvl="0" animBg="1"/>
     </p:bldLst>
   </p:timing>
 </p:sld>
@@ -8668,106 +9121,206 @@
           </a:bodyPr>
           <a:p>
             <a:r>
-              <a:rPr lang="zh-CN" altLang="en-US"/>
+              <a:rPr lang="zh-CN" altLang="en-US">
+                <a:latin typeface="微软雅黑" panose="020B0503020204020204" charset="-122"/>
+                <a:ea typeface="微软雅黑" panose="020B0503020204020204" charset="-122"/>
+                <a:cs typeface="微软雅黑" panose="020B0503020204020204" charset="-122"/>
+              </a:rPr>
               <a:t>目前的协同实验系统的研究主要集中在以下四个方面：</a:t>
             </a:r>
-            <a:endParaRPr lang="zh-CN" altLang="en-US"/>
-          </a:p>
-          <a:p>
-            <a:endParaRPr lang="zh-CN" altLang="en-US"/>
-          </a:p>
-          <a:p>
-            <a:r>
-              <a:rPr lang="zh-CN" altLang="en-US"/>
+            <a:endParaRPr lang="zh-CN" altLang="en-US">
+              <a:latin typeface="微软雅黑" panose="020B0503020204020204" charset="-122"/>
+              <a:ea typeface="微软雅黑" panose="020B0503020204020204" charset="-122"/>
+              <a:cs typeface="微软雅黑" panose="020B0503020204020204" charset="-122"/>
+            </a:endParaRPr>
+          </a:p>
+          <a:p>
+            <a:endParaRPr lang="zh-CN" altLang="en-US">
+              <a:latin typeface="微软雅黑" panose="020B0503020204020204" charset="-122"/>
+              <a:ea typeface="微软雅黑" panose="020B0503020204020204" charset="-122"/>
+              <a:cs typeface="微软雅黑" panose="020B0503020204020204" charset="-122"/>
+            </a:endParaRPr>
+          </a:p>
+          <a:p>
+            <a:r>
+              <a:rPr lang="zh-CN" altLang="en-US">
+                <a:latin typeface="微软雅黑" panose="020B0503020204020204" charset="-122"/>
+                <a:ea typeface="微软雅黑" panose="020B0503020204020204" charset="-122"/>
+                <a:cs typeface="微软雅黑" panose="020B0503020204020204" charset="-122"/>
+              </a:rPr>
               <a:t>（</a:t>
             </a:r>
             <a:r>
-              <a:rPr lang="en-US" altLang="zh-CN"/>
+              <a:rPr lang="en-US" altLang="zh-CN">
+                <a:latin typeface="微软雅黑" panose="020B0503020204020204" charset="-122"/>
+                <a:ea typeface="微软雅黑" panose="020B0503020204020204" charset="-122"/>
+                <a:cs typeface="微软雅黑" panose="020B0503020204020204" charset="-122"/>
+              </a:rPr>
               <a:t>1</a:t>
             </a:r>
             <a:r>
-              <a:rPr lang="zh-CN" altLang="en-US"/>
+              <a:rPr lang="zh-CN" altLang="en-US">
+                <a:latin typeface="微软雅黑" panose="020B0503020204020204" charset="-122"/>
+                <a:ea typeface="微软雅黑" panose="020B0503020204020204" charset="-122"/>
+                <a:cs typeface="微软雅黑" panose="020B0503020204020204" charset="-122"/>
+              </a:rPr>
               <a:t>）</a:t>
             </a:r>
             <a:r>
               <a:rPr lang="zh-CN" altLang="en-US">
-                <a:hlinkClick r:id="rId1" tooltip="" action="ppaction://hlinkfile"/>
+                <a:latin typeface="微软雅黑" panose="020B0503020204020204" charset="-122"/>
+                <a:ea typeface="微软雅黑" panose="020B0503020204020204" charset="-122"/>
+                <a:cs typeface="微软雅黑" panose="020B0503020204020204" charset="-122"/>
+                <a:hlinkClick r:id="rId1" action="ppaction://hlinkfile"/>
               </a:rPr>
               <a:t>增加辅助协同实验的手段</a:t>
             </a:r>
-            <a:endParaRPr lang="zh-CN" altLang="en-US"/>
-          </a:p>
-          <a:p>
-            <a:endParaRPr lang="zh-CN" altLang="en-US"/>
-          </a:p>
-          <a:p>
-            <a:r>
-              <a:rPr lang="zh-CN" altLang="en-US"/>
+            <a:endParaRPr lang="zh-CN" altLang="en-US">
+              <a:latin typeface="微软雅黑" panose="020B0503020204020204" charset="-122"/>
+              <a:ea typeface="微软雅黑" panose="020B0503020204020204" charset="-122"/>
+              <a:cs typeface="微软雅黑" panose="020B0503020204020204" charset="-122"/>
+            </a:endParaRPr>
+          </a:p>
+          <a:p>
+            <a:endParaRPr lang="zh-CN" altLang="en-US">
+              <a:latin typeface="微软雅黑" panose="020B0503020204020204" charset="-122"/>
+              <a:ea typeface="微软雅黑" panose="020B0503020204020204" charset="-122"/>
+              <a:cs typeface="微软雅黑" panose="020B0503020204020204" charset="-122"/>
+            </a:endParaRPr>
+          </a:p>
+          <a:p>
+            <a:r>
+              <a:rPr lang="zh-CN" altLang="en-US">
+                <a:latin typeface="微软雅黑" panose="020B0503020204020204" charset="-122"/>
+                <a:ea typeface="微软雅黑" panose="020B0503020204020204" charset="-122"/>
+                <a:cs typeface="微软雅黑" panose="020B0503020204020204" charset="-122"/>
+              </a:rPr>
               <a:t>（</a:t>
             </a:r>
             <a:r>
-              <a:rPr lang="en-US" altLang="zh-CN"/>
+              <a:rPr lang="en-US" altLang="zh-CN">
+                <a:latin typeface="微软雅黑" panose="020B0503020204020204" charset="-122"/>
+                <a:ea typeface="微软雅黑" panose="020B0503020204020204" charset="-122"/>
+                <a:cs typeface="微软雅黑" panose="020B0503020204020204" charset="-122"/>
+              </a:rPr>
               <a:t>2</a:t>
             </a:r>
             <a:r>
-              <a:rPr lang="zh-CN" altLang="en-US"/>
+              <a:rPr lang="zh-CN" altLang="en-US">
+                <a:latin typeface="微软雅黑" panose="020B0503020204020204" charset="-122"/>
+                <a:ea typeface="微软雅黑" panose="020B0503020204020204" charset="-122"/>
+                <a:cs typeface="微软雅黑" panose="020B0503020204020204" charset="-122"/>
+              </a:rPr>
               <a:t>）</a:t>
             </a:r>
             <a:r>
               <a:rPr lang="zh-CN" altLang="en-US">
-                <a:hlinkClick r:id="rId2" tooltip="" action="ppaction://hlinkfile"/>
+                <a:latin typeface="微软雅黑" panose="020B0503020204020204" charset="-122"/>
+                <a:ea typeface="微软雅黑" panose="020B0503020204020204" charset="-122"/>
+                <a:cs typeface="微软雅黑" panose="020B0503020204020204" charset="-122"/>
+                <a:hlinkClick r:id="rId2" action="ppaction://hlinkfile"/>
               </a:rPr>
               <a:t>增加</a:t>
             </a:r>
             <a:r>
               <a:rPr lang="en-US" altLang="zh-CN">
-                <a:hlinkClick r:id="rId2" tooltip="" action="ppaction://hlinkfile"/>
+                <a:latin typeface="微软雅黑" panose="020B0503020204020204" charset="-122"/>
+                <a:ea typeface="微软雅黑" panose="020B0503020204020204" charset="-122"/>
+                <a:cs typeface="微软雅黑" panose="020B0503020204020204" charset="-122"/>
+                <a:hlinkClick r:id="rId2" action="ppaction://hlinkfile"/>
               </a:rPr>
               <a:t>AR</a:t>
             </a:r>
             <a:r>
               <a:rPr lang="zh-CN" altLang="en-US">
-                <a:hlinkClick r:id="rId2" tooltip="" action="ppaction://hlinkfile"/>
+                <a:latin typeface="微软雅黑" panose="020B0503020204020204" charset="-122"/>
+                <a:ea typeface="微软雅黑" panose="020B0503020204020204" charset="-122"/>
+                <a:cs typeface="微软雅黑" panose="020B0503020204020204" charset="-122"/>
+                <a:hlinkClick r:id="rId2" action="ppaction://hlinkfile"/>
               </a:rPr>
               <a:t>设备使协同实验更加真实</a:t>
             </a:r>
-            <a:endParaRPr lang="zh-CN" altLang="en-US"/>
-          </a:p>
-          <a:p>
-            <a:endParaRPr lang="zh-CN" altLang="en-US"/>
-          </a:p>
-          <a:p>
-            <a:r>
-              <a:rPr lang="zh-CN" altLang="en-US"/>
+            <a:endParaRPr lang="zh-CN" altLang="en-US">
+              <a:latin typeface="微软雅黑" panose="020B0503020204020204" charset="-122"/>
+              <a:ea typeface="微软雅黑" panose="020B0503020204020204" charset="-122"/>
+              <a:cs typeface="微软雅黑" panose="020B0503020204020204" charset="-122"/>
+            </a:endParaRPr>
+          </a:p>
+          <a:p>
+            <a:endParaRPr lang="zh-CN" altLang="en-US">
+              <a:latin typeface="微软雅黑" panose="020B0503020204020204" charset="-122"/>
+              <a:ea typeface="微软雅黑" panose="020B0503020204020204" charset="-122"/>
+              <a:cs typeface="微软雅黑" panose="020B0503020204020204" charset="-122"/>
+            </a:endParaRPr>
+          </a:p>
+          <a:p>
+            <a:r>
+              <a:rPr lang="zh-CN" altLang="en-US">
+                <a:latin typeface="微软雅黑" panose="020B0503020204020204" charset="-122"/>
+                <a:ea typeface="微软雅黑" panose="020B0503020204020204" charset="-122"/>
+                <a:cs typeface="微软雅黑" panose="020B0503020204020204" charset="-122"/>
+              </a:rPr>
               <a:t>（</a:t>
             </a:r>
             <a:r>
-              <a:rPr lang="en-US" altLang="zh-CN"/>
+              <a:rPr lang="en-US" altLang="zh-CN">
+                <a:latin typeface="微软雅黑" panose="020B0503020204020204" charset="-122"/>
+                <a:ea typeface="微软雅黑" panose="020B0503020204020204" charset="-122"/>
+                <a:cs typeface="微软雅黑" panose="020B0503020204020204" charset="-122"/>
+              </a:rPr>
               <a:t>3</a:t>
             </a:r>
             <a:r>
-              <a:rPr lang="zh-CN" altLang="en-US"/>
+              <a:rPr lang="zh-CN" altLang="en-US">
+                <a:latin typeface="微软雅黑" panose="020B0503020204020204" charset="-122"/>
+                <a:ea typeface="微软雅黑" panose="020B0503020204020204" charset="-122"/>
+                <a:cs typeface="微软雅黑" panose="020B0503020204020204" charset="-122"/>
+              </a:rPr>
               <a:t>）改变协同的形式</a:t>
             </a:r>
-            <a:endParaRPr lang="zh-CN" altLang="en-US"/>
-          </a:p>
-          <a:p>
-            <a:endParaRPr lang="zh-CN" altLang="en-US"/>
-          </a:p>
-          <a:p>
-            <a:r>
-              <a:rPr lang="zh-CN" altLang="en-US"/>
+            <a:endParaRPr lang="zh-CN" altLang="en-US">
+              <a:latin typeface="微软雅黑" panose="020B0503020204020204" charset="-122"/>
+              <a:ea typeface="微软雅黑" panose="020B0503020204020204" charset="-122"/>
+              <a:cs typeface="微软雅黑" panose="020B0503020204020204" charset="-122"/>
+            </a:endParaRPr>
+          </a:p>
+          <a:p>
+            <a:endParaRPr lang="zh-CN" altLang="en-US">
+              <a:latin typeface="微软雅黑" panose="020B0503020204020204" charset="-122"/>
+              <a:ea typeface="微软雅黑" panose="020B0503020204020204" charset="-122"/>
+              <a:cs typeface="微软雅黑" panose="020B0503020204020204" charset="-122"/>
+            </a:endParaRPr>
+          </a:p>
+          <a:p>
+            <a:r>
+              <a:rPr lang="zh-CN" altLang="en-US">
+                <a:latin typeface="微软雅黑" panose="020B0503020204020204" charset="-122"/>
+                <a:ea typeface="微软雅黑" panose="020B0503020204020204" charset="-122"/>
+                <a:cs typeface="微软雅黑" panose="020B0503020204020204" charset="-122"/>
+              </a:rPr>
               <a:t>（</a:t>
             </a:r>
             <a:r>
-              <a:rPr lang="en-US" altLang="zh-CN"/>
+              <a:rPr lang="en-US" altLang="zh-CN">
+                <a:latin typeface="微软雅黑" panose="020B0503020204020204" charset="-122"/>
+                <a:ea typeface="微软雅黑" panose="020B0503020204020204" charset="-122"/>
+                <a:cs typeface="微软雅黑" panose="020B0503020204020204" charset="-122"/>
+              </a:rPr>
               <a:t>4</a:t>
             </a:r>
             <a:r>
-              <a:rPr lang="zh-CN" altLang="en-US"/>
+              <a:rPr lang="zh-CN" altLang="en-US">
+                <a:latin typeface="微软雅黑" panose="020B0503020204020204" charset="-122"/>
+                <a:ea typeface="微软雅黑" panose="020B0503020204020204" charset="-122"/>
+                <a:cs typeface="微软雅黑" panose="020B0503020204020204" charset="-122"/>
+              </a:rPr>
               <a:t>）协同算法</a:t>
             </a:r>
-            <a:endParaRPr lang="zh-CN" altLang="en-US"/>
+            <a:endParaRPr lang="zh-CN" altLang="en-US">
+              <a:latin typeface="微软雅黑" panose="020B0503020204020204" charset="-122"/>
+              <a:ea typeface="微软雅黑" panose="020B0503020204020204" charset="-122"/>
+              <a:cs typeface="微软雅黑" panose="020B0503020204020204" charset="-122"/>
+            </a:endParaRPr>
           </a:p>
           <a:p>
             <a:endParaRPr lang="zh-CN" altLang="en-US"/>
@@ -8864,8 +9417,8 @@
                     <a:srgbClr val="C0C0C0"/>
                   </a:outerShdw>
                 </a:effectLst>
-                <a:latin typeface="华文楷体" panose="02010600040101010101" pitchFamily="2" charset="-122"/>
-                <a:ea typeface="华文楷体" panose="02010600040101010101" pitchFamily="2" charset="-122"/>
+                <a:latin typeface="微软雅黑" panose="020B0503020204020204" charset="-122"/>
+                <a:ea typeface="微软雅黑" panose="020B0503020204020204" charset="-122"/>
               </a:rPr>
               <a:t>选题</a:t>
             </a:r>
@@ -8879,8 +9432,8 @@
                     <a:srgbClr val="C0C0C0"/>
                   </a:outerShdw>
                 </a:effectLst>
-                <a:latin typeface="华文楷体" panose="02010600040101010101" pitchFamily="2" charset="-122"/>
-                <a:ea typeface="华文楷体" panose="02010600040101010101" pitchFamily="2" charset="-122"/>
+                <a:latin typeface="微软雅黑" panose="020B0503020204020204" charset="-122"/>
+                <a:ea typeface="微软雅黑" panose="020B0503020204020204" charset="-122"/>
               </a:rPr>
               <a:t>的背景和意义</a:t>
             </a:r>
@@ -8893,8 +9446,8 @@
                   <a:srgbClr val="C0C0C0"/>
                 </a:outerShdw>
               </a:effectLst>
-              <a:latin typeface="华文楷体" panose="02010600040101010101" pitchFamily="2" charset="-122"/>
-              <a:ea typeface="华文楷体" panose="02010600040101010101" pitchFamily="2" charset="-122"/>
+              <a:latin typeface="微软雅黑" panose="020B0503020204020204" charset="-122"/>
+              <a:ea typeface="微软雅黑" panose="020B0503020204020204" charset="-122"/>
             </a:endParaRPr>
           </a:p>
           <a:p>
@@ -8915,8 +9468,8 @@
                     <a:srgbClr val="C0C0C0"/>
                   </a:outerShdw>
                 </a:effectLst>
-                <a:latin typeface="华文楷体" panose="02010600040101010101" pitchFamily="2" charset="-122"/>
-                <a:ea typeface="华文楷体" panose="02010600040101010101" pitchFamily="2" charset="-122"/>
+                <a:latin typeface="微软雅黑" panose="020B0503020204020204" charset="-122"/>
+                <a:ea typeface="微软雅黑" panose="020B0503020204020204" charset="-122"/>
               </a:rPr>
               <a:t>主要研究内容</a:t>
             </a:r>
@@ -8929,8 +9482,8 @@
                   <a:srgbClr val="C0C0C0"/>
                 </a:outerShdw>
               </a:effectLst>
-              <a:latin typeface="华文楷体" panose="02010600040101010101" pitchFamily="2" charset="-122"/>
-              <a:ea typeface="华文楷体" panose="02010600040101010101" pitchFamily="2" charset="-122"/>
+              <a:latin typeface="微软雅黑" panose="020B0503020204020204" charset="-122"/>
+              <a:ea typeface="微软雅黑" panose="020B0503020204020204" charset="-122"/>
             </a:endParaRPr>
           </a:p>
           <a:p>
@@ -8948,8 +9501,8 @@
                     <a:srgbClr val="C0C0C0"/>
                   </a:outerShdw>
                 </a:effectLst>
-                <a:latin typeface="华文楷体" panose="02010600040101010101" pitchFamily="2" charset="-122"/>
-                <a:ea typeface="华文楷体" panose="02010600040101010101" pitchFamily="2" charset="-122"/>
+                <a:latin typeface="微软雅黑" panose="020B0503020204020204" charset="-122"/>
+                <a:ea typeface="微软雅黑" panose="020B0503020204020204" charset="-122"/>
               </a:rPr>
               <a:t>仿真结果展示</a:t>
             </a:r>
@@ -8959,8 +9512,8 @@
                   <a:srgbClr val="C0C0C0"/>
                 </a:outerShdw>
               </a:effectLst>
-              <a:latin typeface="华文楷体" panose="02010600040101010101" pitchFamily="2" charset="-122"/>
-              <a:ea typeface="华文楷体" panose="02010600040101010101" pitchFamily="2" charset="-122"/>
+              <a:latin typeface="微软雅黑" panose="020B0503020204020204" charset="-122"/>
+              <a:ea typeface="微软雅黑" panose="020B0503020204020204" charset="-122"/>
             </a:endParaRPr>
           </a:p>
         </p:txBody>
@@ -9009,14 +9562,214 @@
             </a:pPr>
             <a:r>
               <a:rPr lang="zh-CN" altLang="en-US">
-                <a:latin typeface="楷体" panose="02010609060101010101" charset="-122"/>
-                <a:ea typeface="楷体" panose="02010609060101010101" charset="-122"/>
+                <a:latin typeface="宋体" panose="02010600030101010101" pitchFamily="2" charset="-122"/>
+                <a:ea typeface="宋体" panose="02010600030101010101" pitchFamily="2" charset="-122"/>
+                <a:cs typeface="宋体" panose="02010600030101010101" pitchFamily="2" charset="-122"/>
               </a:rPr>
-              <a:t>三大系统，五大功能模块，多编程语言交互</a:t>
+              <a:t>解决同步问题的算法</a:t>
             </a:r>
             <a:endParaRPr lang="zh-CN" altLang="en-US">
-              <a:latin typeface="楷体" panose="02010609060101010101" charset="-122"/>
-              <a:ea typeface="楷体" panose="02010609060101010101" charset="-122"/>
+              <a:latin typeface="宋体" panose="02010600030101010101" pitchFamily="2" charset="-122"/>
+              <a:ea typeface="宋体" panose="02010600030101010101" pitchFamily="2" charset="-122"/>
+              <a:cs typeface="宋体" panose="02010600030101010101" pitchFamily="2" charset="-122"/>
+            </a:endParaRPr>
+          </a:p>
+          <a:p>
+            <a:pPr marL="109220" indent="0">
+              <a:buNone/>
+            </a:pPr>
+            <a:r>
+              <a:rPr lang="zh-CN" altLang="en-US">
+                <a:latin typeface="宋体" panose="02010600030101010101" pitchFamily="2" charset="-122"/>
+                <a:ea typeface="宋体" panose="02010600030101010101" pitchFamily="2" charset="-122"/>
+                <a:cs typeface="宋体" panose="02010600030101010101" pitchFamily="2" charset="-122"/>
+              </a:rPr>
+              <a:t>    帧同步算法</a:t>
+            </a:r>
+            <a:r>
+              <a:rPr lang="en-US" altLang="zh-CN">
+                <a:latin typeface="宋体" panose="02010600030101010101" pitchFamily="2" charset="-122"/>
+                <a:ea typeface="宋体" panose="02010600030101010101" pitchFamily="2" charset="-122"/>
+                <a:cs typeface="宋体" panose="02010600030101010101" pitchFamily="2" charset="-122"/>
+              </a:rPr>
+              <a:t>(Lockstep)</a:t>
+            </a:r>
+            <a:endParaRPr lang="zh-CN" altLang="en-US">
+              <a:latin typeface="宋体" panose="02010600030101010101" pitchFamily="2" charset="-122"/>
+              <a:ea typeface="宋体" panose="02010600030101010101" pitchFamily="2" charset="-122"/>
+              <a:cs typeface="宋体" panose="02010600030101010101" pitchFamily="2" charset="-122"/>
+            </a:endParaRPr>
+          </a:p>
+          <a:p>
+            <a:pPr marL="109220" indent="0">
+              <a:buNone/>
+            </a:pPr>
+            <a:r>
+              <a:rPr lang="zh-CN" altLang="en-US">
+                <a:latin typeface="宋体" panose="02010600030101010101" pitchFamily="2" charset="-122"/>
+                <a:ea typeface="宋体" panose="02010600030101010101" pitchFamily="2" charset="-122"/>
+                <a:cs typeface="宋体" panose="02010600030101010101" pitchFamily="2" charset="-122"/>
+              </a:rPr>
+              <a:t>    导航预测算法</a:t>
+            </a:r>
+            <a:r>
+              <a:rPr lang="en-US" altLang="zh-CN">
+                <a:latin typeface="宋体" panose="02010600030101010101" pitchFamily="2" charset="-122"/>
+                <a:ea typeface="宋体" panose="02010600030101010101" pitchFamily="2" charset="-122"/>
+                <a:cs typeface="宋体" panose="02010600030101010101" pitchFamily="2" charset="-122"/>
+              </a:rPr>
+              <a:t>(</a:t>
+            </a:r>
+            <a:r>
+              <a:rPr lang="zh-CN" altLang="en-US">
+                <a:latin typeface="宋体" panose="02010600030101010101" pitchFamily="2" charset="-122"/>
+                <a:ea typeface="宋体" panose="02010600030101010101" pitchFamily="2" charset="-122"/>
+                <a:cs typeface="宋体" panose="02010600030101010101" pitchFamily="2" charset="-122"/>
+              </a:rPr>
+              <a:t>Dead Reckoning</a:t>
+            </a:r>
+            <a:r>
+              <a:rPr lang="en-US" altLang="zh-CN">
+                <a:latin typeface="宋体" panose="02010600030101010101" pitchFamily="2" charset="-122"/>
+                <a:ea typeface="宋体" panose="02010600030101010101" pitchFamily="2" charset="-122"/>
+                <a:cs typeface="宋体" panose="02010600030101010101" pitchFamily="2" charset="-122"/>
+              </a:rPr>
+              <a:t>)</a:t>
+            </a:r>
+            <a:endParaRPr lang="en-US" altLang="zh-CN">
+              <a:latin typeface="宋体" panose="02010600030101010101" pitchFamily="2" charset="-122"/>
+              <a:ea typeface="宋体" panose="02010600030101010101" pitchFamily="2" charset="-122"/>
+              <a:cs typeface="宋体" panose="02010600030101010101" pitchFamily="2" charset="-122"/>
+            </a:endParaRPr>
+          </a:p>
+          <a:p>
+            <a:pPr marL="109220" indent="0">
+              <a:buNone/>
+            </a:pPr>
+            <a:r>
+              <a:rPr lang="zh-CN" altLang="en-US">
+                <a:latin typeface="宋体" panose="02010600030101010101" pitchFamily="2" charset="-122"/>
+                <a:ea typeface="宋体" panose="02010600030101010101" pitchFamily="2" charset="-122"/>
+                <a:cs typeface="宋体" panose="02010600030101010101" pitchFamily="2" charset="-122"/>
+              </a:rPr>
+              <a:t>解决并发问题的算法</a:t>
+            </a:r>
+            <a:endParaRPr lang="zh-CN" altLang="en-US">
+              <a:latin typeface="宋体" panose="02010600030101010101" pitchFamily="2" charset="-122"/>
+              <a:ea typeface="宋体" panose="02010600030101010101" pitchFamily="2" charset="-122"/>
+              <a:cs typeface="宋体" panose="02010600030101010101" pitchFamily="2" charset="-122"/>
+            </a:endParaRPr>
+          </a:p>
+          <a:p>
+            <a:pPr marL="109220" indent="0">
+              <a:buNone/>
+            </a:pPr>
+            <a:r>
+              <a:rPr lang="zh-CN" altLang="en-US">
+                <a:latin typeface="宋体" panose="02010600030101010101" pitchFamily="2" charset="-122"/>
+                <a:ea typeface="宋体" panose="02010600030101010101" pitchFamily="2" charset="-122"/>
+                <a:cs typeface="宋体" panose="02010600030101010101" pitchFamily="2" charset="-122"/>
+              </a:rPr>
+              <a:t>     加锁法</a:t>
+            </a:r>
+            <a:endParaRPr lang="zh-CN" altLang="en-US">
+              <a:latin typeface="宋体" panose="02010600030101010101" pitchFamily="2" charset="-122"/>
+              <a:ea typeface="宋体" panose="02010600030101010101" pitchFamily="2" charset="-122"/>
+              <a:cs typeface="宋体" panose="02010600030101010101" pitchFamily="2" charset="-122"/>
+            </a:endParaRPr>
+          </a:p>
+          <a:p>
+            <a:pPr marL="109220" indent="0">
+              <a:buNone/>
+            </a:pPr>
+            <a:r>
+              <a:rPr lang="en-US" altLang="zh-CN">
+                <a:latin typeface="宋体" panose="02010600030101010101" pitchFamily="2" charset="-122"/>
+                <a:ea typeface="宋体" panose="02010600030101010101" pitchFamily="2" charset="-122"/>
+                <a:cs typeface="宋体" panose="02010600030101010101" pitchFamily="2" charset="-122"/>
+              </a:rPr>
+              <a:t>     </a:t>
+            </a:r>
+            <a:r>
+              <a:rPr lang="zh-CN" altLang="en-US">
+                <a:latin typeface="宋体" panose="02010600030101010101" pitchFamily="2" charset="-122"/>
+                <a:ea typeface="宋体" panose="02010600030101010101" pitchFamily="2" charset="-122"/>
+                <a:cs typeface="宋体" panose="02010600030101010101" pitchFamily="2" charset="-122"/>
+              </a:rPr>
+              <a:t>串行化法</a:t>
+            </a:r>
+            <a:endParaRPr lang="zh-CN" altLang="en-US">
+              <a:latin typeface="宋体" panose="02010600030101010101" pitchFamily="2" charset="-122"/>
+              <a:ea typeface="宋体" panose="02010600030101010101" pitchFamily="2" charset="-122"/>
+              <a:cs typeface="宋体" panose="02010600030101010101" pitchFamily="2" charset="-122"/>
+            </a:endParaRPr>
+          </a:p>
+          <a:p>
+            <a:pPr marL="109220" indent="0">
+              <a:buNone/>
+            </a:pPr>
+            <a:r>
+              <a:rPr lang="zh-CN" altLang="en-US">
+                <a:latin typeface="宋体" panose="02010600030101010101" pitchFamily="2" charset="-122"/>
+                <a:ea typeface="宋体" panose="02010600030101010101" pitchFamily="2" charset="-122"/>
+                <a:cs typeface="宋体" panose="02010600030101010101" pitchFamily="2" charset="-122"/>
+              </a:rPr>
+              <a:t>     令牌环法</a:t>
+            </a:r>
+            <a:endParaRPr lang="zh-CN" altLang="en-US">
+              <a:latin typeface="宋体" panose="02010600030101010101" pitchFamily="2" charset="-122"/>
+              <a:ea typeface="宋体" panose="02010600030101010101" pitchFamily="2" charset="-122"/>
+              <a:cs typeface="宋体" panose="02010600030101010101" pitchFamily="2" charset="-122"/>
+            </a:endParaRPr>
+          </a:p>
+          <a:p>
+            <a:pPr marL="109220" indent="0">
+              <a:buNone/>
+            </a:pPr>
+            <a:r>
+              <a:rPr lang="zh-CN" altLang="en-US">
+                <a:latin typeface="宋体" panose="02010600030101010101" pitchFamily="2" charset="-122"/>
+                <a:ea typeface="宋体" panose="02010600030101010101" pitchFamily="2" charset="-122"/>
+                <a:cs typeface="宋体" panose="02010600030101010101" pitchFamily="2" charset="-122"/>
+              </a:rPr>
+              <a:t>     </a:t>
+            </a:r>
+            <a:r>
+              <a:rPr lang="en-US" altLang="zh-CN">
+                <a:latin typeface="宋体" panose="02010600030101010101" pitchFamily="2" charset="-122"/>
+                <a:ea typeface="宋体" panose="02010600030101010101" pitchFamily="2" charset="-122"/>
+                <a:cs typeface="宋体" panose="02010600030101010101" pitchFamily="2" charset="-122"/>
+              </a:rPr>
+              <a:t>“</a:t>
+            </a:r>
+            <a:r>
+              <a:rPr lang="zh-CN" altLang="en-US">
+                <a:latin typeface="宋体" panose="02010600030101010101" pitchFamily="2" charset="-122"/>
+                <a:ea typeface="宋体" panose="02010600030101010101" pitchFamily="2" charset="-122"/>
+                <a:cs typeface="宋体" panose="02010600030101010101" pitchFamily="2" charset="-122"/>
+              </a:rPr>
+              <a:t>多令牌环</a:t>
+            </a:r>
+            <a:r>
+              <a:rPr lang="en-US" altLang="zh-CN">
+                <a:latin typeface="宋体" panose="02010600030101010101" pitchFamily="2" charset="-122"/>
+                <a:ea typeface="宋体" panose="02010600030101010101" pitchFamily="2" charset="-122"/>
+                <a:cs typeface="宋体" panose="02010600030101010101" pitchFamily="2" charset="-122"/>
+              </a:rPr>
+              <a:t>”+</a:t>
+            </a:r>
+            <a:r>
+              <a:rPr lang="zh-CN" altLang="en-US">
+                <a:latin typeface="宋体" panose="02010600030101010101" pitchFamily="2" charset="-122"/>
+                <a:ea typeface="宋体" panose="02010600030101010101" pitchFamily="2" charset="-122"/>
+                <a:cs typeface="宋体" panose="02010600030101010101" pitchFamily="2" charset="-122"/>
+              </a:rPr>
+              <a:t>操作队列法</a:t>
+            </a:r>
+            <a:endParaRPr lang="zh-CN" altLang="en-US">
+              <a:latin typeface="宋体" panose="02010600030101010101" pitchFamily="2" charset="-122"/>
+              <a:ea typeface="宋体" panose="02010600030101010101" pitchFamily="2" charset="-122"/>
+              <a:cs typeface="宋体" panose="02010600030101010101" pitchFamily="2" charset="-122"/>
             </a:endParaRPr>
           </a:p>
         </p:txBody>
@@ -9033,32 +9786,42 @@
         </p:nvSpPr>
         <p:spPr/>
         <p:txBody>
-          <a:bodyPr/>
+          <a:bodyPr>
+            <a:normAutofit/>
+          </a:bodyPr>
           <a:p>
             <a:r>
               <a:rPr lang="zh-CN" altLang="en-US" sz="2800" b="0">
-                <a:latin typeface="楷体" panose="02010609060101010101" charset="-122"/>
-                <a:ea typeface="楷体" panose="02010609060101010101" charset="-122"/>
+                <a:latin typeface="微软雅黑" panose="020B0503020204020204" charset="-122"/>
+                <a:ea typeface="微软雅黑" panose="020B0503020204020204" charset="-122"/>
+                <a:cs typeface="微软雅黑" panose="020B0503020204020204" charset="-122"/>
+                <a:sym typeface="+mn-ea"/>
               </a:rPr>
               <a:t>主要研究内容</a:t>
             </a:r>
             <a:r>
               <a:rPr lang="en-US" altLang="zh-CN" sz="2800" b="0">
-                <a:latin typeface="楷体" panose="02010609060101010101" charset="-122"/>
-                <a:ea typeface="楷体" panose="02010609060101010101" charset="-122"/>
+                <a:latin typeface="微软雅黑" panose="020B0503020204020204" charset="-122"/>
+                <a:ea typeface="微软雅黑" panose="020B0503020204020204" charset="-122"/>
+                <a:cs typeface="微软雅黑" panose="020B0503020204020204" charset="-122"/>
+                <a:sym typeface="+mn-ea"/>
               </a:rPr>
               <a:t>——</a:t>
             </a:r>
             <a:r>
               <a:rPr lang="zh-CN" altLang="en-US" sz="2800" b="0">
-                <a:latin typeface="楷体" panose="02010609060101010101" charset="-122"/>
-                <a:ea typeface="楷体" panose="02010609060101010101" charset="-122"/>
+                <a:latin typeface="微软雅黑" panose="020B0503020204020204" charset="-122"/>
+                <a:ea typeface="微软雅黑" panose="020B0503020204020204" charset="-122"/>
+                <a:cs typeface="微软雅黑" panose="020B0503020204020204" charset="-122"/>
+                <a:sym typeface="+mn-ea"/>
               </a:rPr>
-              <a:t>实验平台简介</a:t>
+              <a:t>常用的协同算法</a:t>
             </a:r>
             <a:endParaRPr lang="zh-CN" altLang="en-US" sz="2800" b="0">
-              <a:latin typeface="楷体" panose="02010609060101010101" charset="-122"/>
-              <a:ea typeface="楷体" panose="02010609060101010101" charset="-122"/>
+              <a:latin typeface="微软雅黑" panose="020B0503020204020204" charset="-122"/>
+              <a:ea typeface="微软雅黑" panose="020B0503020204020204" charset="-122"/>
+              <a:cs typeface="微软雅黑" panose="020B0503020204020204" charset="-122"/>
+              <a:sym typeface="+mn-ea"/>
             </a:endParaRPr>
           </a:p>
         </p:txBody>
@@ -9080,26 +9843,568 @@
         <p:cNvGrpSpPr/>
         <p:nvPr/>
       </p:nvGrpSpPr>
-      <p:grpSpPr>
-        <a:xfrm>
-          <a:off x="0" y="0"/>
-          <a:ext cx="0" cy="0"/>
-          <a:chOff x="0" y="0"/>
-          <a:chExt cx="0" cy="0"/>
-        </a:xfrm>
-      </p:grpSpPr>
+      <p:grpSpPr/>
       <p:sp>
         <p:nvSpPr>
-          <p:cNvPr id="44034" name="Text Box 4"/>
-          <p:cNvSpPr txBox="1">
-            <a:spLocks noChangeArrowheads="1"/>
+          <p:cNvPr id="2" name="内容占位符 1"/>
+          <p:cNvSpPr>
+            <a:spLocks noGrp="1"/>
           </p:cNvSpPr>
+          <p:nvPr>
+            <p:ph idx="1"/>
+          </p:nvPr>
+        </p:nvSpPr>
+        <p:spPr/>
+        <p:txBody>
+          <a:bodyPr/>
+          <a:p>
+            <a:pPr marL="109220" indent="0">
+              <a:buNone/>
+            </a:pPr>
+            <a:r>
+              <a:rPr lang="en-US" altLang="zh-CN">
+                <a:latin typeface="宋体" panose="02010600030101010101" pitchFamily="2" charset="-122"/>
+                <a:ea typeface="宋体" panose="02010600030101010101" pitchFamily="2" charset="-122"/>
+                <a:cs typeface="宋体" panose="02010600030101010101" pitchFamily="2" charset="-122"/>
+              </a:rPr>
+              <a:t>1 </a:t>
+            </a:r>
+            <a:r>
+              <a:rPr lang="zh-CN" altLang="en-US">
+                <a:latin typeface="宋体" panose="02010600030101010101" pitchFamily="2" charset="-122"/>
+                <a:ea typeface="宋体" panose="02010600030101010101" pitchFamily="2" charset="-122"/>
+                <a:cs typeface="宋体" panose="02010600030101010101" pitchFamily="2" charset="-122"/>
+                <a:hlinkClick r:id="rId1" tooltip="" action="ppaction://hlinkfile"/>
+              </a:rPr>
+              <a:t>习题管理系统</a:t>
+            </a:r>
+            <a:endParaRPr lang="zh-CN" altLang="en-US">
+              <a:latin typeface="宋体" panose="02010600030101010101" pitchFamily="2" charset="-122"/>
+              <a:ea typeface="宋体" panose="02010600030101010101" pitchFamily="2" charset="-122"/>
+              <a:cs typeface="宋体" panose="02010600030101010101" pitchFamily="2" charset="-122"/>
+            </a:endParaRPr>
+          </a:p>
+          <a:p>
+            <a:pPr marL="109220" indent="0">
+              <a:buNone/>
+            </a:pPr>
+            <a:endParaRPr lang="zh-CN" altLang="en-US">
+              <a:latin typeface="宋体" panose="02010600030101010101" pitchFamily="2" charset="-122"/>
+              <a:ea typeface="宋体" panose="02010600030101010101" pitchFamily="2" charset="-122"/>
+              <a:cs typeface="宋体" panose="02010600030101010101" pitchFamily="2" charset="-122"/>
+            </a:endParaRPr>
+          </a:p>
+          <a:p>
+            <a:pPr marL="109220" indent="0">
+              <a:buNone/>
+            </a:pPr>
+            <a:r>
+              <a:rPr lang="en-US" altLang="zh-CN">
+                <a:latin typeface="宋体" panose="02010600030101010101" pitchFamily="2" charset="-122"/>
+                <a:ea typeface="宋体" panose="02010600030101010101" pitchFamily="2" charset="-122"/>
+                <a:cs typeface="宋体" panose="02010600030101010101" pitchFamily="2" charset="-122"/>
+              </a:rPr>
+              <a:t>2 </a:t>
+            </a:r>
+            <a:r>
+              <a:rPr lang="zh-CN" altLang="en-US">
+                <a:latin typeface="宋体" panose="02010600030101010101" pitchFamily="2" charset="-122"/>
+                <a:ea typeface="宋体" panose="02010600030101010101" pitchFamily="2" charset="-122"/>
+                <a:cs typeface="宋体" panose="02010600030101010101" pitchFamily="2" charset="-122"/>
+                <a:hlinkClick r:id="rId2" tooltip="" action="ppaction://hlinkfile"/>
+              </a:rPr>
+              <a:t>问题答案对训练系统</a:t>
+            </a:r>
+            <a:endParaRPr lang="zh-CN" altLang="en-US">
+              <a:latin typeface="宋体" panose="02010600030101010101" pitchFamily="2" charset="-122"/>
+              <a:ea typeface="宋体" panose="02010600030101010101" pitchFamily="2" charset="-122"/>
+              <a:cs typeface="宋体" panose="02010600030101010101" pitchFamily="2" charset="-122"/>
+            </a:endParaRPr>
+          </a:p>
+          <a:p>
+            <a:pPr marL="109220" indent="0">
+              <a:buNone/>
+            </a:pPr>
+            <a:endParaRPr lang="zh-CN" altLang="en-US">
+              <a:latin typeface="宋体" panose="02010600030101010101" pitchFamily="2" charset="-122"/>
+              <a:ea typeface="宋体" panose="02010600030101010101" pitchFamily="2" charset="-122"/>
+              <a:cs typeface="宋体" panose="02010600030101010101" pitchFamily="2" charset="-122"/>
+            </a:endParaRPr>
+          </a:p>
+          <a:p>
+            <a:pPr marL="109220" indent="0">
+              <a:buNone/>
+            </a:pPr>
+            <a:r>
+              <a:rPr lang="en-US" altLang="zh-CN">
+                <a:latin typeface="宋体" panose="02010600030101010101" pitchFamily="2" charset="-122"/>
+                <a:ea typeface="宋体" panose="02010600030101010101" pitchFamily="2" charset="-122"/>
+                <a:cs typeface="宋体" panose="02010600030101010101" pitchFamily="2" charset="-122"/>
+              </a:rPr>
+              <a:t>3 </a:t>
+            </a:r>
+            <a:r>
+              <a:rPr lang="zh-CN" altLang="en-US">
+                <a:latin typeface="宋体" panose="02010600030101010101" pitchFamily="2" charset="-122"/>
+                <a:ea typeface="宋体" panose="02010600030101010101" pitchFamily="2" charset="-122"/>
+                <a:cs typeface="宋体" panose="02010600030101010101" pitchFamily="2" charset="-122"/>
+                <a:hlinkClick r:id="rId3" tooltip="" action="ppaction://hlinkfile"/>
+              </a:rPr>
+              <a:t>智能协同仿真实验系统</a:t>
+            </a:r>
+            <a:endParaRPr lang="zh-CN" altLang="en-US">
+              <a:latin typeface="宋体" panose="02010600030101010101" pitchFamily="2" charset="-122"/>
+              <a:ea typeface="宋体" panose="02010600030101010101" pitchFamily="2" charset="-122"/>
+              <a:cs typeface="宋体" panose="02010600030101010101" pitchFamily="2" charset="-122"/>
+            </a:endParaRPr>
+          </a:p>
+        </p:txBody>
+      </p:sp>
+      <p:sp>
+        <p:nvSpPr>
+          <p:cNvPr id="3" name="标题 2"/>
+          <p:cNvSpPr>
+            <a:spLocks noGrp="1"/>
+          </p:cNvSpPr>
+          <p:nvPr>
+            <p:ph type="title"/>
+          </p:nvPr>
+        </p:nvSpPr>
+        <p:spPr/>
+        <p:txBody>
+          <a:bodyPr/>
+          <a:p>
+            <a:r>
+              <a:rPr lang="zh-CN" altLang="en-US" sz="2800" b="0">
+                <a:latin typeface="微软雅黑" panose="020B0503020204020204" charset="-122"/>
+                <a:ea typeface="微软雅黑" panose="020B0503020204020204" charset="-122"/>
+                <a:cs typeface="微软雅黑" panose="020B0503020204020204" charset="-122"/>
+              </a:rPr>
+              <a:t>主要研究内容</a:t>
+            </a:r>
+            <a:r>
+              <a:rPr lang="en-US" altLang="zh-CN" sz="2800" b="0">
+                <a:latin typeface="微软雅黑" panose="020B0503020204020204" charset="-122"/>
+                <a:ea typeface="微软雅黑" panose="020B0503020204020204" charset="-122"/>
+                <a:cs typeface="微软雅黑" panose="020B0503020204020204" charset="-122"/>
+              </a:rPr>
+              <a:t>——</a:t>
+            </a:r>
+            <a:r>
+              <a:rPr lang="zh-CN" altLang="zh-CN" sz="2800" b="0">
+                <a:latin typeface="微软雅黑" panose="020B0503020204020204" charset="-122"/>
+                <a:ea typeface="微软雅黑" panose="020B0503020204020204" charset="-122"/>
+                <a:cs typeface="微软雅黑" panose="020B0503020204020204" charset="-122"/>
+              </a:rPr>
+              <a:t>三大系统</a:t>
+            </a:r>
+            <a:endParaRPr lang="zh-CN" altLang="zh-CN" sz="2800" b="0">
+              <a:latin typeface="微软雅黑" panose="020B0503020204020204" charset="-122"/>
+              <a:ea typeface="微软雅黑" panose="020B0503020204020204" charset="-122"/>
+              <a:cs typeface="微软雅黑" panose="020B0503020204020204" charset="-122"/>
+            </a:endParaRPr>
+          </a:p>
+        </p:txBody>
+      </p:sp>
+    </p:spTree>
+  </p:cSld>
+  <p:clrMapOvr>
+    <a:masterClrMapping/>
+  </p:clrMapOvr>
+</p:sld>
+</file>
+
+<file path=ppt/slides/slide8.xml><?xml version="1.0" encoding="utf-8"?>
+<p:sld xmlns:a="http://schemas.openxmlformats.org/drawingml/2006/main" xmlns:r="http://schemas.openxmlformats.org/officeDocument/2006/relationships" xmlns:p="http://schemas.openxmlformats.org/presentationml/2006/main">
+  <p:cSld>
+    <p:spTree>
+      <p:nvGrpSpPr>
+        <p:cNvPr id="1" name=""/>
+        <p:cNvGrpSpPr/>
+        <p:nvPr/>
+      </p:nvGrpSpPr>
+      <p:grpSpPr/>
+      <p:sp>
+        <p:nvSpPr>
+          <p:cNvPr id="2" name="内容占位符 1"/>
+          <p:cNvSpPr>
+            <a:spLocks noGrp="1"/>
+          </p:cNvSpPr>
+          <p:nvPr>
+            <p:ph idx="1"/>
+          </p:nvPr>
+        </p:nvSpPr>
+        <p:spPr/>
+        <p:txBody>
+          <a:bodyPr/>
+          <a:p>
+            <a:pPr marL="109220" indent="0">
+              <a:buNone/>
+            </a:pPr>
+            <a:r>
+              <a:rPr lang="en-US" altLang="zh-CN">
+                <a:latin typeface="宋体" panose="02010600030101010101" pitchFamily="2" charset="-122"/>
+                <a:ea typeface="宋体" panose="02010600030101010101" pitchFamily="2" charset="-122"/>
+                <a:cs typeface="宋体" panose="02010600030101010101" pitchFamily="2" charset="-122"/>
+              </a:rPr>
+              <a:t>1 </a:t>
+            </a:r>
+            <a:r>
+              <a:rPr lang="zh-CN" altLang="en-US">
+                <a:latin typeface="宋体" panose="02010600030101010101" pitchFamily="2" charset="-122"/>
+                <a:ea typeface="宋体" panose="02010600030101010101" pitchFamily="2" charset="-122"/>
+                <a:cs typeface="宋体" panose="02010600030101010101" pitchFamily="2" charset="-122"/>
+              </a:rPr>
+              <a:t>刷脸登录模块</a:t>
+            </a:r>
+            <a:endParaRPr lang="zh-CN" altLang="en-US">
+              <a:latin typeface="宋体" panose="02010600030101010101" pitchFamily="2" charset="-122"/>
+              <a:ea typeface="宋体" panose="02010600030101010101" pitchFamily="2" charset="-122"/>
+              <a:cs typeface="宋体" panose="02010600030101010101" pitchFamily="2" charset="-122"/>
+            </a:endParaRPr>
+          </a:p>
+          <a:p>
+            <a:pPr marL="109220" indent="0">
+              <a:buNone/>
+            </a:pPr>
+            <a:endParaRPr lang="zh-CN" altLang="en-US">
+              <a:latin typeface="宋体" panose="02010600030101010101" pitchFamily="2" charset="-122"/>
+              <a:ea typeface="宋体" panose="02010600030101010101" pitchFamily="2" charset="-122"/>
+              <a:cs typeface="宋体" panose="02010600030101010101" pitchFamily="2" charset="-122"/>
+            </a:endParaRPr>
+          </a:p>
+          <a:p>
+            <a:pPr marL="109220" indent="0">
+              <a:buNone/>
+            </a:pPr>
+            <a:r>
+              <a:rPr lang="en-US" altLang="zh-CN">
+                <a:latin typeface="宋体" panose="02010600030101010101" pitchFamily="2" charset="-122"/>
+                <a:ea typeface="宋体" panose="02010600030101010101" pitchFamily="2" charset="-122"/>
+                <a:cs typeface="宋体" panose="02010600030101010101" pitchFamily="2" charset="-122"/>
+              </a:rPr>
+              <a:t>2 </a:t>
+            </a:r>
+            <a:r>
+              <a:rPr lang="zh-CN" altLang="en-US">
+                <a:latin typeface="宋体" panose="02010600030101010101" pitchFamily="2" charset="-122"/>
+                <a:ea typeface="宋体" panose="02010600030101010101" pitchFamily="2" charset="-122"/>
+                <a:cs typeface="宋体" panose="02010600030101010101" pitchFamily="2" charset="-122"/>
+              </a:rPr>
+              <a:t>聊天室模块</a:t>
+            </a:r>
+            <a:endParaRPr lang="zh-CN" altLang="en-US">
+              <a:latin typeface="宋体" panose="02010600030101010101" pitchFamily="2" charset="-122"/>
+              <a:ea typeface="宋体" panose="02010600030101010101" pitchFamily="2" charset="-122"/>
+              <a:cs typeface="宋体" panose="02010600030101010101" pitchFamily="2" charset="-122"/>
+            </a:endParaRPr>
+          </a:p>
+          <a:p>
+            <a:pPr marL="109220" indent="0">
+              <a:buNone/>
+            </a:pPr>
+            <a:endParaRPr lang="zh-CN" altLang="en-US">
+              <a:latin typeface="宋体" panose="02010600030101010101" pitchFamily="2" charset="-122"/>
+              <a:ea typeface="宋体" panose="02010600030101010101" pitchFamily="2" charset="-122"/>
+              <a:cs typeface="宋体" panose="02010600030101010101" pitchFamily="2" charset="-122"/>
+            </a:endParaRPr>
+          </a:p>
+          <a:p>
+            <a:pPr marL="109220" indent="0">
+              <a:buNone/>
+            </a:pPr>
+            <a:r>
+              <a:rPr lang="en-US" altLang="zh-CN">
+                <a:latin typeface="宋体" panose="02010600030101010101" pitchFamily="2" charset="-122"/>
+                <a:ea typeface="宋体" panose="02010600030101010101" pitchFamily="2" charset="-122"/>
+                <a:cs typeface="宋体" panose="02010600030101010101" pitchFamily="2" charset="-122"/>
+              </a:rPr>
+              <a:t>3 </a:t>
+            </a:r>
+            <a:r>
+              <a:rPr lang="zh-CN" altLang="en-US">
+                <a:latin typeface="宋体" panose="02010600030101010101" pitchFamily="2" charset="-122"/>
+                <a:ea typeface="宋体" panose="02010600030101010101" pitchFamily="2" charset="-122"/>
+                <a:cs typeface="宋体" panose="02010600030101010101" pitchFamily="2" charset="-122"/>
+              </a:rPr>
+              <a:t>智能语音模块</a:t>
+            </a:r>
+            <a:endParaRPr lang="zh-CN" altLang="en-US">
+              <a:latin typeface="宋体" panose="02010600030101010101" pitchFamily="2" charset="-122"/>
+              <a:ea typeface="宋体" panose="02010600030101010101" pitchFamily="2" charset="-122"/>
+              <a:cs typeface="宋体" panose="02010600030101010101" pitchFamily="2" charset="-122"/>
+            </a:endParaRPr>
+          </a:p>
+          <a:p>
+            <a:pPr marL="109220" indent="0">
+              <a:buNone/>
+            </a:pPr>
+            <a:endParaRPr lang="zh-CN" altLang="en-US">
+              <a:latin typeface="宋体" panose="02010600030101010101" pitchFamily="2" charset="-122"/>
+              <a:ea typeface="宋体" panose="02010600030101010101" pitchFamily="2" charset="-122"/>
+              <a:cs typeface="宋体" panose="02010600030101010101" pitchFamily="2" charset="-122"/>
+            </a:endParaRPr>
+          </a:p>
+          <a:p>
+            <a:pPr marL="109220" indent="0">
+              <a:buNone/>
+            </a:pPr>
+            <a:r>
+              <a:rPr lang="en-US" altLang="zh-CN">
+                <a:latin typeface="宋体" panose="02010600030101010101" pitchFamily="2" charset="-122"/>
+                <a:ea typeface="宋体" panose="02010600030101010101" pitchFamily="2" charset="-122"/>
+                <a:cs typeface="宋体" panose="02010600030101010101" pitchFamily="2" charset="-122"/>
+              </a:rPr>
+              <a:t>4 </a:t>
+            </a:r>
+            <a:r>
+              <a:rPr lang="zh-CN" altLang="en-US">
+                <a:latin typeface="宋体" panose="02010600030101010101" pitchFamily="2" charset="-122"/>
+                <a:ea typeface="宋体" panose="02010600030101010101" pitchFamily="2" charset="-122"/>
+                <a:cs typeface="宋体" panose="02010600030101010101" pitchFamily="2" charset="-122"/>
+              </a:rPr>
+              <a:t>智能答疑模块</a:t>
+            </a:r>
+            <a:endParaRPr lang="zh-CN" altLang="en-US">
+              <a:latin typeface="宋体" panose="02010600030101010101" pitchFamily="2" charset="-122"/>
+              <a:ea typeface="宋体" panose="02010600030101010101" pitchFamily="2" charset="-122"/>
+              <a:cs typeface="宋体" panose="02010600030101010101" pitchFamily="2" charset="-122"/>
+            </a:endParaRPr>
+          </a:p>
+          <a:p>
+            <a:pPr marL="109220" indent="0">
+              <a:buNone/>
+            </a:pPr>
+            <a:endParaRPr lang="en-US" altLang="zh-CN">
+              <a:latin typeface="宋体" panose="02010600030101010101" pitchFamily="2" charset="-122"/>
+              <a:ea typeface="宋体" panose="02010600030101010101" pitchFamily="2" charset="-122"/>
+              <a:cs typeface="宋体" panose="02010600030101010101" pitchFamily="2" charset="-122"/>
+            </a:endParaRPr>
+          </a:p>
+          <a:p>
+            <a:pPr marL="109220" indent="0">
+              <a:buNone/>
+            </a:pPr>
+            <a:r>
+              <a:rPr lang="en-US" altLang="zh-CN">
+                <a:latin typeface="宋体" panose="02010600030101010101" pitchFamily="2" charset="-122"/>
+                <a:ea typeface="宋体" panose="02010600030101010101" pitchFamily="2" charset="-122"/>
+                <a:cs typeface="宋体" panose="02010600030101010101" pitchFamily="2" charset="-122"/>
+              </a:rPr>
+              <a:t>5 </a:t>
+            </a:r>
+            <a:r>
+              <a:rPr lang="zh-CN" altLang="en-US">
+                <a:latin typeface="宋体" panose="02010600030101010101" pitchFamily="2" charset="-122"/>
+                <a:ea typeface="宋体" panose="02010600030101010101" pitchFamily="2" charset="-122"/>
+                <a:cs typeface="宋体" panose="02010600030101010101" pitchFamily="2" charset="-122"/>
+              </a:rPr>
+              <a:t>协同习题模块</a:t>
+            </a:r>
+            <a:endParaRPr lang="zh-CN" altLang="en-US">
+              <a:latin typeface="宋体" panose="02010600030101010101" pitchFamily="2" charset="-122"/>
+              <a:ea typeface="宋体" panose="02010600030101010101" pitchFamily="2" charset="-122"/>
+              <a:cs typeface="宋体" panose="02010600030101010101" pitchFamily="2" charset="-122"/>
+            </a:endParaRPr>
+          </a:p>
+        </p:txBody>
+      </p:sp>
+      <p:sp>
+        <p:nvSpPr>
+          <p:cNvPr id="3" name="标题 2"/>
+          <p:cNvSpPr>
+            <a:spLocks noGrp="1"/>
+          </p:cNvSpPr>
+          <p:nvPr>
+            <p:ph type="title"/>
+          </p:nvPr>
+        </p:nvSpPr>
+        <p:spPr/>
+        <p:txBody>
+          <a:bodyPr>
+            <a:normAutofit/>
+          </a:bodyPr>
+          <a:p>
+            <a:r>
+              <a:rPr lang="zh-CN" altLang="en-US" sz="2800" b="0">
+                <a:latin typeface="微软雅黑" panose="020B0503020204020204" charset="-122"/>
+                <a:ea typeface="微软雅黑" panose="020B0503020204020204" charset="-122"/>
+                <a:cs typeface="微软雅黑" panose="020B0503020204020204" charset="-122"/>
+                <a:sym typeface="+mn-ea"/>
+              </a:rPr>
+              <a:t>智能协同仿真实验系统</a:t>
+            </a:r>
+            <a:r>
+              <a:rPr lang="en-US" altLang="zh-CN" sz="2800" b="0">
+                <a:latin typeface="微软雅黑" panose="020B0503020204020204" charset="-122"/>
+                <a:ea typeface="微软雅黑" panose="020B0503020204020204" charset="-122"/>
+                <a:cs typeface="微软雅黑" panose="020B0503020204020204" charset="-122"/>
+                <a:sym typeface="+mn-ea"/>
+              </a:rPr>
+              <a:t>——</a:t>
+            </a:r>
+            <a:r>
+              <a:rPr lang="zh-CN" altLang="en-US" sz="2800" b="0">
+                <a:latin typeface="微软雅黑" panose="020B0503020204020204" charset="-122"/>
+                <a:ea typeface="微软雅黑" panose="020B0503020204020204" charset="-122"/>
+                <a:cs typeface="微软雅黑" panose="020B0503020204020204" charset="-122"/>
+                <a:sym typeface="+mn-ea"/>
+              </a:rPr>
+              <a:t>五大功能模块</a:t>
+            </a:r>
+            <a:endParaRPr lang="zh-CN" altLang="en-US" sz="2800" b="0">
+              <a:latin typeface="微软雅黑" panose="020B0503020204020204" charset="-122"/>
+              <a:ea typeface="微软雅黑" panose="020B0503020204020204" charset="-122"/>
+              <a:cs typeface="微软雅黑" panose="020B0503020204020204" charset="-122"/>
+              <a:sym typeface="+mn-ea"/>
+            </a:endParaRPr>
+          </a:p>
+        </p:txBody>
+      </p:sp>
+    </p:spTree>
+  </p:cSld>
+  <p:clrMapOvr>
+    <a:masterClrMapping/>
+  </p:clrMapOvr>
+</p:sld>
+</file>
+
+<file path=ppt/slides/slide9.xml><?xml version="1.0" encoding="utf-8"?>
+<p:sld xmlns:a="http://schemas.openxmlformats.org/drawingml/2006/main" xmlns:r="http://schemas.openxmlformats.org/officeDocument/2006/relationships" xmlns:p="http://schemas.openxmlformats.org/presentationml/2006/main">
+  <p:cSld>
+    <p:spTree>
+      <p:nvGrpSpPr>
+        <p:cNvPr id="1" name=""/>
+        <p:cNvGrpSpPr/>
+        <p:nvPr/>
+      </p:nvGrpSpPr>
+      <p:grpSpPr/>
+      <p:sp>
+        <p:nvSpPr>
+          <p:cNvPr id="3" name="标题 2"/>
+          <p:cNvSpPr>
+            <a:spLocks noGrp="1"/>
+          </p:cNvSpPr>
+          <p:nvPr>
+            <p:ph type="title"/>
+          </p:nvPr>
+        </p:nvSpPr>
+        <p:spPr/>
+        <p:txBody>
+          <a:bodyPr>
+            <a:normAutofit/>
+          </a:bodyPr>
+          <a:p>
+            <a:r>
+              <a:rPr lang="zh-CN" altLang="en-US" sz="2800" b="0">
+                <a:latin typeface="微软雅黑" panose="020B0503020204020204" charset="-122"/>
+                <a:ea typeface="微软雅黑" panose="020B0503020204020204" charset="-122"/>
+                <a:cs typeface="微软雅黑" panose="020B0503020204020204" charset="-122"/>
+                <a:sym typeface="+mn-ea"/>
+              </a:rPr>
+              <a:t>五大功能模块</a:t>
+            </a:r>
+            <a:r>
+              <a:rPr lang="en-US" altLang="zh-CN" sz="2800" b="0">
+                <a:latin typeface="微软雅黑" panose="020B0503020204020204" charset="-122"/>
+                <a:ea typeface="微软雅黑" panose="020B0503020204020204" charset="-122"/>
+                <a:cs typeface="微软雅黑" panose="020B0503020204020204" charset="-122"/>
+                <a:sym typeface="+mn-ea"/>
+              </a:rPr>
+              <a:t>——</a:t>
+            </a:r>
+            <a:r>
+              <a:rPr lang="zh-CN" altLang="en-US" sz="2800" b="0">
+                <a:latin typeface="微软雅黑" panose="020B0503020204020204" charset="-122"/>
+                <a:ea typeface="微软雅黑" panose="020B0503020204020204" charset="-122"/>
+                <a:cs typeface="微软雅黑" panose="020B0503020204020204" charset="-122"/>
+                <a:sym typeface="+mn-ea"/>
+              </a:rPr>
+              <a:t>刷脸登录</a:t>
+            </a:r>
+            <a:endParaRPr lang="zh-CN" altLang="en-US" sz="2800" b="0">
+              <a:latin typeface="微软雅黑" panose="020B0503020204020204" charset="-122"/>
+              <a:ea typeface="微软雅黑" panose="020B0503020204020204" charset="-122"/>
+              <a:cs typeface="微软雅黑" panose="020B0503020204020204" charset="-122"/>
+              <a:sym typeface="+mn-ea"/>
+            </a:endParaRPr>
+          </a:p>
+        </p:txBody>
+      </p:sp>
+      <p:graphicFrame>
+        <p:nvGraphicFramePr>
+          <p:cNvPr id="10" name="对象 9"/>
+          <p:cNvGraphicFramePr>
+            <a:graphicFrameLocks noChangeAspect="1"/>
+          </p:cNvGraphicFramePr>
           <p:nvPr/>
-        </p:nvSpPr>
-        <p:spPr bwMode="auto">
+        </p:nvGraphicFramePr>
+        <p:xfrm>
+          <a:off x="930275" y="1770380"/>
+          <a:ext cx="7282815" cy="3317240"/>
+        </p:xfrm>
+        <a:graphic>
+          <a:graphicData uri="http://schemas.openxmlformats.org/presentationml/2006/ole">
+            <mc:AlternateContent xmlns:mc="http://schemas.openxmlformats.org/markup-compatibility/2006">
+              <mc:Choice xmlns:v="urn:schemas-microsoft-com:vml" Requires="v">
+                <p:oleObj spid="_x0000_s11" name="" r:id="rId1" imgW="3981450" imgH="1819275" progId="Visio.Drawing.11">
+                  <p:embed/>
+                </p:oleObj>
+              </mc:Choice>
+              <mc:Fallback>
+                <p:oleObj name="" r:id="rId1" imgW="3981450" imgH="1819275" progId="Visio.Drawing.11">
+                  <p:embed/>
+                  <p:pic>
+                    <p:nvPicPr>
+                      <p:cNvPr id="0" name="图片 10"/>
+                      <p:cNvPicPr/>
+                      <p:nvPr/>
+                    </p:nvPicPr>
+                    <p:blipFill>
+                      <a:blip r:embed="rId2"/>
+                      <a:stretch>
+                        <a:fillRect/>
+                      </a:stretch>
+                    </p:blipFill>
+                    <p:spPr>
+                      <a:xfrm>
+                        <a:off x="930275" y="1770380"/>
+                        <a:ext cx="7282815" cy="3317240"/>
+                      </a:xfrm>
+                      <a:prstGeom prst="rect">
+                        <a:avLst/>
+                      </a:prstGeom>
+                      <a:noFill/>
+                      <a:ln w="38100">
+                        <a:noFill/>
+                        <a:miter/>
+                      </a:ln>
+                    </p:spPr>
+                  </p:pic>
+                </p:oleObj>
+              </mc:Fallback>
+            </mc:AlternateContent>
+          </a:graphicData>
+        </a:graphic>
+      </p:graphicFrame>
+      <p:pic>
+        <p:nvPicPr>
+          <p:cNvPr id="12" name="图片 6"/>
+          <p:cNvPicPr>
+            <a:picLocks noChangeAspect="1"/>
+          </p:cNvPicPr>
+          <p:nvPr/>
+        </p:nvPicPr>
+        <p:blipFill>
+          <a:blip r:embed="rId3"/>
+          <a:stretch>
+            <a:fillRect/>
+          </a:stretch>
+        </p:blipFill>
+        <p:spPr>
           <a:xfrm>
-            <a:off x="3381375" y="3649980"/>
-            <a:ext cx="1873250" cy="1014730"/>
+            <a:off x="1112520" y="1578610"/>
+            <a:ext cx="6917690" cy="3700145"/>
           </a:xfrm>
           <a:prstGeom prst="rect">
             <a:avLst/>
@@ -9108,310 +10413,64 @@
           <a:ln>
             <a:noFill/>
           </a:ln>
-          <a:extLst>
-            <a:ext uri="{909E8E84-426E-40DD-AFC4-6F175D3DCCD1}">
-              <a14:hiddenFill xmlns:a14="http://schemas.microsoft.com/office/drawing/2010/main">
-                <a:solidFill>
-                  <a:srgbClr val="FFFFFF"/>
-                </a:solidFill>
-              </a14:hiddenFill>
-            </a:ext>
-            <a:ext uri="{91240B29-F687-4F45-9708-019B960494DF}">
-              <a14:hiddenLine xmlns:a14="http://schemas.microsoft.com/office/drawing/2010/main" w="9525">
-                <a:solidFill>
-                  <a:srgbClr val="000000"/>
-                </a:solidFill>
-                <a:miter lim="800000"/>
-                <a:headEnd/>
-                <a:tailEnd/>
-              </a14:hiddenLine>
-            </a:ext>
-          </a:extLst>
         </p:spPr>
-        <p:txBody>
-          <a:bodyPr wrap="square">
-            <a:spAutoFit/>
-          </a:bodyPr>
-          <a:lstStyle>
-            <a:lvl1pPr eaLnBrk="0" hangingPunct="0">
-              <a:defRPr>
-                <a:solidFill>
-                  <a:schemeClr val="tx1"/>
-                </a:solidFill>
-                <a:latin typeface="Arial" panose="020B0604020202020204" pitchFamily="34" charset="0"/>
-                <a:ea typeface="宋体" panose="02010600030101010101" pitchFamily="2" charset="-122"/>
-              </a:defRPr>
-            </a:lvl1pPr>
-            <a:lvl2pPr marL="742950" indent="-285750" eaLnBrk="0" hangingPunct="0">
-              <a:defRPr>
-                <a:solidFill>
-                  <a:schemeClr val="tx1"/>
-                </a:solidFill>
-                <a:latin typeface="Arial" panose="020B0604020202020204" pitchFamily="34" charset="0"/>
-                <a:ea typeface="宋体" panose="02010600030101010101" pitchFamily="2" charset="-122"/>
-              </a:defRPr>
-            </a:lvl2pPr>
-            <a:lvl3pPr marL="1143000" indent="-228600" eaLnBrk="0" hangingPunct="0">
-              <a:defRPr>
-                <a:solidFill>
-                  <a:schemeClr val="tx1"/>
-                </a:solidFill>
-                <a:latin typeface="Arial" panose="020B0604020202020204" pitchFamily="34" charset="0"/>
-                <a:ea typeface="宋体" panose="02010600030101010101" pitchFamily="2" charset="-122"/>
-              </a:defRPr>
-            </a:lvl3pPr>
-            <a:lvl4pPr marL="1600200" indent="-228600" eaLnBrk="0" hangingPunct="0">
-              <a:defRPr>
-                <a:solidFill>
-                  <a:schemeClr val="tx1"/>
-                </a:solidFill>
-                <a:latin typeface="Arial" panose="020B0604020202020204" pitchFamily="34" charset="0"/>
-                <a:ea typeface="宋体" panose="02010600030101010101" pitchFamily="2" charset="-122"/>
-              </a:defRPr>
-            </a:lvl4pPr>
-            <a:lvl5pPr marL="2057400" indent="-228600" eaLnBrk="0" hangingPunct="0">
-              <a:defRPr>
-                <a:solidFill>
-                  <a:schemeClr val="tx1"/>
-                </a:solidFill>
-                <a:latin typeface="Arial" panose="020B0604020202020204" pitchFamily="34" charset="0"/>
-                <a:ea typeface="宋体" panose="02010600030101010101" pitchFamily="2" charset="-122"/>
-              </a:defRPr>
-            </a:lvl5pPr>
-            <a:lvl6pPr marL="2514600" indent="-228600" eaLnBrk="0" fontAlgn="base" hangingPunct="0">
-              <a:spcBef>
-                <a:spcPct val="0"/>
-              </a:spcBef>
-              <a:spcAft>
-                <a:spcPct val="0"/>
-              </a:spcAft>
-              <a:defRPr>
-                <a:solidFill>
-                  <a:schemeClr val="tx1"/>
-                </a:solidFill>
-                <a:latin typeface="Arial" panose="020B0604020202020204" pitchFamily="34" charset="0"/>
-                <a:ea typeface="宋体" panose="02010600030101010101" pitchFamily="2" charset="-122"/>
-              </a:defRPr>
-            </a:lvl6pPr>
-            <a:lvl7pPr marL="2971800" indent="-228600" eaLnBrk="0" fontAlgn="base" hangingPunct="0">
-              <a:spcBef>
-                <a:spcPct val="0"/>
-              </a:spcBef>
-              <a:spcAft>
-                <a:spcPct val="0"/>
-              </a:spcAft>
-              <a:defRPr>
-                <a:solidFill>
-                  <a:schemeClr val="tx1"/>
-                </a:solidFill>
-                <a:latin typeface="Arial" panose="020B0604020202020204" pitchFamily="34" charset="0"/>
-                <a:ea typeface="宋体" panose="02010600030101010101" pitchFamily="2" charset="-122"/>
-              </a:defRPr>
-            </a:lvl7pPr>
-            <a:lvl8pPr marL="3429000" indent="-228600" eaLnBrk="0" fontAlgn="base" hangingPunct="0">
-              <a:spcBef>
-                <a:spcPct val="0"/>
-              </a:spcBef>
-              <a:spcAft>
-                <a:spcPct val="0"/>
-              </a:spcAft>
-              <a:defRPr>
-                <a:solidFill>
-                  <a:schemeClr val="tx1"/>
-                </a:solidFill>
-                <a:latin typeface="Arial" panose="020B0604020202020204" pitchFamily="34" charset="0"/>
-                <a:ea typeface="宋体" panose="02010600030101010101" pitchFamily="2" charset="-122"/>
-              </a:defRPr>
-            </a:lvl8pPr>
-            <a:lvl9pPr marL="3886200" indent="-228600" eaLnBrk="0" fontAlgn="base" hangingPunct="0">
-              <a:spcBef>
-                <a:spcPct val="0"/>
-              </a:spcBef>
-              <a:spcAft>
-                <a:spcPct val="0"/>
-              </a:spcAft>
-              <a:defRPr>
-                <a:solidFill>
-                  <a:schemeClr val="tx1"/>
-                </a:solidFill>
-                <a:latin typeface="Arial" panose="020B0604020202020204" pitchFamily="34" charset="0"/>
-                <a:ea typeface="宋体" panose="02010600030101010101" pitchFamily="2" charset="-122"/>
-              </a:defRPr>
-            </a:lvl9pPr>
-          </a:lstStyle>
-          <a:p>
-            <a:pPr eaLnBrk="1" hangingPunct="1">
-              <a:spcBef>
-                <a:spcPct val="50000"/>
-              </a:spcBef>
-            </a:pPr>
-            <a:r>
-              <a:rPr lang="zh-CN" altLang="en-US" sz="6000" b="1">
-                <a:ea typeface="黑体" panose="02010609060101010101" pitchFamily="49" charset="-122"/>
-              </a:rPr>
-              <a:t>谢谢</a:t>
-            </a:r>
-            <a:r>
-              <a:rPr lang="en-US" altLang="zh-CN" sz="6000" b="1">
-                <a:ea typeface="黑体" panose="02010609060101010101" pitchFamily="49" charset="-122"/>
-              </a:rPr>
-              <a:t>!</a:t>
-            </a:r>
-            <a:endParaRPr lang="zh-CN" altLang="en-US" sz="6000" b="1">
-              <a:ea typeface="黑体" panose="02010609060101010101" pitchFamily="49" charset="-122"/>
-            </a:endParaRPr>
-          </a:p>
-        </p:txBody>
-      </p:sp>
-      <p:graphicFrame>
-        <p:nvGraphicFramePr>
-          <p:cNvPr id="2" name="表格 1"/>
-          <p:cNvGraphicFramePr/>
+      </p:pic>
+      <p:pic>
+        <p:nvPicPr>
+          <p:cNvPr id="13" name="图片 9"/>
+          <p:cNvPicPr>
+            <a:picLocks noChangeAspect="1"/>
+          </p:cNvPicPr>
           <p:nvPr/>
-        </p:nvGraphicFramePr>
-        <p:xfrm>
-          <a:off x="468630" y="1324610"/>
-          <a:ext cx="7980045" cy="2026920"/>
-        </p:xfrm>
-        <a:graphic>
-          <a:graphicData uri="http://schemas.openxmlformats.org/drawingml/2006/table">
-            <a:tbl>
-              <a:tblPr firstRow="1" bandRow="1">
-                <a:tableStyleId>{5C22544A-7EE6-4342-B048-85BDC9FD1C3A}</a:tableStyleId>
-              </a:tblPr>
-              <a:tblGrid>
-                <a:gridCol w="7980045"/>
-              </a:tblGrid>
-              <a:tr h="2026920">
-                <a:tc>
-                  <a:txBody>
-                    <a:bodyPr/>
-                    <a:p>
-                      <a:pPr indent="0">
-                        <a:spcBef>
-                          <a:spcPct val="20000"/>
-                        </a:spcBef>
-                        <a:buNone/>
-                      </a:pPr>
-                      <a:endParaRPr lang="zh-CN" altLang="en-US" dirty="0">
-                        <a:solidFill>
-                          <a:schemeClr val="tx1"/>
-                        </a:solidFill>
-                        <a:latin typeface="华文楷体" panose="02010600040101010101" pitchFamily="2" charset="-122"/>
-                        <a:ea typeface="华文楷体" panose="02010600040101010101" pitchFamily="2" charset="-122"/>
-                        <a:sym typeface="Arial" panose="020B0604020202020204" pitchFamily="34" charset="0"/>
-                      </a:endParaRPr>
-                    </a:p>
-                    <a:p>
-                      <a:pPr marL="342900" indent="-342900">
-                        <a:spcBef>
-                          <a:spcPct val="20000"/>
-                        </a:spcBef>
-                        <a:buChar char="•"/>
-                      </a:pPr>
-                      <a:r>
-                        <a:rPr lang="zh-CN" altLang="en-US" b="0" dirty="0">
-                          <a:solidFill>
-                            <a:schemeClr val="tx1"/>
-                          </a:solidFill>
-                          <a:latin typeface="华文楷体" panose="02010600040101010101" pitchFamily="2" charset="-122"/>
-                          <a:ea typeface="华文楷体" panose="02010600040101010101" pitchFamily="2" charset="-122"/>
-                          <a:sym typeface="宋体" panose="02010600030101010101" pitchFamily="2" charset="-122"/>
-                        </a:rPr>
-                        <a:t>本论文在刘东峰老师的悉心指导下完成，谨向老师致以最崇高的敬意和衷心感谢！</a:t>
-                      </a:r>
-                      <a:endParaRPr lang="zh-CN" altLang="en-US" b="0" dirty="0">
-                        <a:solidFill>
-                          <a:schemeClr val="tx1"/>
-                        </a:solidFill>
-                        <a:latin typeface="华文楷体" panose="02010600040101010101" pitchFamily="2" charset="-122"/>
-                        <a:ea typeface="华文楷体" panose="02010600040101010101" pitchFamily="2" charset="-122"/>
-                        <a:sym typeface="宋体" panose="02010600030101010101" pitchFamily="2" charset="-122"/>
-                      </a:endParaRPr>
-                    </a:p>
-                    <a:p>
-                      <a:pPr marL="342900" indent="-342900">
-                        <a:spcBef>
-                          <a:spcPct val="20000"/>
-                        </a:spcBef>
-                        <a:buChar char="•"/>
-                      </a:pPr>
-                      <a:r>
-                        <a:rPr lang="zh-CN" altLang="en-US" b="0" dirty="0">
-                          <a:solidFill>
-                            <a:schemeClr val="tx1"/>
-                          </a:solidFill>
-                          <a:latin typeface="华文楷体" panose="02010600040101010101" pitchFamily="2" charset="-122"/>
-                          <a:ea typeface="华文楷体" panose="02010600040101010101" pitchFamily="2" charset="-122"/>
-                          <a:sym typeface="Arial" panose="020B0604020202020204" pitchFamily="34" charset="0"/>
-                        </a:rPr>
-                        <a:t>感谢各位专家评委！ 感谢各位老师、同学！</a:t>
-                      </a:r>
-                      <a:endParaRPr lang="zh-CN" altLang="en-US" b="0" dirty="0">
-                        <a:solidFill>
-                          <a:schemeClr val="tx1"/>
-                        </a:solidFill>
-                        <a:latin typeface="华文楷体" panose="02010600040101010101" pitchFamily="2" charset="-122"/>
-                        <a:ea typeface="华文楷体" panose="02010600040101010101" pitchFamily="2" charset="-122"/>
-                        <a:sym typeface="Arial" panose="020B0604020202020204" pitchFamily="34" charset="0"/>
-                      </a:endParaRPr>
-                    </a:p>
-                    <a:p>
-                      <a:pPr marL="342900" indent="-342900">
-                        <a:spcBef>
-                          <a:spcPct val="20000"/>
-                        </a:spcBef>
-                        <a:buChar char="•"/>
-                      </a:pPr>
-                      <a:r>
-                        <a:rPr lang="zh-CN" altLang="en-US" b="0" dirty="0">
-                          <a:solidFill>
-                            <a:schemeClr val="tx1"/>
-                          </a:solidFill>
-                          <a:latin typeface="华文楷体" panose="02010600040101010101" pitchFamily="2" charset="-122"/>
-                          <a:ea typeface="华文楷体" panose="02010600040101010101" pitchFamily="2" charset="-122"/>
-                          <a:sym typeface="Arial" panose="020B0604020202020204" pitchFamily="34" charset="0"/>
-                        </a:rPr>
-                        <a:t>请多提出宝贵意见！</a:t>
-                      </a:r>
-                      <a:r>
-                        <a:rPr lang="zh-CN" altLang="en-US" b="0" dirty="0">
-                          <a:latin typeface="华文楷体" panose="02010600040101010101" pitchFamily="2" charset="-122"/>
-                          <a:ea typeface="华文楷体" panose="02010600040101010101" pitchFamily="2" charset="-122"/>
-                          <a:sym typeface="Arial" panose="020B0604020202020204" pitchFamily="34" charset="0"/>
-                        </a:rPr>
-                        <a:t>请</a:t>
-                      </a:r>
-                      <a:r>
-                        <a:rPr lang="zh-CN" altLang="en-US" dirty="0">
-                          <a:latin typeface="华文楷体" panose="02010600040101010101" pitchFamily="2" charset="-122"/>
-                          <a:ea typeface="华文楷体" panose="02010600040101010101" pitchFamily="2" charset="-122"/>
-                          <a:sym typeface="Arial" panose="020B0604020202020204" pitchFamily="34" charset="0"/>
-                        </a:rPr>
-                        <a:t>多提出宝贵意见！</a:t>
-                      </a:r>
-                      <a:endParaRPr lang="zh-CN" altLang="en-US" dirty="0">
-                        <a:latin typeface="华文楷体" panose="02010600040101010101" pitchFamily="2" charset="-122"/>
-                        <a:ea typeface="华文楷体" panose="02010600040101010101" pitchFamily="2" charset="-122"/>
-                        <a:sym typeface="Arial" panose="020B0604020202020204" pitchFamily="34" charset="0"/>
-                      </a:endParaRPr>
-                    </a:p>
-                    <a:p>
-                      <a:pPr>
-                        <a:buNone/>
-                      </a:pPr>
-                      <a:endParaRPr lang="zh-CN" altLang="en-US"/>
-                    </a:p>
-                  </a:txBody>
-                  <a:tcPr>
-                    <a:noFill/>
-                  </a:tcPr>
-                </a:tc>
-              </a:tr>
-            </a:tbl>
-          </a:graphicData>
-        </a:graphic>
-      </p:graphicFrame>
+        </p:nvPicPr>
+        <p:blipFill>
+          <a:blip r:embed="rId4"/>
+          <a:stretch>
+            <a:fillRect/>
+          </a:stretch>
+        </p:blipFill>
+        <p:spPr>
+          <a:xfrm>
+            <a:off x="1111885" y="1578610"/>
+            <a:ext cx="6918325" cy="3700145"/>
+          </a:xfrm>
+          <a:prstGeom prst="rect">
+            <a:avLst/>
+          </a:prstGeom>
+          <a:noFill/>
+          <a:ln>
+            <a:noFill/>
+          </a:ln>
+        </p:spPr>
+      </p:pic>
+      <p:pic>
+        <p:nvPicPr>
+          <p:cNvPr id="14" name="图片 10"/>
+          <p:cNvPicPr>
+            <a:picLocks noChangeAspect="1"/>
+          </p:cNvPicPr>
+          <p:nvPr/>
+        </p:nvPicPr>
+        <p:blipFill>
+          <a:blip r:embed="rId5"/>
+          <a:stretch>
+            <a:fillRect/>
+          </a:stretch>
+        </p:blipFill>
+        <p:spPr>
+          <a:xfrm>
+            <a:off x="1112520" y="1578610"/>
+            <a:ext cx="6917690" cy="3747135"/>
+          </a:xfrm>
+          <a:prstGeom prst="rect">
+            <a:avLst/>
+          </a:prstGeom>
+          <a:noFill/>
+          <a:ln>
+            <a:noFill/>
+          </a:ln>
+        </p:spPr>
+      </p:pic>
     </p:spTree>
   </p:cSld>
   <p:clrMapOvr>
@@ -9420,7 +10479,303 @@
   <p:timing>
     <p:tnLst>
       <p:par>
-        <p:cTn id="1" dur="indefinite" restart="never" nodeType="tmRoot"/>
+        <p:cTn id="1" dur="indefinite" restart="never" nodeType="tmRoot">
+          <p:childTnLst>
+            <p:seq concurrent="1" nextAc="seek">
+              <p:cTn id="2" dur="indefinite" nodeType="mainSeq">
+                <p:childTnLst>
+                  <p:par>
+                    <p:cTn id="3" fill="hold">
+                      <p:stCondLst>
+                        <p:cond delay="indefinite"/>
+                      </p:stCondLst>
+                      <p:childTnLst>
+                        <p:par>
+                          <p:cTn id="4" fill="hold">
+                            <p:stCondLst>
+                              <p:cond delay="0"/>
+                            </p:stCondLst>
+                            <p:childTnLst>
+                              <p:par>
+                                <p:cTn id="5" presetID="2" presetClass="entr" presetSubtype="4" fill="hold" nodeType="clickEffect">
+                                  <p:stCondLst>
+                                    <p:cond delay="0"/>
+                                  </p:stCondLst>
+                                  <p:childTnLst>
+                                    <p:set>
+                                      <p:cBhvr>
+                                        <p:cTn id="6" dur="1" fill="hold">
+                                          <p:stCondLst>
+                                            <p:cond delay="0"/>
+                                          </p:stCondLst>
+                                        </p:cTn>
+                                        <p:tgtEl>
+                                          <p:spTgt spid="12"/>
+                                        </p:tgtEl>
+                                        <p:attrNameLst>
+                                          <p:attrName>style.visibility</p:attrName>
+                                        </p:attrNameLst>
+                                      </p:cBhvr>
+                                      <p:to>
+                                        <p:strVal val="visible"/>
+                                      </p:to>
+                                    </p:set>
+                                    <p:anim calcmode="lin" valueType="num">
+                                      <p:cBhvr additive="base">
+                                        <p:cTn id="7" dur="500" fill="hold"/>
+                                        <p:tgtEl>
+                                          <p:spTgt spid="12"/>
+                                        </p:tgtEl>
+                                        <p:attrNameLst>
+                                          <p:attrName>ppt_x</p:attrName>
+                                        </p:attrNameLst>
+                                      </p:cBhvr>
+                                      <p:tavLst>
+                                        <p:tav tm="0">
+                                          <p:val>
+                                            <p:strVal val="#ppt_x"/>
+                                          </p:val>
+                                        </p:tav>
+                                        <p:tav tm="100000">
+                                          <p:val>
+                                            <p:strVal val="#ppt_x"/>
+                                          </p:val>
+                                        </p:tav>
+                                      </p:tavLst>
+                                    </p:anim>
+                                    <p:anim calcmode="lin" valueType="num">
+                                      <p:cBhvr additive="base">
+                                        <p:cTn id="8" dur="500" fill="hold"/>
+                                        <p:tgtEl>
+                                          <p:spTgt spid="12"/>
+                                        </p:tgtEl>
+                                        <p:attrNameLst>
+                                          <p:attrName>ppt_y</p:attrName>
+                                        </p:attrNameLst>
+                                      </p:cBhvr>
+                                      <p:tavLst>
+                                        <p:tav tm="0">
+                                          <p:val>
+                                            <p:strVal val="1+#ppt_h/2"/>
+                                          </p:val>
+                                        </p:tav>
+                                        <p:tav tm="100000">
+                                          <p:val>
+                                            <p:strVal val="#ppt_y"/>
+                                          </p:val>
+                                        </p:tav>
+                                      </p:tavLst>
+                                    </p:anim>
+                                  </p:childTnLst>
+                                </p:cTn>
+                              </p:par>
+                            </p:childTnLst>
+                          </p:cTn>
+                        </p:par>
+                      </p:childTnLst>
+                    </p:cTn>
+                  </p:par>
+                  <p:par>
+                    <p:cTn id="9" fill="hold">
+                      <p:stCondLst>
+                        <p:cond delay="indefinite"/>
+                      </p:stCondLst>
+                      <p:childTnLst>
+                        <p:par>
+                          <p:cTn id="10" fill="hold">
+                            <p:stCondLst>
+                              <p:cond delay="0"/>
+                            </p:stCondLst>
+                            <p:childTnLst>
+                              <p:par>
+                                <p:cTn id="11" presetID="2" presetClass="entr" presetSubtype="4" fill="hold" nodeType="clickEffect">
+                                  <p:stCondLst>
+                                    <p:cond delay="0"/>
+                                  </p:stCondLst>
+                                  <p:childTnLst>
+                                    <p:set>
+                                      <p:cBhvr>
+                                        <p:cTn id="12" dur="1" fill="hold">
+                                          <p:stCondLst>
+                                            <p:cond delay="0"/>
+                                          </p:stCondLst>
+                                        </p:cTn>
+                                        <p:tgtEl>
+                                          <p:spTgt spid="13"/>
+                                        </p:tgtEl>
+                                        <p:attrNameLst>
+                                          <p:attrName>style.visibility</p:attrName>
+                                        </p:attrNameLst>
+                                      </p:cBhvr>
+                                      <p:to>
+                                        <p:strVal val="visible"/>
+                                      </p:to>
+                                    </p:set>
+                                    <p:anim calcmode="lin" valueType="num">
+                                      <p:cBhvr additive="base">
+                                        <p:cTn id="13" dur="500" fill="hold"/>
+                                        <p:tgtEl>
+                                          <p:spTgt spid="13"/>
+                                        </p:tgtEl>
+                                        <p:attrNameLst>
+                                          <p:attrName>ppt_x</p:attrName>
+                                        </p:attrNameLst>
+                                      </p:cBhvr>
+                                      <p:tavLst>
+                                        <p:tav tm="0">
+                                          <p:val>
+                                            <p:strVal val="#ppt_x"/>
+                                          </p:val>
+                                        </p:tav>
+                                        <p:tav tm="100000">
+                                          <p:val>
+                                            <p:strVal val="#ppt_x"/>
+                                          </p:val>
+                                        </p:tav>
+                                      </p:tavLst>
+                                    </p:anim>
+                                    <p:anim calcmode="lin" valueType="num">
+                                      <p:cBhvr additive="base">
+                                        <p:cTn id="14" dur="500" fill="hold"/>
+                                        <p:tgtEl>
+                                          <p:spTgt spid="13"/>
+                                        </p:tgtEl>
+                                        <p:attrNameLst>
+                                          <p:attrName>ppt_y</p:attrName>
+                                        </p:attrNameLst>
+                                      </p:cBhvr>
+                                      <p:tavLst>
+                                        <p:tav tm="0">
+                                          <p:val>
+                                            <p:strVal val="1+#ppt_h/2"/>
+                                          </p:val>
+                                        </p:tav>
+                                        <p:tav tm="100000">
+                                          <p:val>
+                                            <p:strVal val="#ppt_y"/>
+                                          </p:val>
+                                        </p:tav>
+                                      </p:tavLst>
+                                    </p:anim>
+                                  </p:childTnLst>
+                                </p:cTn>
+                              </p:par>
+                            </p:childTnLst>
+                          </p:cTn>
+                        </p:par>
+                      </p:childTnLst>
+                    </p:cTn>
+                  </p:par>
+                  <p:par>
+                    <p:cTn id="15" fill="hold">
+                      <p:stCondLst>
+                        <p:cond delay="indefinite"/>
+                      </p:stCondLst>
+                      <p:childTnLst>
+                        <p:par>
+                          <p:cTn id="16" fill="hold">
+                            <p:stCondLst>
+                              <p:cond delay="0"/>
+                            </p:stCondLst>
+                            <p:childTnLst>
+                              <p:par>
+                                <p:cTn id="17" presetID="2" presetClass="entr" presetSubtype="4" fill="hold" nodeType="clickEffect">
+                                  <p:stCondLst>
+                                    <p:cond delay="0"/>
+                                  </p:stCondLst>
+                                  <p:childTnLst>
+                                    <p:set>
+                                      <p:cBhvr>
+                                        <p:cTn id="18" dur="1" fill="hold">
+                                          <p:stCondLst>
+                                            <p:cond delay="0"/>
+                                          </p:stCondLst>
+                                        </p:cTn>
+                                        <p:tgtEl>
+                                          <p:spTgt spid="14"/>
+                                        </p:tgtEl>
+                                        <p:attrNameLst>
+                                          <p:attrName>style.visibility</p:attrName>
+                                        </p:attrNameLst>
+                                      </p:cBhvr>
+                                      <p:to>
+                                        <p:strVal val="visible"/>
+                                      </p:to>
+                                    </p:set>
+                                    <p:anim calcmode="lin" valueType="num">
+                                      <p:cBhvr additive="base">
+                                        <p:cTn id="19" dur="500" fill="hold"/>
+                                        <p:tgtEl>
+                                          <p:spTgt spid="14"/>
+                                        </p:tgtEl>
+                                        <p:attrNameLst>
+                                          <p:attrName>ppt_x</p:attrName>
+                                        </p:attrNameLst>
+                                      </p:cBhvr>
+                                      <p:tavLst>
+                                        <p:tav tm="0">
+                                          <p:val>
+                                            <p:strVal val="#ppt_x"/>
+                                          </p:val>
+                                        </p:tav>
+                                        <p:tav tm="100000">
+                                          <p:val>
+                                            <p:strVal val="#ppt_x"/>
+                                          </p:val>
+                                        </p:tav>
+                                      </p:tavLst>
+                                    </p:anim>
+                                    <p:anim calcmode="lin" valueType="num">
+                                      <p:cBhvr additive="base">
+                                        <p:cTn id="20" dur="500" fill="hold"/>
+                                        <p:tgtEl>
+                                          <p:spTgt spid="14"/>
+                                        </p:tgtEl>
+                                        <p:attrNameLst>
+                                          <p:attrName>ppt_y</p:attrName>
+                                        </p:attrNameLst>
+                                      </p:cBhvr>
+                                      <p:tavLst>
+                                        <p:tav tm="0">
+                                          <p:val>
+                                            <p:strVal val="1+#ppt_h/2"/>
+                                          </p:val>
+                                        </p:tav>
+                                        <p:tav tm="100000">
+                                          <p:val>
+                                            <p:strVal val="#ppt_y"/>
+                                          </p:val>
+                                        </p:tav>
+                                      </p:tavLst>
+                                    </p:anim>
+                                  </p:childTnLst>
+                                </p:cTn>
+                              </p:par>
+                            </p:childTnLst>
+                          </p:cTn>
+                        </p:par>
+                      </p:childTnLst>
+                    </p:cTn>
+                  </p:par>
+                </p:childTnLst>
+              </p:cTn>
+              <p:prevCondLst>
+                <p:cond evt="onPrev" delay="0">
+                  <p:tgtEl>
+                    <p:sldTgt/>
+                  </p:tgtEl>
+                </p:cond>
+              </p:prevCondLst>
+              <p:nextCondLst>
+                <p:cond evt="onNext" delay="0">
+                  <p:tgtEl>
+                    <p:sldTgt/>
+                  </p:tgtEl>
+                </p:cond>
+              </p:nextCondLst>
+            </p:seq>
+          </p:childTnLst>
+        </p:cTn>
       </p:par>
     </p:tnLst>
   </p:timing>

--- a/张祥裕答辩PPT.pptx
+++ b/张祥裕答辩PPT.pptx
@@ -8,7 +8,7 @@
     <p:notesMasterId r:id="rId4"/>
   </p:notesMasterIdLst>
   <p:handoutMasterIdLst>
-    <p:handoutMasterId r:id="rId14"/>
+    <p:handoutMasterId r:id="rId15"/>
   </p:handoutMasterIdLst>
   <p:sldIdLst>
     <p:sldId id="256" r:id="rId3"/>
@@ -20,7 +20,8 @@
     <p:sldId id="330" r:id="rId10"/>
     <p:sldId id="341" r:id="rId11"/>
     <p:sldId id="342" r:id="rId12"/>
-    <p:sldId id="282" r:id="rId13"/>
+    <p:sldId id="344" r:id="rId13"/>
+    <p:sldId id="282" r:id="rId14"/>
   </p:sldIdLst>
   <p:sldSz cx="9144000" cy="6858000" type="screen4x3"/>
   <p:notesSz cx="6858000" cy="9144000"/>
@@ -6733,6 +6734,515 @@
 </file>
 
 <file path=ppt/slides/slide10.xml><?xml version="1.0" encoding="utf-8"?>
+<p:sld xmlns:a="http://schemas.openxmlformats.org/drawingml/2006/main" xmlns:r="http://schemas.openxmlformats.org/officeDocument/2006/relationships" xmlns:p="http://schemas.openxmlformats.org/presentationml/2006/main">
+  <p:cSld>
+    <p:spTree>
+      <p:nvGrpSpPr>
+        <p:cNvPr id="1" name=""/>
+        <p:cNvGrpSpPr/>
+        <p:nvPr/>
+      </p:nvGrpSpPr>
+      <p:grpSpPr/>
+      <p:sp>
+        <p:nvSpPr>
+          <p:cNvPr id="3" name="标题 2"/>
+          <p:cNvSpPr>
+            <a:spLocks noGrp="1"/>
+          </p:cNvSpPr>
+          <p:nvPr>
+            <p:ph type="title"/>
+          </p:nvPr>
+        </p:nvSpPr>
+        <p:spPr/>
+        <p:txBody>
+          <a:bodyPr>
+            <a:normAutofit/>
+          </a:bodyPr>
+          <a:p>
+            <a:r>
+              <a:rPr lang="zh-CN" altLang="en-US" sz="2800" b="0">
+                <a:latin typeface="微软雅黑" panose="020B0503020204020204" charset="-122"/>
+                <a:ea typeface="微软雅黑" panose="020B0503020204020204" charset="-122"/>
+                <a:cs typeface="微软雅黑" panose="020B0503020204020204" charset="-122"/>
+                <a:sym typeface="+mn-ea"/>
+              </a:rPr>
+              <a:t>五大功能模块</a:t>
+            </a:r>
+            <a:r>
+              <a:rPr lang="en-US" altLang="zh-CN" sz="2800" b="0">
+                <a:latin typeface="微软雅黑" panose="020B0503020204020204" charset="-122"/>
+                <a:ea typeface="微软雅黑" panose="020B0503020204020204" charset="-122"/>
+                <a:cs typeface="微软雅黑" panose="020B0503020204020204" charset="-122"/>
+                <a:sym typeface="+mn-ea"/>
+              </a:rPr>
+              <a:t>——</a:t>
+            </a:r>
+            <a:r>
+              <a:rPr lang="zh-CN" altLang="zh-CN" sz="2800" b="0">
+                <a:latin typeface="微软雅黑" panose="020B0503020204020204" charset="-122"/>
+                <a:ea typeface="微软雅黑" panose="020B0503020204020204" charset="-122"/>
+                <a:cs typeface="微软雅黑" panose="020B0503020204020204" charset="-122"/>
+                <a:sym typeface="+mn-ea"/>
+              </a:rPr>
+              <a:t>聊天室</a:t>
+            </a:r>
+            <a:endParaRPr lang="zh-CN" altLang="zh-CN" sz="2800" b="0">
+              <a:latin typeface="微软雅黑" panose="020B0503020204020204" charset="-122"/>
+              <a:ea typeface="微软雅黑" panose="020B0503020204020204" charset="-122"/>
+              <a:cs typeface="微软雅黑" panose="020B0503020204020204" charset="-122"/>
+              <a:sym typeface="+mn-ea"/>
+            </a:endParaRPr>
+          </a:p>
+        </p:txBody>
+      </p:sp>
+      <p:graphicFrame>
+        <p:nvGraphicFramePr>
+          <p:cNvPr id="-2147482623" name="对象 -2147482624"/>
+          <p:cNvGraphicFramePr>
+            <a:graphicFrameLocks noChangeAspect="1"/>
+          </p:cNvGraphicFramePr>
+          <p:nvPr>
+            <p:custDataLst>
+              <p:tags r:id="rId1"/>
+            </p:custDataLst>
+          </p:nvPr>
+        </p:nvGraphicFramePr>
+        <p:xfrm>
+          <a:off x="831850" y="1417955"/>
+          <a:ext cx="7480935" cy="4436110"/>
+        </p:xfrm>
+        <a:graphic>
+          <a:graphicData uri="http://schemas.openxmlformats.org/presentationml/2006/ole">
+            <mc:AlternateContent xmlns:mc="http://schemas.openxmlformats.org/markup-compatibility/2006">
+              <mc:Choice xmlns:v="urn:schemas-microsoft-com:vml" Requires="v">
+                <p:oleObj spid="_x0000_s3076" name="" r:id="rId2" imgW="3838575" imgH="2276475" progId="Visio.Drawing.11">
+                  <p:embed/>
+                </p:oleObj>
+              </mc:Choice>
+              <mc:Fallback>
+                <p:oleObj name="" r:id="rId2" imgW="3838575" imgH="2276475" progId="Visio.Drawing.11">
+                  <p:embed/>
+                  <p:pic>
+                    <p:nvPicPr>
+                      <p:cNvPr id="0" name="图片 3075"/>
+                      <p:cNvPicPr/>
+                      <p:nvPr/>
+                    </p:nvPicPr>
+                    <p:blipFill>
+                      <a:blip r:embed="rId3"/>
+                      <a:stretch>
+                        <a:fillRect/>
+                      </a:stretch>
+                    </p:blipFill>
+                    <p:spPr>
+                      <a:xfrm>
+                        <a:off x="831850" y="1417955"/>
+                        <a:ext cx="7480935" cy="4436110"/>
+                      </a:xfrm>
+                      <a:prstGeom prst="rect">
+                        <a:avLst/>
+                      </a:prstGeom>
+                      <a:noFill/>
+                      <a:ln w="38100">
+                        <a:noFill/>
+                        <a:miter/>
+                      </a:ln>
+                    </p:spPr>
+                  </p:pic>
+                </p:oleObj>
+              </mc:Fallback>
+            </mc:AlternateContent>
+          </a:graphicData>
+        </a:graphic>
+      </p:graphicFrame>
+      <p:pic>
+        <p:nvPicPr>
+          <p:cNvPr id="4" name="图片 3"/>
+          <p:cNvPicPr>
+            <a:picLocks noChangeAspect="1"/>
+          </p:cNvPicPr>
+          <p:nvPr/>
+        </p:nvPicPr>
+        <p:blipFill>
+          <a:blip r:embed="rId4"/>
+          <a:stretch>
+            <a:fillRect/>
+          </a:stretch>
+        </p:blipFill>
+        <p:spPr>
+          <a:xfrm>
+            <a:off x="457200" y="1821180"/>
+            <a:ext cx="7855585" cy="3629660"/>
+          </a:xfrm>
+          <a:prstGeom prst="rect">
+            <a:avLst/>
+          </a:prstGeom>
+        </p:spPr>
+      </p:pic>
+      <p:pic>
+        <p:nvPicPr>
+          <p:cNvPr id="5" name="图片 4"/>
+          <p:cNvPicPr>
+            <a:picLocks noChangeAspect="1"/>
+          </p:cNvPicPr>
+          <p:nvPr/>
+        </p:nvPicPr>
+        <p:blipFill>
+          <a:blip r:embed="rId5"/>
+          <a:stretch>
+            <a:fillRect/>
+          </a:stretch>
+        </p:blipFill>
+        <p:spPr>
+          <a:xfrm>
+            <a:off x="457200" y="1572895"/>
+            <a:ext cx="7854950" cy="4437380"/>
+          </a:xfrm>
+          <a:prstGeom prst="rect">
+            <a:avLst/>
+          </a:prstGeom>
+        </p:spPr>
+      </p:pic>
+      <p:pic>
+        <p:nvPicPr>
+          <p:cNvPr id="15" name="图片 15"/>
+          <p:cNvPicPr>
+            <a:picLocks noChangeAspect="1"/>
+          </p:cNvPicPr>
+          <p:nvPr/>
+        </p:nvPicPr>
+        <p:blipFill>
+          <a:blip r:embed="rId6"/>
+          <a:stretch>
+            <a:fillRect/>
+          </a:stretch>
+        </p:blipFill>
+        <p:spPr>
+          <a:xfrm>
+            <a:off x="529590" y="2149475"/>
+            <a:ext cx="7710805" cy="2343785"/>
+          </a:xfrm>
+          <a:prstGeom prst="rect">
+            <a:avLst/>
+          </a:prstGeom>
+          <a:noFill/>
+          <a:ln>
+            <a:noFill/>
+          </a:ln>
+        </p:spPr>
+      </p:pic>
+    </p:spTree>
+  </p:cSld>
+  <p:clrMapOvr>
+    <a:masterClrMapping/>
+  </p:clrMapOvr>
+  <p:timing>
+    <p:tnLst>
+      <p:par>
+        <p:cTn id="1" dur="indefinite" restart="never" nodeType="tmRoot">
+          <p:childTnLst>
+            <p:seq concurrent="1" nextAc="seek">
+              <p:cTn id="2" dur="indefinite" nodeType="mainSeq">
+                <p:childTnLst>
+                  <p:par>
+                    <p:cTn id="3" fill="hold">
+                      <p:stCondLst>
+                        <p:cond delay="indefinite"/>
+                      </p:stCondLst>
+                      <p:childTnLst>
+                        <p:par>
+                          <p:cTn id="4" fill="hold">
+                            <p:stCondLst>
+                              <p:cond delay="0"/>
+                            </p:stCondLst>
+                            <p:childTnLst>
+                              <p:par>
+                                <p:cTn id="5" presetID="2" presetClass="entr" presetSubtype="4" fill="hold" nodeType="clickEffect">
+                                  <p:stCondLst>
+                                    <p:cond delay="0"/>
+                                  </p:stCondLst>
+                                  <p:childTnLst>
+                                    <p:set>
+                                      <p:cBhvr>
+                                        <p:cTn id="6" dur="1" fill="hold">
+                                          <p:stCondLst>
+                                            <p:cond delay="0"/>
+                                          </p:stCondLst>
+                                        </p:cTn>
+                                        <p:tgtEl>
+                                          <p:spTgt spid="4"/>
+                                        </p:tgtEl>
+                                        <p:attrNameLst>
+                                          <p:attrName>style.visibility</p:attrName>
+                                        </p:attrNameLst>
+                                      </p:cBhvr>
+                                      <p:to>
+                                        <p:strVal val="visible"/>
+                                      </p:to>
+                                    </p:set>
+                                    <p:anim calcmode="lin" valueType="num">
+                                      <p:cBhvr additive="base">
+                                        <p:cTn id="7" dur="500" fill="hold"/>
+                                        <p:tgtEl>
+                                          <p:spTgt spid="4"/>
+                                        </p:tgtEl>
+                                        <p:attrNameLst>
+                                          <p:attrName>ppt_x</p:attrName>
+                                        </p:attrNameLst>
+                                      </p:cBhvr>
+                                      <p:tavLst>
+                                        <p:tav tm="0">
+                                          <p:val>
+                                            <p:strVal val="#ppt_x"/>
+                                          </p:val>
+                                        </p:tav>
+                                        <p:tav tm="100000">
+                                          <p:val>
+                                            <p:strVal val="#ppt_x"/>
+                                          </p:val>
+                                        </p:tav>
+                                      </p:tavLst>
+                                    </p:anim>
+                                    <p:anim calcmode="lin" valueType="num">
+                                      <p:cBhvr additive="base">
+                                        <p:cTn id="8" dur="500" fill="hold"/>
+                                        <p:tgtEl>
+                                          <p:spTgt spid="4"/>
+                                        </p:tgtEl>
+                                        <p:attrNameLst>
+                                          <p:attrName>ppt_y</p:attrName>
+                                        </p:attrNameLst>
+                                      </p:cBhvr>
+                                      <p:tavLst>
+                                        <p:tav tm="0">
+                                          <p:val>
+                                            <p:strVal val="1+#ppt_h/2"/>
+                                          </p:val>
+                                        </p:tav>
+                                        <p:tav tm="100000">
+                                          <p:val>
+                                            <p:strVal val="#ppt_y"/>
+                                          </p:val>
+                                        </p:tav>
+                                      </p:tavLst>
+                                    </p:anim>
+                                  </p:childTnLst>
+                                </p:cTn>
+                              </p:par>
+                            </p:childTnLst>
+                          </p:cTn>
+                        </p:par>
+                      </p:childTnLst>
+                    </p:cTn>
+                  </p:par>
+                  <p:par>
+                    <p:cTn id="9" fill="hold">
+                      <p:stCondLst>
+                        <p:cond delay="indefinite"/>
+                      </p:stCondLst>
+                      <p:childTnLst>
+                        <p:par>
+                          <p:cTn id="10" fill="hold">
+                            <p:stCondLst>
+                              <p:cond delay="0"/>
+                            </p:stCondLst>
+                            <p:childTnLst>
+                              <p:par>
+                                <p:cTn id="11" presetID="2" presetClass="entr" presetSubtype="4" fill="hold" nodeType="clickEffect">
+                                  <p:stCondLst>
+                                    <p:cond delay="0"/>
+                                  </p:stCondLst>
+                                  <p:childTnLst>
+                                    <p:set>
+                                      <p:cBhvr>
+                                        <p:cTn id="12" dur="1" fill="hold">
+                                          <p:stCondLst>
+                                            <p:cond delay="0"/>
+                                          </p:stCondLst>
+                                        </p:cTn>
+                                        <p:tgtEl>
+                                          <p:spTgt spid="5"/>
+                                        </p:tgtEl>
+                                        <p:attrNameLst>
+                                          <p:attrName>style.visibility</p:attrName>
+                                        </p:attrNameLst>
+                                      </p:cBhvr>
+                                      <p:to>
+                                        <p:strVal val="visible"/>
+                                      </p:to>
+                                    </p:set>
+                                    <p:anim calcmode="lin" valueType="num">
+                                      <p:cBhvr additive="base">
+                                        <p:cTn id="13" dur="500" fill="hold"/>
+                                        <p:tgtEl>
+                                          <p:spTgt spid="5"/>
+                                        </p:tgtEl>
+                                        <p:attrNameLst>
+                                          <p:attrName>ppt_x</p:attrName>
+                                        </p:attrNameLst>
+                                      </p:cBhvr>
+                                      <p:tavLst>
+                                        <p:tav tm="0">
+                                          <p:val>
+                                            <p:strVal val="#ppt_x"/>
+                                          </p:val>
+                                        </p:tav>
+                                        <p:tav tm="100000">
+                                          <p:val>
+                                            <p:strVal val="#ppt_x"/>
+                                          </p:val>
+                                        </p:tav>
+                                      </p:tavLst>
+                                    </p:anim>
+                                    <p:anim calcmode="lin" valueType="num">
+                                      <p:cBhvr additive="base">
+                                        <p:cTn id="14" dur="500" fill="hold"/>
+                                        <p:tgtEl>
+                                          <p:spTgt spid="5"/>
+                                        </p:tgtEl>
+                                        <p:attrNameLst>
+                                          <p:attrName>ppt_y</p:attrName>
+                                        </p:attrNameLst>
+                                      </p:cBhvr>
+                                      <p:tavLst>
+                                        <p:tav tm="0">
+                                          <p:val>
+                                            <p:strVal val="1+#ppt_h/2"/>
+                                          </p:val>
+                                        </p:tav>
+                                        <p:tav tm="100000">
+                                          <p:val>
+                                            <p:strVal val="#ppt_y"/>
+                                          </p:val>
+                                        </p:tav>
+                                      </p:tavLst>
+                                    </p:anim>
+                                  </p:childTnLst>
+                                </p:cTn>
+                              </p:par>
+                            </p:childTnLst>
+                          </p:cTn>
+                        </p:par>
+                      </p:childTnLst>
+                    </p:cTn>
+                  </p:par>
+                  <p:par>
+                    <p:cTn id="15" fill="hold">
+                      <p:stCondLst>
+                        <p:cond delay="indefinite"/>
+                      </p:stCondLst>
+                      <p:childTnLst>
+                        <p:par>
+                          <p:cTn id="16" fill="hold">
+                            <p:stCondLst>
+                              <p:cond delay="0"/>
+                            </p:stCondLst>
+                            <p:childTnLst>
+                              <p:par>
+                                <p:cTn id="17" presetID="2" presetClass="entr" presetSubtype="4" fill="hold" nodeType="clickEffect">
+                                  <p:stCondLst>
+                                    <p:cond delay="0"/>
+                                  </p:stCondLst>
+                                  <p:childTnLst>
+                                    <p:set>
+                                      <p:cBhvr>
+                                        <p:cTn id="18" dur="1" fill="hold">
+                                          <p:stCondLst>
+                                            <p:cond delay="0"/>
+                                          </p:stCondLst>
+                                        </p:cTn>
+                                        <p:tgtEl>
+                                          <p:spTgt spid="15"/>
+                                        </p:tgtEl>
+                                        <p:attrNameLst>
+                                          <p:attrName>style.visibility</p:attrName>
+                                        </p:attrNameLst>
+                                      </p:cBhvr>
+                                      <p:to>
+                                        <p:strVal val="visible"/>
+                                      </p:to>
+                                    </p:set>
+                                    <p:anim calcmode="lin" valueType="num">
+                                      <p:cBhvr additive="base">
+                                        <p:cTn id="19" dur="500" fill="hold"/>
+                                        <p:tgtEl>
+                                          <p:spTgt spid="15"/>
+                                        </p:tgtEl>
+                                        <p:attrNameLst>
+                                          <p:attrName>ppt_x</p:attrName>
+                                        </p:attrNameLst>
+                                      </p:cBhvr>
+                                      <p:tavLst>
+                                        <p:tav tm="0">
+                                          <p:val>
+                                            <p:strVal val="#ppt_x"/>
+                                          </p:val>
+                                        </p:tav>
+                                        <p:tav tm="100000">
+                                          <p:val>
+                                            <p:strVal val="#ppt_x"/>
+                                          </p:val>
+                                        </p:tav>
+                                      </p:tavLst>
+                                    </p:anim>
+                                    <p:anim calcmode="lin" valueType="num">
+                                      <p:cBhvr additive="base">
+                                        <p:cTn id="20" dur="500" fill="hold"/>
+                                        <p:tgtEl>
+                                          <p:spTgt spid="15"/>
+                                        </p:tgtEl>
+                                        <p:attrNameLst>
+                                          <p:attrName>ppt_y</p:attrName>
+                                        </p:attrNameLst>
+                                      </p:cBhvr>
+                                      <p:tavLst>
+                                        <p:tav tm="0">
+                                          <p:val>
+                                            <p:strVal val="1+#ppt_h/2"/>
+                                          </p:val>
+                                        </p:tav>
+                                        <p:tav tm="100000">
+                                          <p:val>
+                                            <p:strVal val="#ppt_y"/>
+                                          </p:val>
+                                        </p:tav>
+                                      </p:tavLst>
+                                    </p:anim>
+                                  </p:childTnLst>
+                                </p:cTn>
+                              </p:par>
+                            </p:childTnLst>
+                          </p:cTn>
+                        </p:par>
+                      </p:childTnLst>
+                    </p:cTn>
+                  </p:par>
+                </p:childTnLst>
+              </p:cTn>
+              <p:prevCondLst>
+                <p:cond evt="onPrev" delay="0">
+                  <p:tgtEl>
+                    <p:sldTgt/>
+                  </p:tgtEl>
+                </p:cond>
+              </p:prevCondLst>
+              <p:nextCondLst>
+                <p:cond evt="onNext" delay="0">
+                  <p:tgtEl>
+                    <p:sldTgt/>
+                  </p:tgtEl>
+                </p:cond>
+              </p:nextCondLst>
+            </p:seq>
+          </p:childTnLst>
+        </p:cTn>
+      </p:par>
+    </p:tnLst>
+  </p:timing>
+</p:sld>
+</file>
+
+<file path=ppt/slides/slide11.xml><?xml version="1.0" encoding="utf-8"?>
 <p:sld xmlns:a="http://schemas.openxmlformats.org/drawingml/2006/main" xmlns:r="http://schemas.openxmlformats.org/officeDocument/2006/relationships" xmlns:p="http://schemas.openxmlformats.org/presentationml/2006/main">
   <p:cSld>
     <p:spTree>
@@ -9874,7 +10384,7 @@
                 <a:latin typeface="宋体" panose="02010600030101010101" pitchFamily="2" charset="-122"/>
                 <a:ea typeface="宋体" panose="02010600030101010101" pitchFamily="2" charset="-122"/>
                 <a:cs typeface="宋体" panose="02010600030101010101" pitchFamily="2" charset="-122"/>
-                <a:hlinkClick r:id="rId1" tooltip="" action="ppaction://hlinkfile"/>
+                <a:hlinkClick r:id="rId1" action="ppaction://hlinkfile"/>
               </a:rPr>
               <a:t>习题管理系统</a:t>
             </a:r>
@@ -9911,7 +10421,7 @@
                 <a:latin typeface="宋体" panose="02010600030101010101" pitchFamily="2" charset="-122"/>
                 <a:ea typeface="宋体" panose="02010600030101010101" pitchFamily="2" charset="-122"/>
                 <a:cs typeface="宋体" panose="02010600030101010101" pitchFamily="2" charset="-122"/>
-                <a:hlinkClick r:id="rId2" tooltip="" action="ppaction://hlinkfile"/>
+                <a:hlinkClick r:id="rId2" action="ppaction://hlinkfile"/>
               </a:rPr>
               <a:t>问题答案对训练系统</a:t>
             </a:r>
@@ -9948,7 +10458,7 @@
                 <a:latin typeface="宋体" panose="02010600030101010101" pitchFamily="2" charset="-122"/>
                 <a:ea typeface="宋体" panose="02010600030101010101" pitchFamily="2" charset="-122"/>
                 <a:cs typeface="宋体" panose="02010600030101010101" pitchFamily="2" charset="-122"/>
-                <a:hlinkClick r:id="rId3" tooltip="" action="ppaction://hlinkfile"/>
+                <a:hlinkClick r:id="rId3" action="ppaction://hlinkfile"/>
               </a:rPr>
               <a:t>智能协同仿真实验系统</a:t>
             </a:r>
@@ -10780,6 +11290,12 @@
     </p:tnLst>
   </p:timing>
 </p:sld>
+</file>
+
+<file path=ppt/tags/tag1.xml><?xml version="1.0" encoding="utf-8"?>
+<p:tagLst xmlns:p="http://schemas.openxmlformats.org/presentationml/2006/main">
+  <p:tag name="REFSHAPE" val="704875164"/>
+</p:tagLst>
 </file>
 
 <file path=ppt/theme/theme1.xml><?xml version="1.0" encoding="utf-8"?>

--- a/张祥裕答辩PPT.pptx
+++ b/张祥裕答辩PPT.pptx
@@ -8,7 +8,7 @@
     <p:notesMasterId r:id="rId4"/>
   </p:notesMasterIdLst>
   <p:handoutMasterIdLst>
-    <p:handoutMasterId r:id="rId15"/>
+    <p:handoutMasterId r:id="rId19"/>
   </p:handoutMasterIdLst>
   <p:sldIdLst>
     <p:sldId id="256" r:id="rId3"/>
@@ -21,7 +21,11 @@
     <p:sldId id="341" r:id="rId11"/>
     <p:sldId id="342" r:id="rId12"/>
     <p:sldId id="344" r:id="rId13"/>
-    <p:sldId id="282" r:id="rId14"/>
+    <p:sldId id="346" r:id="rId14"/>
+    <p:sldId id="347" r:id="rId15"/>
+    <p:sldId id="348" r:id="rId16"/>
+    <p:sldId id="349" r:id="rId17"/>
+    <p:sldId id="282" r:id="rId18"/>
   </p:sldIdLst>
   <p:sldSz cx="9144000" cy="6858000" type="screen4x3"/>
   <p:notesSz cx="6858000" cy="9144000"/>
@@ -6797,7 +6801,7 @@
       </p:sp>
       <p:graphicFrame>
         <p:nvGraphicFramePr>
-          <p:cNvPr id="-2147482623" name="对象 -2147482624"/>
+          <p:cNvPr id="2" name="对象 -2147482624"/>
           <p:cNvGraphicFramePr>
             <a:graphicFrameLocks noChangeAspect="1"/>
           </p:cNvGraphicFramePr>
@@ -7243,6 +7247,694 @@
 </file>
 
 <file path=ppt/slides/slide11.xml><?xml version="1.0" encoding="utf-8"?>
+<p:sld xmlns:a="http://schemas.openxmlformats.org/drawingml/2006/main" xmlns:r="http://schemas.openxmlformats.org/officeDocument/2006/relationships" xmlns:p="http://schemas.openxmlformats.org/presentationml/2006/main">
+  <p:cSld>
+    <p:spTree>
+      <p:nvGrpSpPr>
+        <p:cNvPr id="1" name=""/>
+        <p:cNvGrpSpPr/>
+        <p:nvPr/>
+      </p:nvGrpSpPr>
+      <p:grpSpPr/>
+      <p:sp>
+        <p:nvSpPr>
+          <p:cNvPr id="2" name="内容占位符 1"/>
+          <p:cNvSpPr>
+            <a:spLocks noGrp="1"/>
+          </p:cNvSpPr>
+          <p:nvPr>
+            <p:ph idx="1"/>
+          </p:nvPr>
+        </p:nvSpPr>
+        <p:spPr/>
+        <p:txBody>
+          <a:bodyPr/>
+          <a:p>
+            <a:pPr marL="109220" indent="0">
+              <a:buNone/>
+            </a:pPr>
+            <a:r>
+              <a:rPr lang="zh-CN" altLang="en-US" sz="2800">
+                <a:latin typeface="楷体" panose="02010609060101010101" charset="-122"/>
+                <a:ea typeface="楷体" panose="02010609060101010101" charset="-122"/>
+                <a:cs typeface="楷体" panose="02010609060101010101" charset="-122"/>
+              </a:rPr>
+              <a:t>作用：</a:t>
+            </a:r>
+            <a:endParaRPr lang="zh-CN" altLang="en-US" sz="2800">
+              <a:latin typeface="楷体" panose="02010609060101010101" charset="-122"/>
+              <a:ea typeface="楷体" panose="02010609060101010101" charset="-122"/>
+              <a:cs typeface="楷体" panose="02010609060101010101" charset="-122"/>
+            </a:endParaRPr>
+          </a:p>
+          <a:p>
+            <a:pPr marL="109220" indent="0">
+              <a:buNone/>
+            </a:pPr>
+            <a:r>
+              <a:rPr lang="en-US" altLang="zh-CN" sz="2800">
+                <a:latin typeface="楷体" panose="02010609060101010101" charset="-122"/>
+                <a:ea typeface="楷体" panose="02010609060101010101" charset="-122"/>
+                <a:cs typeface="楷体" panose="02010609060101010101" charset="-122"/>
+              </a:rPr>
+              <a:t>1 </a:t>
+            </a:r>
+            <a:r>
+              <a:rPr lang="zh-CN" altLang="en-US" sz="2800">
+                <a:latin typeface="楷体" panose="02010609060101010101" charset="-122"/>
+                <a:ea typeface="楷体" panose="02010609060101010101" charset="-122"/>
+                <a:cs typeface="楷体" panose="02010609060101010101" charset="-122"/>
+              </a:rPr>
+              <a:t>进入系统时，简单介绍欢迎信息和系统信息</a:t>
+            </a:r>
+            <a:endParaRPr lang="zh-CN" altLang="en-US" sz="2800">
+              <a:latin typeface="楷体" panose="02010609060101010101" charset="-122"/>
+              <a:ea typeface="楷体" panose="02010609060101010101" charset="-122"/>
+              <a:cs typeface="楷体" panose="02010609060101010101" charset="-122"/>
+            </a:endParaRPr>
+          </a:p>
+          <a:p>
+            <a:pPr marL="109220" indent="0">
+              <a:buNone/>
+            </a:pPr>
+            <a:endParaRPr lang="zh-CN" altLang="en-US" sz="2800">
+              <a:latin typeface="楷体" panose="02010609060101010101" charset="-122"/>
+              <a:ea typeface="楷体" panose="02010609060101010101" charset="-122"/>
+              <a:cs typeface="楷体" panose="02010609060101010101" charset="-122"/>
+            </a:endParaRPr>
+          </a:p>
+          <a:p>
+            <a:pPr marL="109220" indent="0">
+              <a:buNone/>
+            </a:pPr>
+            <a:r>
+              <a:rPr lang="en-US" altLang="zh-CN" sz="2800">
+                <a:latin typeface="楷体" panose="02010609060101010101" charset="-122"/>
+                <a:ea typeface="楷体" panose="02010609060101010101" charset="-122"/>
+                <a:cs typeface="楷体" panose="02010609060101010101" charset="-122"/>
+              </a:rPr>
+              <a:t>2 </a:t>
+            </a:r>
+            <a:r>
+              <a:rPr lang="zh-CN" altLang="en-US" sz="2800">
+                <a:latin typeface="楷体" panose="02010609060101010101" charset="-122"/>
+                <a:ea typeface="楷体" panose="02010609060101010101" charset="-122"/>
+                <a:cs typeface="楷体" panose="02010609060101010101" charset="-122"/>
+              </a:rPr>
+              <a:t>通过语音的方式指导学生进行登录或者注册操作</a:t>
+            </a:r>
+            <a:endParaRPr lang="zh-CN" altLang="en-US" sz="2800">
+              <a:latin typeface="楷体" panose="02010609060101010101" charset="-122"/>
+              <a:ea typeface="楷体" panose="02010609060101010101" charset="-122"/>
+              <a:cs typeface="楷体" panose="02010609060101010101" charset="-122"/>
+            </a:endParaRPr>
+          </a:p>
+          <a:p>
+            <a:pPr marL="109220" indent="0">
+              <a:buNone/>
+            </a:pPr>
+            <a:endParaRPr lang="zh-CN" altLang="en-US" sz="2800">
+              <a:latin typeface="楷体" panose="02010609060101010101" charset="-122"/>
+              <a:ea typeface="楷体" panose="02010609060101010101" charset="-122"/>
+              <a:cs typeface="楷体" panose="02010609060101010101" charset="-122"/>
+            </a:endParaRPr>
+          </a:p>
+          <a:p>
+            <a:pPr marL="109220" indent="0">
+              <a:buNone/>
+            </a:pPr>
+            <a:r>
+              <a:rPr lang="en-US" altLang="zh-CN" sz="2800">
+                <a:latin typeface="楷体" panose="02010609060101010101" charset="-122"/>
+                <a:ea typeface="楷体" panose="02010609060101010101" charset="-122"/>
+                <a:cs typeface="楷体" panose="02010609060101010101" charset="-122"/>
+              </a:rPr>
+              <a:t>3 </a:t>
+            </a:r>
+            <a:r>
+              <a:rPr lang="zh-CN" altLang="en-US" sz="2800">
+                <a:latin typeface="楷体" panose="02010609060101010101" charset="-122"/>
+                <a:ea typeface="楷体" panose="02010609060101010101" charset="-122"/>
+                <a:cs typeface="楷体" panose="02010609060101010101" charset="-122"/>
+              </a:rPr>
+              <a:t>通过语音的方式朗读习题题目和给出提示</a:t>
+            </a:r>
+            <a:endParaRPr lang="zh-CN" altLang="en-US" sz="2800">
+              <a:latin typeface="楷体" panose="02010609060101010101" charset="-122"/>
+              <a:ea typeface="楷体" panose="02010609060101010101" charset="-122"/>
+              <a:cs typeface="楷体" panose="02010609060101010101" charset="-122"/>
+            </a:endParaRPr>
+          </a:p>
+        </p:txBody>
+      </p:sp>
+      <p:sp>
+        <p:nvSpPr>
+          <p:cNvPr id="3" name="标题 2"/>
+          <p:cNvSpPr>
+            <a:spLocks noGrp="1"/>
+          </p:cNvSpPr>
+          <p:nvPr>
+            <p:ph type="title"/>
+          </p:nvPr>
+        </p:nvSpPr>
+        <p:spPr/>
+        <p:txBody>
+          <a:bodyPr>
+            <a:normAutofit/>
+          </a:bodyPr>
+          <a:p>
+            <a:r>
+              <a:rPr lang="zh-CN" altLang="en-US" sz="2800" b="0">
+                <a:latin typeface="微软雅黑" panose="020B0503020204020204" charset="-122"/>
+                <a:ea typeface="微软雅黑" panose="020B0503020204020204" charset="-122"/>
+                <a:cs typeface="微软雅黑" panose="020B0503020204020204" charset="-122"/>
+                <a:sym typeface="+mn-ea"/>
+              </a:rPr>
+              <a:t>五大功能模块</a:t>
+            </a:r>
+            <a:r>
+              <a:rPr lang="en-US" altLang="zh-CN" sz="2800" b="0">
+                <a:latin typeface="微软雅黑" panose="020B0503020204020204" charset="-122"/>
+                <a:ea typeface="微软雅黑" panose="020B0503020204020204" charset="-122"/>
+                <a:cs typeface="微软雅黑" panose="020B0503020204020204" charset="-122"/>
+                <a:sym typeface="+mn-ea"/>
+              </a:rPr>
+              <a:t>——</a:t>
+            </a:r>
+            <a:r>
+              <a:rPr lang="zh-CN" altLang="zh-CN" sz="2800" b="0">
+                <a:latin typeface="微软雅黑" panose="020B0503020204020204" charset="-122"/>
+                <a:ea typeface="微软雅黑" panose="020B0503020204020204" charset="-122"/>
+                <a:cs typeface="微软雅黑" panose="020B0503020204020204" charset="-122"/>
+                <a:sym typeface="+mn-ea"/>
+              </a:rPr>
+              <a:t>智能语音</a:t>
+            </a:r>
+            <a:endParaRPr lang="zh-CN" altLang="zh-CN" sz="2800" b="0">
+              <a:latin typeface="微软雅黑" panose="020B0503020204020204" charset="-122"/>
+              <a:ea typeface="微软雅黑" panose="020B0503020204020204" charset="-122"/>
+              <a:cs typeface="微软雅黑" panose="020B0503020204020204" charset="-122"/>
+              <a:sym typeface="+mn-ea"/>
+            </a:endParaRPr>
+          </a:p>
+        </p:txBody>
+      </p:sp>
+    </p:spTree>
+  </p:cSld>
+  <p:clrMapOvr>
+    <a:masterClrMapping/>
+  </p:clrMapOvr>
+</p:sld>
+</file>
+
+<file path=ppt/slides/slide12.xml><?xml version="1.0" encoding="utf-8"?>
+<p:sld xmlns:a="http://schemas.openxmlformats.org/drawingml/2006/main" xmlns:r="http://schemas.openxmlformats.org/officeDocument/2006/relationships" xmlns:p="http://schemas.openxmlformats.org/presentationml/2006/main">
+  <p:cSld>
+    <p:spTree>
+      <p:nvGrpSpPr>
+        <p:cNvPr id="1" name=""/>
+        <p:cNvGrpSpPr/>
+        <p:nvPr/>
+      </p:nvGrpSpPr>
+      <p:grpSpPr/>
+      <p:sp>
+        <p:nvSpPr>
+          <p:cNvPr id="3" name="标题 2"/>
+          <p:cNvSpPr>
+            <a:spLocks noGrp="1"/>
+          </p:cNvSpPr>
+          <p:nvPr>
+            <p:ph type="title"/>
+          </p:nvPr>
+        </p:nvSpPr>
+        <p:spPr/>
+        <p:txBody>
+          <a:bodyPr>
+            <a:normAutofit/>
+          </a:bodyPr>
+          <a:p>
+            <a:r>
+              <a:rPr lang="zh-CN" altLang="en-US" sz="2800" b="0">
+                <a:latin typeface="微软雅黑" panose="020B0503020204020204" charset="-122"/>
+                <a:ea typeface="微软雅黑" panose="020B0503020204020204" charset="-122"/>
+                <a:cs typeface="微软雅黑" panose="020B0503020204020204" charset="-122"/>
+                <a:sym typeface="+mn-ea"/>
+              </a:rPr>
+              <a:t>五大功能模块</a:t>
+            </a:r>
+            <a:r>
+              <a:rPr lang="en-US" altLang="zh-CN" sz="2800" b="0">
+                <a:latin typeface="微软雅黑" panose="020B0503020204020204" charset="-122"/>
+                <a:ea typeface="微软雅黑" panose="020B0503020204020204" charset="-122"/>
+                <a:cs typeface="微软雅黑" panose="020B0503020204020204" charset="-122"/>
+                <a:sym typeface="+mn-ea"/>
+              </a:rPr>
+              <a:t>——</a:t>
+            </a:r>
+            <a:r>
+              <a:rPr lang="zh-CN" altLang="zh-CN" sz="2800" b="0">
+                <a:latin typeface="微软雅黑" panose="020B0503020204020204" charset="-122"/>
+                <a:ea typeface="微软雅黑" panose="020B0503020204020204" charset="-122"/>
+                <a:cs typeface="微软雅黑" panose="020B0503020204020204" charset="-122"/>
+                <a:sym typeface="+mn-ea"/>
+              </a:rPr>
+              <a:t>智能语音</a:t>
+            </a:r>
+            <a:endParaRPr lang="zh-CN" altLang="en-US" sz="2800"/>
+          </a:p>
+        </p:txBody>
+      </p:sp>
+      <p:graphicFrame>
+        <p:nvGraphicFramePr>
+          <p:cNvPr id="-2147482623" name="对象 -2147482624"/>
+          <p:cNvGraphicFramePr>
+            <a:graphicFrameLocks noChangeAspect="1"/>
+          </p:cNvGraphicFramePr>
+          <p:nvPr/>
+        </p:nvGraphicFramePr>
+        <p:xfrm>
+          <a:off x="1301115" y="1600200"/>
+          <a:ext cx="6994525" cy="4122420"/>
+        </p:xfrm>
+        <a:graphic>
+          <a:graphicData uri="http://schemas.openxmlformats.org/presentationml/2006/ole">
+            <mc:AlternateContent xmlns:mc="http://schemas.openxmlformats.org/markup-compatibility/2006">
+              <mc:Choice xmlns:v="urn:schemas-microsoft-com:vml" Requires="v">
+                <p:oleObj spid="_x0000_s3076" name="" r:id="rId1" imgW="3295650" imgH="1943100" progId="Visio.Drawing.11">
+                  <p:embed/>
+                </p:oleObj>
+              </mc:Choice>
+              <mc:Fallback>
+                <p:oleObj name="" r:id="rId1" imgW="3295650" imgH="1943100" progId="Visio.Drawing.11">
+                  <p:embed/>
+                  <p:pic>
+                    <p:nvPicPr>
+                      <p:cNvPr id="0" name="图片 3075"/>
+                      <p:cNvPicPr/>
+                      <p:nvPr/>
+                    </p:nvPicPr>
+                    <p:blipFill>
+                      <a:blip r:embed="rId2"/>
+                      <a:stretch>
+                        <a:fillRect/>
+                      </a:stretch>
+                    </p:blipFill>
+                    <p:spPr>
+                      <a:xfrm>
+                        <a:off x="1301115" y="1600200"/>
+                        <a:ext cx="6994525" cy="4122420"/>
+                      </a:xfrm>
+                      <a:prstGeom prst="rect">
+                        <a:avLst/>
+                      </a:prstGeom>
+                      <a:noFill/>
+                      <a:ln w="38100">
+                        <a:noFill/>
+                        <a:miter/>
+                      </a:ln>
+                    </p:spPr>
+                  </p:pic>
+                </p:oleObj>
+              </mc:Fallback>
+            </mc:AlternateContent>
+          </a:graphicData>
+        </a:graphic>
+      </p:graphicFrame>
+    </p:spTree>
+  </p:cSld>
+  <p:clrMapOvr>
+    <a:masterClrMapping/>
+  </p:clrMapOvr>
+</p:sld>
+</file>
+
+<file path=ppt/slides/slide13.xml><?xml version="1.0" encoding="utf-8"?>
+<p:sld xmlns:a="http://schemas.openxmlformats.org/drawingml/2006/main" xmlns:r="http://schemas.openxmlformats.org/officeDocument/2006/relationships" xmlns:p="http://schemas.openxmlformats.org/presentationml/2006/main">
+  <p:cSld>
+    <p:spTree>
+      <p:nvGrpSpPr>
+        <p:cNvPr id="1" name=""/>
+        <p:cNvGrpSpPr/>
+        <p:nvPr/>
+      </p:nvGrpSpPr>
+      <p:grpSpPr/>
+      <p:sp>
+        <p:nvSpPr>
+          <p:cNvPr id="3" name="标题 2"/>
+          <p:cNvSpPr>
+            <a:spLocks noGrp="1"/>
+          </p:cNvSpPr>
+          <p:nvPr>
+            <p:ph type="title"/>
+          </p:nvPr>
+        </p:nvSpPr>
+        <p:spPr/>
+        <p:txBody>
+          <a:bodyPr>
+            <a:normAutofit/>
+          </a:bodyPr>
+          <a:p>
+            <a:r>
+              <a:rPr lang="zh-CN" altLang="en-US" sz="2800" b="0">
+                <a:latin typeface="微软雅黑" panose="020B0503020204020204" charset="-122"/>
+                <a:ea typeface="微软雅黑" panose="020B0503020204020204" charset="-122"/>
+                <a:cs typeface="微软雅黑" panose="020B0503020204020204" charset="-122"/>
+                <a:sym typeface="+mn-ea"/>
+              </a:rPr>
+              <a:t>五大功能模块</a:t>
+            </a:r>
+            <a:r>
+              <a:rPr lang="en-US" altLang="zh-CN" sz="2800" b="0">
+                <a:latin typeface="微软雅黑" panose="020B0503020204020204" charset="-122"/>
+                <a:ea typeface="微软雅黑" panose="020B0503020204020204" charset="-122"/>
+                <a:cs typeface="微软雅黑" panose="020B0503020204020204" charset="-122"/>
+                <a:sym typeface="+mn-ea"/>
+              </a:rPr>
+              <a:t>——</a:t>
+            </a:r>
+            <a:r>
+              <a:rPr lang="zh-CN" altLang="zh-CN" sz="2800" b="0">
+                <a:latin typeface="微软雅黑" panose="020B0503020204020204" charset="-122"/>
+                <a:ea typeface="微软雅黑" panose="020B0503020204020204" charset="-122"/>
+                <a:cs typeface="微软雅黑" panose="020B0503020204020204" charset="-122"/>
+                <a:sym typeface="+mn-ea"/>
+              </a:rPr>
+              <a:t>智能答疑</a:t>
+            </a:r>
+            <a:endParaRPr lang="en-US" altLang="zh-CN" sz="2800" b="0">
+              <a:latin typeface="微软雅黑" panose="020B0503020204020204" charset="-122"/>
+              <a:ea typeface="微软雅黑" panose="020B0503020204020204" charset="-122"/>
+              <a:cs typeface="微软雅黑" panose="020B0503020204020204" charset="-122"/>
+              <a:sym typeface="+mn-ea"/>
+            </a:endParaRPr>
+          </a:p>
+        </p:txBody>
+      </p:sp>
+      <p:graphicFrame>
+        <p:nvGraphicFramePr>
+          <p:cNvPr id="-2147482623" name="对象 -2147482624"/>
+          <p:cNvGraphicFramePr>
+            <a:graphicFrameLocks noChangeAspect="1"/>
+          </p:cNvGraphicFramePr>
+          <p:nvPr/>
+        </p:nvGraphicFramePr>
+        <p:xfrm>
+          <a:off x="687070" y="1417955"/>
+          <a:ext cx="7385685" cy="4438015"/>
+        </p:xfrm>
+        <a:graphic>
+          <a:graphicData uri="http://schemas.openxmlformats.org/presentationml/2006/ole">
+            <mc:AlternateContent xmlns:mc="http://schemas.openxmlformats.org/markup-compatibility/2006">
+              <mc:Choice xmlns:v="urn:schemas-microsoft-com:vml" Requires="v">
+                <p:oleObj spid="_x0000_s3076" name="" r:id="rId1" imgW="3657600" imgH="2200275" progId="Visio.Drawing.11">
+                  <p:embed/>
+                </p:oleObj>
+              </mc:Choice>
+              <mc:Fallback>
+                <p:oleObj name="" r:id="rId1" imgW="3657600" imgH="2200275" progId="Visio.Drawing.11">
+                  <p:embed/>
+                  <p:pic>
+                    <p:nvPicPr>
+                      <p:cNvPr id="0" name="图片 3075"/>
+                      <p:cNvPicPr/>
+                      <p:nvPr/>
+                    </p:nvPicPr>
+                    <p:blipFill>
+                      <a:blip r:embed="rId2"/>
+                      <a:stretch>
+                        <a:fillRect/>
+                      </a:stretch>
+                    </p:blipFill>
+                    <p:spPr>
+                      <a:xfrm>
+                        <a:off x="687070" y="1417955"/>
+                        <a:ext cx="7385685" cy="4438015"/>
+                      </a:xfrm>
+                      <a:prstGeom prst="rect">
+                        <a:avLst/>
+                      </a:prstGeom>
+                      <a:noFill/>
+                      <a:ln w="38100">
+                        <a:noFill/>
+                        <a:miter/>
+                      </a:ln>
+                    </p:spPr>
+                  </p:pic>
+                </p:oleObj>
+              </mc:Fallback>
+            </mc:AlternateContent>
+          </a:graphicData>
+        </a:graphic>
+      </p:graphicFrame>
+      <p:pic>
+        <p:nvPicPr>
+          <p:cNvPr id="18" name="图片 2"/>
+          <p:cNvPicPr>
+            <a:picLocks noChangeAspect="1"/>
+          </p:cNvPicPr>
+          <p:nvPr/>
+        </p:nvPicPr>
+        <p:blipFill>
+          <a:blip r:embed="rId3"/>
+          <a:stretch>
+            <a:fillRect/>
+          </a:stretch>
+        </p:blipFill>
+        <p:spPr>
+          <a:xfrm>
+            <a:off x="726440" y="2306955"/>
+            <a:ext cx="7691755" cy="2443480"/>
+          </a:xfrm>
+          <a:prstGeom prst="rect">
+            <a:avLst/>
+          </a:prstGeom>
+          <a:noFill/>
+          <a:ln>
+            <a:noFill/>
+          </a:ln>
+        </p:spPr>
+      </p:pic>
+    </p:spTree>
+  </p:cSld>
+  <p:clrMapOvr>
+    <a:masterClrMapping/>
+  </p:clrMapOvr>
+  <p:timing>
+    <p:tnLst>
+      <p:par>
+        <p:cTn id="1" dur="indefinite" restart="never" nodeType="tmRoot">
+          <p:childTnLst>
+            <p:seq concurrent="1" nextAc="seek">
+              <p:cTn id="2" dur="indefinite" nodeType="mainSeq">
+                <p:childTnLst>
+                  <p:par>
+                    <p:cTn id="3" fill="hold">
+                      <p:stCondLst>
+                        <p:cond delay="indefinite"/>
+                      </p:stCondLst>
+                      <p:childTnLst>
+                        <p:par>
+                          <p:cTn id="4" fill="hold">
+                            <p:stCondLst>
+                              <p:cond delay="0"/>
+                            </p:stCondLst>
+                            <p:childTnLst>
+                              <p:par>
+                                <p:cTn id="5" presetID="2" presetClass="entr" presetSubtype="4" fill="hold" nodeType="clickEffect">
+                                  <p:stCondLst>
+                                    <p:cond delay="0"/>
+                                  </p:stCondLst>
+                                  <p:childTnLst>
+                                    <p:set>
+                                      <p:cBhvr>
+                                        <p:cTn id="6" dur="1" fill="hold">
+                                          <p:stCondLst>
+                                            <p:cond delay="0"/>
+                                          </p:stCondLst>
+                                        </p:cTn>
+                                        <p:tgtEl>
+                                          <p:spTgt spid="18"/>
+                                        </p:tgtEl>
+                                        <p:attrNameLst>
+                                          <p:attrName>style.visibility</p:attrName>
+                                        </p:attrNameLst>
+                                      </p:cBhvr>
+                                      <p:to>
+                                        <p:strVal val="visible"/>
+                                      </p:to>
+                                    </p:set>
+                                    <p:anim calcmode="lin" valueType="num">
+                                      <p:cBhvr additive="base">
+                                        <p:cTn id="7" dur="500" fill="hold"/>
+                                        <p:tgtEl>
+                                          <p:spTgt spid="18"/>
+                                        </p:tgtEl>
+                                        <p:attrNameLst>
+                                          <p:attrName>ppt_x</p:attrName>
+                                        </p:attrNameLst>
+                                      </p:cBhvr>
+                                      <p:tavLst>
+                                        <p:tav tm="0">
+                                          <p:val>
+                                            <p:strVal val="#ppt_x"/>
+                                          </p:val>
+                                        </p:tav>
+                                        <p:tav tm="100000">
+                                          <p:val>
+                                            <p:strVal val="#ppt_x"/>
+                                          </p:val>
+                                        </p:tav>
+                                      </p:tavLst>
+                                    </p:anim>
+                                    <p:anim calcmode="lin" valueType="num">
+                                      <p:cBhvr additive="base">
+                                        <p:cTn id="8" dur="500" fill="hold"/>
+                                        <p:tgtEl>
+                                          <p:spTgt spid="18"/>
+                                        </p:tgtEl>
+                                        <p:attrNameLst>
+                                          <p:attrName>ppt_y</p:attrName>
+                                        </p:attrNameLst>
+                                      </p:cBhvr>
+                                      <p:tavLst>
+                                        <p:tav tm="0">
+                                          <p:val>
+                                            <p:strVal val="1+#ppt_h/2"/>
+                                          </p:val>
+                                        </p:tav>
+                                        <p:tav tm="100000">
+                                          <p:val>
+                                            <p:strVal val="#ppt_y"/>
+                                          </p:val>
+                                        </p:tav>
+                                      </p:tavLst>
+                                    </p:anim>
+                                  </p:childTnLst>
+                                </p:cTn>
+                              </p:par>
+                            </p:childTnLst>
+                          </p:cTn>
+                        </p:par>
+                      </p:childTnLst>
+                    </p:cTn>
+                  </p:par>
+                </p:childTnLst>
+              </p:cTn>
+              <p:prevCondLst>
+                <p:cond evt="onPrev" delay="0">
+                  <p:tgtEl>
+                    <p:sldTgt/>
+                  </p:tgtEl>
+                </p:cond>
+              </p:prevCondLst>
+              <p:nextCondLst>
+                <p:cond evt="onNext" delay="0">
+                  <p:tgtEl>
+                    <p:sldTgt/>
+                  </p:tgtEl>
+                </p:cond>
+              </p:nextCondLst>
+            </p:seq>
+          </p:childTnLst>
+        </p:cTn>
+      </p:par>
+    </p:tnLst>
+  </p:timing>
+</p:sld>
+</file>
+
+<file path=ppt/slides/slide14.xml><?xml version="1.0" encoding="utf-8"?>
+<p:sld xmlns:a="http://schemas.openxmlformats.org/drawingml/2006/main" xmlns:r="http://schemas.openxmlformats.org/officeDocument/2006/relationships" xmlns:p="http://schemas.openxmlformats.org/presentationml/2006/main">
+  <p:cSld>
+    <p:spTree>
+      <p:nvGrpSpPr>
+        <p:cNvPr id="1" name=""/>
+        <p:cNvGrpSpPr/>
+        <p:nvPr/>
+      </p:nvGrpSpPr>
+      <p:grpSpPr/>
+      <p:sp>
+        <p:nvSpPr>
+          <p:cNvPr id="2" name="内容占位符 1"/>
+          <p:cNvSpPr>
+            <a:spLocks noGrp="1"/>
+          </p:cNvSpPr>
+          <p:nvPr>
+            <p:ph idx="1"/>
+          </p:nvPr>
+        </p:nvSpPr>
+        <p:spPr/>
+        <p:txBody>
+          <a:bodyPr/>
+          <a:p>
+            <a:pPr marL="109220" indent="0">
+              <a:buNone/>
+            </a:pPr>
+            <a:endParaRPr lang="zh-CN" altLang="en-US"/>
+          </a:p>
+        </p:txBody>
+      </p:sp>
+      <p:sp>
+        <p:nvSpPr>
+          <p:cNvPr id="3" name="标题 2"/>
+          <p:cNvSpPr>
+            <a:spLocks noGrp="1"/>
+          </p:cNvSpPr>
+          <p:nvPr>
+            <p:ph type="title"/>
+          </p:nvPr>
+        </p:nvSpPr>
+        <p:spPr/>
+        <p:txBody>
+          <a:bodyPr>
+            <a:normAutofit/>
+          </a:bodyPr>
+          <a:p>
+            <a:r>
+              <a:rPr lang="zh-CN" altLang="en-US" sz="2800" b="0">
+                <a:latin typeface="微软雅黑" panose="020B0503020204020204" charset="-122"/>
+                <a:ea typeface="微软雅黑" panose="020B0503020204020204" charset="-122"/>
+                <a:cs typeface="微软雅黑" panose="020B0503020204020204" charset="-122"/>
+                <a:sym typeface="+mn-ea"/>
+              </a:rPr>
+              <a:t>五大功能模块</a:t>
+            </a:r>
+            <a:r>
+              <a:rPr lang="en-US" altLang="zh-CN" sz="2800" b="0">
+                <a:latin typeface="微软雅黑" panose="020B0503020204020204" charset="-122"/>
+                <a:ea typeface="微软雅黑" panose="020B0503020204020204" charset="-122"/>
+                <a:cs typeface="微软雅黑" panose="020B0503020204020204" charset="-122"/>
+                <a:sym typeface="+mn-ea"/>
+              </a:rPr>
+              <a:t>——</a:t>
+            </a:r>
+            <a:r>
+              <a:rPr lang="zh-CN" altLang="en-US" sz="2800" b="0">
+                <a:latin typeface="微软雅黑" panose="020B0503020204020204" charset="-122"/>
+                <a:ea typeface="微软雅黑" panose="020B0503020204020204" charset="-122"/>
+                <a:cs typeface="微软雅黑" panose="020B0503020204020204" charset="-122"/>
+                <a:sym typeface="+mn-ea"/>
+              </a:rPr>
+              <a:t>协同习题</a:t>
+            </a:r>
+            <a:endParaRPr lang="zh-CN" altLang="en-US" sz="2800" b="0">
+              <a:latin typeface="微软雅黑" panose="020B0503020204020204" charset="-122"/>
+              <a:ea typeface="微软雅黑" panose="020B0503020204020204" charset="-122"/>
+              <a:cs typeface="微软雅黑" panose="020B0503020204020204" charset="-122"/>
+              <a:sym typeface="+mn-ea"/>
+            </a:endParaRPr>
+          </a:p>
+        </p:txBody>
+      </p:sp>
+    </p:spTree>
+  </p:cSld>
+  <p:clrMapOvr>
+    <a:masterClrMapping/>
+  </p:clrMapOvr>
+</p:sld>
+</file>
+
+<file path=ppt/slides/slide15.xml><?xml version="1.0" encoding="utf-8"?>
 <p:sld xmlns:a="http://schemas.openxmlformats.org/drawingml/2006/main" xmlns:r="http://schemas.openxmlformats.org/officeDocument/2006/relationships" xmlns:p="http://schemas.openxmlformats.org/presentationml/2006/main">
   <p:cSld>
     <p:spTree>
@@ -10071,17 +10763,17 @@
               <a:buNone/>
             </a:pPr>
             <a:r>
-              <a:rPr lang="zh-CN" altLang="en-US">
-                <a:latin typeface="宋体" panose="02010600030101010101" pitchFamily="2" charset="-122"/>
-                <a:ea typeface="宋体" panose="02010600030101010101" pitchFamily="2" charset="-122"/>
-                <a:cs typeface="宋体" panose="02010600030101010101" pitchFamily="2" charset="-122"/>
+              <a:rPr lang="zh-CN" altLang="en-US" sz="2800">
+                <a:latin typeface="楷体" panose="02010609060101010101" charset="-122"/>
+                <a:ea typeface="楷体" panose="02010609060101010101" charset="-122"/>
+                <a:cs typeface="楷体" panose="02010609060101010101" charset="-122"/>
               </a:rPr>
               <a:t>解决同步问题的算法</a:t>
             </a:r>
-            <a:endParaRPr lang="zh-CN" altLang="en-US">
-              <a:latin typeface="宋体" panose="02010600030101010101" pitchFamily="2" charset="-122"/>
-              <a:ea typeface="宋体" panose="02010600030101010101" pitchFamily="2" charset="-122"/>
-              <a:cs typeface="宋体" panose="02010600030101010101" pitchFamily="2" charset="-122"/>
+            <a:endParaRPr lang="zh-CN" altLang="en-US" sz="2800">
+              <a:latin typeface="楷体" panose="02010609060101010101" charset="-122"/>
+              <a:ea typeface="楷体" panose="02010609060101010101" charset="-122"/>
+              <a:cs typeface="楷体" panose="02010609060101010101" charset="-122"/>
             </a:endParaRPr>
           </a:p>
           <a:p>
@@ -10089,25 +10781,25 @@
               <a:buNone/>
             </a:pPr>
             <a:r>
-              <a:rPr lang="zh-CN" altLang="en-US">
-                <a:latin typeface="宋体" panose="02010600030101010101" pitchFamily="2" charset="-122"/>
-                <a:ea typeface="宋体" panose="02010600030101010101" pitchFamily="2" charset="-122"/>
-                <a:cs typeface="宋体" panose="02010600030101010101" pitchFamily="2" charset="-122"/>
+              <a:rPr lang="zh-CN" altLang="en-US" sz="2800">
+                <a:latin typeface="楷体" panose="02010609060101010101" charset="-122"/>
+                <a:ea typeface="楷体" panose="02010609060101010101" charset="-122"/>
+                <a:cs typeface="楷体" panose="02010609060101010101" charset="-122"/>
               </a:rPr>
               <a:t>    帧同步算法</a:t>
             </a:r>
             <a:r>
-              <a:rPr lang="en-US" altLang="zh-CN">
-                <a:latin typeface="宋体" panose="02010600030101010101" pitchFamily="2" charset="-122"/>
-                <a:ea typeface="宋体" panose="02010600030101010101" pitchFamily="2" charset="-122"/>
-                <a:cs typeface="宋体" panose="02010600030101010101" pitchFamily="2" charset="-122"/>
+              <a:rPr lang="en-US" altLang="zh-CN" sz="2800">
+                <a:latin typeface="楷体" panose="02010609060101010101" charset="-122"/>
+                <a:ea typeface="楷体" panose="02010609060101010101" charset="-122"/>
+                <a:cs typeface="楷体" panose="02010609060101010101" charset="-122"/>
               </a:rPr>
               <a:t>(Lockstep)</a:t>
             </a:r>
-            <a:endParaRPr lang="zh-CN" altLang="en-US">
-              <a:latin typeface="宋体" panose="02010600030101010101" pitchFamily="2" charset="-122"/>
-              <a:ea typeface="宋体" panose="02010600030101010101" pitchFamily="2" charset="-122"/>
-              <a:cs typeface="宋体" panose="02010600030101010101" pitchFamily="2" charset="-122"/>
+            <a:endParaRPr lang="zh-CN" altLang="en-US" sz="2800">
+              <a:latin typeface="楷体" panose="02010609060101010101" charset="-122"/>
+              <a:ea typeface="楷体" panose="02010609060101010101" charset="-122"/>
+              <a:cs typeface="楷体" panose="02010609060101010101" charset="-122"/>
             </a:endParaRPr>
           </a:p>
           <a:p>
@@ -10115,41 +10807,41 @@
               <a:buNone/>
             </a:pPr>
             <a:r>
-              <a:rPr lang="zh-CN" altLang="en-US">
-                <a:latin typeface="宋体" panose="02010600030101010101" pitchFamily="2" charset="-122"/>
-                <a:ea typeface="宋体" panose="02010600030101010101" pitchFamily="2" charset="-122"/>
-                <a:cs typeface="宋体" panose="02010600030101010101" pitchFamily="2" charset="-122"/>
+              <a:rPr lang="zh-CN" altLang="en-US" sz="2800">
+                <a:latin typeface="楷体" panose="02010609060101010101" charset="-122"/>
+                <a:ea typeface="楷体" panose="02010609060101010101" charset="-122"/>
+                <a:cs typeface="楷体" panose="02010609060101010101" charset="-122"/>
               </a:rPr>
               <a:t>    导航预测算法</a:t>
             </a:r>
             <a:r>
-              <a:rPr lang="en-US" altLang="zh-CN">
-                <a:latin typeface="宋体" panose="02010600030101010101" pitchFamily="2" charset="-122"/>
-                <a:ea typeface="宋体" panose="02010600030101010101" pitchFamily="2" charset="-122"/>
-                <a:cs typeface="宋体" panose="02010600030101010101" pitchFamily="2" charset="-122"/>
+              <a:rPr lang="en-US" altLang="zh-CN" sz="2800">
+                <a:latin typeface="楷体" panose="02010609060101010101" charset="-122"/>
+                <a:ea typeface="楷体" panose="02010609060101010101" charset="-122"/>
+                <a:cs typeface="楷体" panose="02010609060101010101" charset="-122"/>
               </a:rPr>
               <a:t>(</a:t>
             </a:r>
             <a:r>
-              <a:rPr lang="zh-CN" altLang="en-US">
-                <a:latin typeface="宋体" panose="02010600030101010101" pitchFamily="2" charset="-122"/>
-                <a:ea typeface="宋体" panose="02010600030101010101" pitchFamily="2" charset="-122"/>
-                <a:cs typeface="宋体" panose="02010600030101010101" pitchFamily="2" charset="-122"/>
+              <a:rPr lang="zh-CN" altLang="en-US" sz="2800">
+                <a:latin typeface="楷体" panose="02010609060101010101" charset="-122"/>
+                <a:ea typeface="楷体" panose="02010609060101010101" charset="-122"/>
+                <a:cs typeface="楷体" panose="02010609060101010101" charset="-122"/>
               </a:rPr>
               <a:t>Dead Reckoning</a:t>
             </a:r>
             <a:r>
-              <a:rPr lang="en-US" altLang="zh-CN">
-                <a:latin typeface="宋体" panose="02010600030101010101" pitchFamily="2" charset="-122"/>
-                <a:ea typeface="宋体" panose="02010600030101010101" pitchFamily="2" charset="-122"/>
-                <a:cs typeface="宋体" panose="02010600030101010101" pitchFamily="2" charset="-122"/>
+              <a:rPr lang="en-US" altLang="zh-CN" sz="2800">
+                <a:latin typeface="楷体" panose="02010609060101010101" charset="-122"/>
+                <a:ea typeface="楷体" panose="02010609060101010101" charset="-122"/>
+                <a:cs typeface="楷体" panose="02010609060101010101" charset="-122"/>
               </a:rPr>
               <a:t>)</a:t>
             </a:r>
-            <a:endParaRPr lang="en-US" altLang="zh-CN">
-              <a:latin typeface="宋体" panose="02010600030101010101" pitchFamily="2" charset="-122"/>
-              <a:ea typeface="宋体" panose="02010600030101010101" pitchFamily="2" charset="-122"/>
-              <a:cs typeface="宋体" panose="02010600030101010101" pitchFamily="2" charset="-122"/>
+            <a:endParaRPr lang="en-US" altLang="zh-CN" sz="2800">
+              <a:latin typeface="楷体" panose="02010609060101010101" charset="-122"/>
+              <a:ea typeface="楷体" panose="02010609060101010101" charset="-122"/>
+              <a:cs typeface="楷体" panose="02010609060101010101" charset="-122"/>
             </a:endParaRPr>
           </a:p>
           <a:p>
@@ -10157,17 +10849,17 @@
               <a:buNone/>
             </a:pPr>
             <a:r>
-              <a:rPr lang="zh-CN" altLang="en-US">
-                <a:latin typeface="宋体" panose="02010600030101010101" pitchFamily="2" charset="-122"/>
-                <a:ea typeface="宋体" panose="02010600030101010101" pitchFamily="2" charset="-122"/>
-                <a:cs typeface="宋体" panose="02010600030101010101" pitchFamily="2" charset="-122"/>
+              <a:rPr lang="zh-CN" altLang="en-US" sz="2800">
+                <a:latin typeface="楷体" panose="02010609060101010101" charset="-122"/>
+                <a:ea typeface="楷体" panose="02010609060101010101" charset="-122"/>
+                <a:cs typeface="楷体" panose="02010609060101010101" charset="-122"/>
               </a:rPr>
               <a:t>解决并发问题的算法</a:t>
             </a:r>
-            <a:endParaRPr lang="zh-CN" altLang="en-US">
-              <a:latin typeface="宋体" panose="02010600030101010101" pitchFamily="2" charset="-122"/>
-              <a:ea typeface="宋体" panose="02010600030101010101" pitchFamily="2" charset="-122"/>
-              <a:cs typeface="宋体" panose="02010600030101010101" pitchFamily="2" charset="-122"/>
+            <a:endParaRPr lang="zh-CN" altLang="en-US" sz="2800">
+              <a:latin typeface="楷体" panose="02010609060101010101" charset="-122"/>
+              <a:ea typeface="楷体" panose="02010609060101010101" charset="-122"/>
+              <a:cs typeface="楷体" panose="02010609060101010101" charset="-122"/>
             </a:endParaRPr>
           </a:p>
           <a:p>
@@ -10175,17 +10867,17 @@
               <a:buNone/>
             </a:pPr>
             <a:r>
-              <a:rPr lang="zh-CN" altLang="en-US">
-                <a:latin typeface="宋体" panose="02010600030101010101" pitchFamily="2" charset="-122"/>
-                <a:ea typeface="宋体" panose="02010600030101010101" pitchFamily="2" charset="-122"/>
-                <a:cs typeface="宋体" panose="02010600030101010101" pitchFamily="2" charset="-122"/>
+              <a:rPr lang="zh-CN" altLang="en-US" sz="2800">
+                <a:latin typeface="楷体" panose="02010609060101010101" charset="-122"/>
+                <a:ea typeface="楷体" panose="02010609060101010101" charset="-122"/>
+                <a:cs typeface="楷体" panose="02010609060101010101" charset="-122"/>
               </a:rPr>
               <a:t>     加锁法</a:t>
             </a:r>
-            <a:endParaRPr lang="zh-CN" altLang="en-US">
-              <a:latin typeface="宋体" panose="02010600030101010101" pitchFamily="2" charset="-122"/>
-              <a:ea typeface="宋体" panose="02010600030101010101" pitchFamily="2" charset="-122"/>
-              <a:cs typeface="宋体" panose="02010600030101010101" pitchFamily="2" charset="-122"/>
+            <a:endParaRPr lang="zh-CN" altLang="en-US" sz="2800">
+              <a:latin typeface="楷体" panose="02010609060101010101" charset="-122"/>
+              <a:ea typeface="楷体" panose="02010609060101010101" charset="-122"/>
+              <a:cs typeface="楷体" panose="02010609060101010101" charset="-122"/>
             </a:endParaRPr>
           </a:p>
           <a:p>
@@ -10193,25 +10885,25 @@
               <a:buNone/>
             </a:pPr>
             <a:r>
-              <a:rPr lang="en-US" altLang="zh-CN">
-                <a:latin typeface="宋体" panose="02010600030101010101" pitchFamily="2" charset="-122"/>
-                <a:ea typeface="宋体" panose="02010600030101010101" pitchFamily="2" charset="-122"/>
-                <a:cs typeface="宋体" panose="02010600030101010101" pitchFamily="2" charset="-122"/>
+              <a:rPr lang="en-US" altLang="zh-CN" sz="2800">
+                <a:latin typeface="楷体" panose="02010609060101010101" charset="-122"/>
+                <a:ea typeface="楷体" panose="02010609060101010101" charset="-122"/>
+                <a:cs typeface="楷体" panose="02010609060101010101" charset="-122"/>
               </a:rPr>
               <a:t>     </a:t>
             </a:r>
             <a:r>
-              <a:rPr lang="zh-CN" altLang="en-US">
-                <a:latin typeface="宋体" panose="02010600030101010101" pitchFamily="2" charset="-122"/>
-                <a:ea typeface="宋体" panose="02010600030101010101" pitchFamily="2" charset="-122"/>
-                <a:cs typeface="宋体" panose="02010600030101010101" pitchFamily="2" charset="-122"/>
+              <a:rPr lang="zh-CN" altLang="en-US" sz="2800">
+                <a:latin typeface="楷体" panose="02010609060101010101" charset="-122"/>
+                <a:ea typeface="楷体" panose="02010609060101010101" charset="-122"/>
+                <a:cs typeface="楷体" panose="02010609060101010101" charset="-122"/>
               </a:rPr>
               <a:t>串行化法</a:t>
             </a:r>
-            <a:endParaRPr lang="zh-CN" altLang="en-US">
-              <a:latin typeface="宋体" panose="02010600030101010101" pitchFamily="2" charset="-122"/>
-              <a:ea typeface="宋体" panose="02010600030101010101" pitchFamily="2" charset="-122"/>
-              <a:cs typeface="宋体" panose="02010600030101010101" pitchFamily="2" charset="-122"/>
+            <a:endParaRPr lang="zh-CN" altLang="en-US" sz="2800">
+              <a:latin typeface="楷体" panose="02010609060101010101" charset="-122"/>
+              <a:ea typeface="楷体" panose="02010609060101010101" charset="-122"/>
+              <a:cs typeface="楷体" panose="02010609060101010101" charset="-122"/>
             </a:endParaRPr>
           </a:p>
           <a:p>
@@ -10219,17 +10911,17 @@
               <a:buNone/>
             </a:pPr>
             <a:r>
-              <a:rPr lang="zh-CN" altLang="en-US">
-                <a:latin typeface="宋体" panose="02010600030101010101" pitchFamily="2" charset="-122"/>
-                <a:ea typeface="宋体" panose="02010600030101010101" pitchFamily="2" charset="-122"/>
-                <a:cs typeface="宋体" panose="02010600030101010101" pitchFamily="2" charset="-122"/>
+              <a:rPr lang="zh-CN" altLang="en-US" sz="2800">
+                <a:latin typeface="楷体" panose="02010609060101010101" charset="-122"/>
+                <a:ea typeface="楷体" panose="02010609060101010101" charset="-122"/>
+                <a:cs typeface="楷体" panose="02010609060101010101" charset="-122"/>
               </a:rPr>
               <a:t>     令牌环法</a:t>
             </a:r>
-            <a:endParaRPr lang="zh-CN" altLang="en-US">
-              <a:latin typeface="宋体" panose="02010600030101010101" pitchFamily="2" charset="-122"/>
-              <a:ea typeface="宋体" panose="02010600030101010101" pitchFamily="2" charset="-122"/>
-              <a:cs typeface="宋体" panose="02010600030101010101" pitchFamily="2" charset="-122"/>
+            <a:endParaRPr lang="zh-CN" altLang="en-US" sz="2800">
+              <a:latin typeface="楷体" panose="02010609060101010101" charset="-122"/>
+              <a:ea typeface="楷体" panose="02010609060101010101" charset="-122"/>
+              <a:cs typeface="楷体" panose="02010609060101010101" charset="-122"/>
             </a:endParaRPr>
           </a:p>
           <a:p>
@@ -10237,49 +10929,49 @@
               <a:buNone/>
             </a:pPr>
             <a:r>
-              <a:rPr lang="zh-CN" altLang="en-US">
-                <a:latin typeface="宋体" panose="02010600030101010101" pitchFamily="2" charset="-122"/>
-                <a:ea typeface="宋体" panose="02010600030101010101" pitchFamily="2" charset="-122"/>
-                <a:cs typeface="宋体" panose="02010600030101010101" pitchFamily="2" charset="-122"/>
+              <a:rPr lang="zh-CN" altLang="en-US" sz="2800">
+                <a:latin typeface="楷体" panose="02010609060101010101" charset="-122"/>
+                <a:ea typeface="楷体" panose="02010609060101010101" charset="-122"/>
+                <a:cs typeface="楷体" panose="02010609060101010101" charset="-122"/>
               </a:rPr>
               <a:t>     </a:t>
             </a:r>
             <a:r>
-              <a:rPr lang="en-US" altLang="zh-CN">
-                <a:latin typeface="宋体" panose="02010600030101010101" pitchFamily="2" charset="-122"/>
-                <a:ea typeface="宋体" panose="02010600030101010101" pitchFamily="2" charset="-122"/>
-                <a:cs typeface="宋体" panose="02010600030101010101" pitchFamily="2" charset="-122"/>
+              <a:rPr lang="en-US" altLang="zh-CN" sz="2800">
+                <a:latin typeface="楷体" panose="02010609060101010101" charset="-122"/>
+                <a:ea typeface="楷体" panose="02010609060101010101" charset="-122"/>
+                <a:cs typeface="楷体" panose="02010609060101010101" charset="-122"/>
               </a:rPr>
               <a:t>“</a:t>
             </a:r>
             <a:r>
-              <a:rPr lang="zh-CN" altLang="en-US">
-                <a:latin typeface="宋体" panose="02010600030101010101" pitchFamily="2" charset="-122"/>
-                <a:ea typeface="宋体" panose="02010600030101010101" pitchFamily="2" charset="-122"/>
-                <a:cs typeface="宋体" panose="02010600030101010101" pitchFamily="2" charset="-122"/>
+              <a:rPr lang="zh-CN" altLang="en-US" sz="2800">
+                <a:latin typeface="楷体" panose="02010609060101010101" charset="-122"/>
+                <a:ea typeface="楷体" panose="02010609060101010101" charset="-122"/>
+                <a:cs typeface="楷体" panose="02010609060101010101" charset="-122"/>
               </a:rPr>
               <a:t>多令牌环</a:t>
             </a:r>
             <a:r>
-              <a:rPr lang="en-US" altLang="zh-CN">
-                <a:latin typeface="宋体" panose="02010600030101010101" pitchFamily="2" charset="-122"/>
-                <a:ea typeface="宋体" panose="02010600030101010101" pitchFamily="2" charset="-122"/>
-                <a:cs typeface="宋体" panose="02010600030101010101" pitchFamily="2" charset="-122"/>
+              <a:rPr lang="en-US" altLang="zh-CN" sz="2800">
+                <a:latin typeface="楷体" panose="02010609060101010101" charset="-122"/>
+                <a:ea typeface="楷体" panose="02010609060101010101" charset="-122"/>
+                <a:cs typeface="楷体" panose="02010609060101010101" charset="-122"/>
               </a:rPr>
               <a:t>”+</a:t>
             </a:r>
             <a:r>
-              <a:rPr lang="zh-CN" altLang="en-US">
-                <a:latin typeface="宋体" panose="02010600030101010101" pitchFamily="2" charset="-122"/>
-                <a:ea typeface="宋体" panose="02010600030101010101" pitchFamily="2" charset="-122"/>
-                <a:cs typeface="宋体" panose="02010600030101010101" pitchFamily="2" charset="-122"/>
+              <a:rPr lang="zh-CN" altLang="en-US" sz="2800">
+                <a:latin typeface="楷体" panose="02010609060101010101" charset="-122"/>
+                <a:ea typeface="楷体" panose="02010609060101010101" charset="-122"/>
+                <a:cs typeface="楷体" panose="02010609060101010101" charset="-122"/>
               </a:rPr>
               <a:t>操作队列法</a:t>
             </a:r>
-            <a:endParaRPr lang="zh-CN" altLang="en-US">
-              <a:latin typeface="宋体" panose="02010600030101010101" pitchFamily="2" charset="-122"/>
-              <a:ea typeface="宋体" panose="02010600030101010101" pitchFamily="2" charset="-122"/>
-              <a:cs typeface="宋体" panose="02010600030101010101" pitchFamily="2" charset="-122"/>
+            <a:endParaRPr lang="zh-CN" altLang="en-US" sz="2800">
+              <a:latin typeface="楷体" panose="02010609060101010101" charset="-122"/>
+              <a:ea typeface="楷体" panose="02010609060101010101" charset="-122"/>
+              <a:cs typeface="楷体" panose="02010609060101010101" charset="-122"/>
             </a:endParaRPr>
           </a:p>
         </p:txBody>
@@ -10341,6 +11033,788 @@
   <p:clrMapOvr>
     <a:masterClrMapping/>
   </p:clrMapOvr>
+  <p:timing>
+    <p:tnLst>
+      <p:par>
+        <p:cTn id="1" dur="indefinite" restart="never" nodeType="tmRoot">
+          <p:childTnLst>
+            <p:seq concurrent="1" nextAc="seek">
+              <p:cTn id="2" dur="indefinite" nodeType="mainSeq">
+                <p:childTnLst>
+                  <p:par>
+                    <p:cTn id="3" fill="hold">
+                      <p:stCondLst>
+                        <p:cond delay="indefinite"/>
+                      </p:stCondLst>
+                      <p:childTnLst>
+                        <p:par>
+                          <p:cTn id="4" fill="hold">
+                            <p:stCondLst>
+                              <p:cond delay="0"/>
+                            </p:stCondLst>
+                            <p:childTnLst>
+                              <p:par>
+                                <p:cTn id="5" presetID="2" presetClass="entr" presetSubtype="4" fill="hold" nodeType="clickEffect">
+                                  <p:stCondLst>
+                                    <p:cond delay="0"/>
+                                  </p:stCondLst>
+                                  <p:childTnLst>
+                                    <p:set>
+                                      <p:cBhvr>
+                                        <p:cTn id="6" dur="1" fill="hold">
+                                          <p:stCondLst>
+                                            <p:cond delay="0"/>
+                                          </p:stCondLst>
+                                        </p:cTn>
+                                        <p:tgtEl>
+                                          <p:spTgt spid="2">
+                                            <p:txEl>
+                                              <p:pRg st="0" end="0"/>
+                                            </p:txEl>
+                                          </p:spTgt>
+                                        </p:tgtEl>
+                                        <p:attrNameLst>
+                                          <p:attrName>style.visibility</p:attrName>
+                                        </p:attrNameLst>
+                                      </p:cBhvr>
+                                      <p:to>
+                                        <p:strVal val="visible"/>
+                                      </p:to>
+                                    </p:set>
+                                    <p:anim calcmode="lin" valueType="num">
+                                      <p:cBhvr additive="base">
+                                        <p:cTn id="7" dur="500" fill="hold"/>
+                                        <p:tgtEl>
+                                          <p:spTgt spid="2">
+                                            <p:txEl>
+                                              <p:pRg st="0" end="0"/>
+                                            </p:txEl>
+                                          </p:spTgt>
+                                        </p:tgtEl>
+                                        <p:attrNameLst>
+                                          <p:attrName>ppt_x</p:attrName>
+                                        </p:attrNameLst>
+                                      </p:cBhvr>
+                                      <p:tavLst>
+                                        <p:tav tm="0">
+                                          <p:val>
+                                            <p:strVal val="#ppt_x"/>
+                                          </p:val>
+                                        </p:tav>
+                                        <p:tav tm="100000">
+                                          <p:val>
+                                            <p:strVal val="#ppt_x"/>
+                                          </p:val>
+                                        </p:tav>
+                                      </p:tavLst>
+                                    </p:anim>
+                                    <p:anim calcmode="lin" valueType="num">
+                                      <p:cBhvr additive="base">
+                                        <p:cTn id="8" dur="500" fill="hold"/>
+                                        <p:tgtEl>
+                                          <p:spTgt spid="2">
+                                            <p:txEl>
+                                              <p:pRg st="0" end="0"/>
+                                            </p:txEl>
+                                          </p:spTgt>
+                                        </p:tgtEl>
+                                        <p:attrNameLst>
+                                          <p:attrName>ppt_y</p:attrName>
+                                        </p:attrNameLst>
+                                      </p:cBhvr>
+                                      <p:tavLst>
+                                        <p:tav tm="0">
+                                          <p:val>
+                                            <p:strVal val="1+#ppt_h/2"/>
+                                          </p:val>
+                                        </p:tav>
+                                        <p:tav tm="100000">
+                                          <p:val>
+                                            <p:strVal val="#ppt_y"/>
+                                          </p:val>
+                                        </p:tav>
+                                      </p:tavLst>
+                                    </p:anim>
+                                  </p:childTnLst>
+                                </p:cTn>
+                              </p:par>
+                            </p:childTnLst>
+                          </p:cTn>
+                        </p:par>
+                      </p:childTnLst>
+                    </p:cTn>
+                  </p:par>
+                  <p:par>
+                    <p:cTn id="9" fill="hold">
+                      <p:stCondLst>
+                        <p:cond delay="indefinite"/>
+                      </p:stCondLst>
+                      <p:childTnLst>
+                        <p:par>
+                          <p:cTn id="10" fill="hold">
+                            <p:stCondLst>
+                              <p:cond delay="0"/>
+                            </p:stCondLst>
+                            <p:childTnLst>
+                              <p:par>
+                                <p:cTn id="11" presetID="2" presetClass="entr" presetSubtype="4" fill="hold" nodeType="clickEffect">
+                                  <p:stCondLst>
+                                    <p:cond delay="0"/>
+                                  </p:stCondLst>
+                                  <p:childTnLst>
+                                    <p:set>
+                                      <p:cBhvr>
+                                        <p:cTn id="12" dur="1" fill="hold">
+                                          <p:stCondLst>
+                                            <p:cond delay="0"/>
+                                          </p:stCondLst>
+                                        </p:cTn>
+                                        <p:tgtEl>
+                                          <p:spTgt spid="2">
+                                            <p:txEl>
+                                              <p:pRg st="3" end="3"/>
+                                            </p:txEl>
+                                          </p:spTgt>
+                                        </p:tgtEl>
+                                        <p:attrNameLst>
+                                          <p:attrName>style.visibility</p:attrName>
+                                        </p:attrNameLst>
+                                      </p:cBhvr>
+                                      <p:to>
+                                        <p:strVal val="visible"/>
+                                      </p:to>
+                                    </p:set>
+                                    <p:anim calcmode="lin" valueType="num">
+                                      <p:cBhvr additive="base">
+                                        <p:cTn id="13" dur="500" fill="hold"/>
+                                        <p:tgtEl>
+                                          <p:spTgt spid="2">
+                                            <p:txEl>
+                                              <p:pRg st="3" end="3"/>
+                                            </p:txEl>
+                                          </p:spTgt>
+                                        </p:tgtEl>
+                                        <p:attrNameLst>
+                                          <p:attrName>ppt_x</p:attrName>
+                                        </p:attrNameLst>
+                                      </p:cBhvr>
+                                      <p:tavLst>
+                                        <p:tav tm="0">
+                                          <p:val>
+                                            <p:strVal val="#ppt_x"/>
+                                          </p:val>
+                                        </p:tav>
+                                        <p:tav tm="100000">
+                                          <p:val>
+                                            <p:strVal val="#ppt_x"/>
+                                          </p:val>
+                                        </p:tav>
+                                      </p:tavLst>
+                                    </p:anim>
+                                    <p:anim calcmode="lin" valueType="num">
+                                      <p:cBhvr additive="base">
+                                        <p:cTn id="14" dur="500" fill="hold"/>
+                                        <p:tgtEl>
+                                          <p:spTgt spid="2">
+                                            <p:txEl>
+                                              <p:pRg st="3" end="3"/>
+                                            </p:txEl>
+                                          </p:spTgt>
+                                        </p:tgtEl>
+                                        <p:attrNameLst>
+                                          <p:attrName>ppt_y</p:attrName>
+                                        </p:attrNameLst>
+                                      </p:cBhvr>
+                                      <p:tavLst>
+                                        <p:tav tm="0">
+                                          <p:val>
+                                            <p:strVal val="1+#ppt_h/2"/>
+                                          </p:val>
+                                        </p:tav>
+                                        <p:tav tm="100000">
+                                          <p:val>
+                                            <p:strVal val="#ppt_y"/>
+                                          </p:val>
+                                        </p:tav>
+                                      </p:tavLst>
+                                    </p:anim>
+                                  </p:childTnLst>
+                                </p:cTn>
+                              </p:par>
+                            </p:childTnLst>
+                          </p:cTn>
+                        </p:par>
+                      </p:childTnLst>
+                    </p:cTn>
+                  </p:par>
+                  <p:par>
+                    <p:cTn id="15" fill="hold">
+                      <p:stCondLst>
+                        <p:cond delay="indefinite"/>
+                      </p:stCondLst>
+                      <p:childTnLst>
+                        <p:par>
+                          <p:cTn id="16" fill="hold">
+                            <p:stCondLst>
+                              <p:cond delay="0"/>
+                            </p:stCondLst>
+                            <p:childTnLst>
+                              <p:par>
+                                <p:cTn id="17" presetID="2" presetClass="entr" presetSubtype="4" fill="hold" nodeType="clickEffect">
+                                  <p:stCondLst>
+                                    <p:cond delay="0"/>
+                                  </p:stCondLst>
+                                  <p:childTnLst>
+                                    <p:set>
+                                      <p:cBhvr>
+                                        <p:cTn id="18" dur="1" fill="hold">
+                                          <p:stCondLst>
+                                            <p:cond delay="0"/>
+                                          </p:stCondLst>
+                                        </p:cTn>
+                                        <p:tgtEl>
+                                          <p:spTgt spid="2">
+                                            <p:txEl>
+                                              <p:pRg st="1" end="1"/>
+                                            </p:txEl>
+                                          </p:spTgt>
+                                        </p:tgtEl>
+                                        <p:attrNameLst>
+                                          <p:attrName>style.visibility</p:attrName>
+                                        </p:attrNameLst>
+                                      </p:cBhvr>
+                                      <p:to>
+                                        <p:strVal val="visible"/>
+                                      </p:to>
+                                    </p:set>
+                                    <p:anim calcmode="lin" valueType="num">
+                                      <p:cBhvr additive="base">
+                                        <p:cTn id="19" dur="500" fill="hold"/>
+                                        <p:tgtEl>
+                                          <p:spTgt spid="2">
+                                            <p:txEl>
+                                              <p:pRg st="1" end="1"/>
+                                            </p:txEl>
+                                          </p:spTgt>
+                                        </p:tgtEl>
+                                        <p:attrNameLst>
+                                          <p:attrName>ppt_x</p:attrName>
+                                        </p:attrNameLst>
+                                      </p:cBhvr>
+                                      <p:tavLst>
+                                        <p:tav tm="0">
+                                          <p:val>
+                                            <p:strVal val="#ppt_x"/>
+                                          </p:val>
+                                        </p:tav>
+                                        <p:tav tm="100000">
+                                          <p:val>
+                                            <p:strVal val="#ppt_x"/>
+                                          </p:val>
+                                        </p:tav>
+                                      </p:tavLst>
+                                    </p:anim>
+                                    <p:anim calcmode="lin" valueType="num">
+                                      <p:cBhvr additive="base">
+                                        <p:cTn id="20" dur="500" fill="hold"/>
+                                        <p:tgtEl>
+                                          <p:spTgt spid="2">
+                                            <p:txEl>
+                                              <p:pRg st="1" end="1"/>
+                                            </p:txEl>
+                                          </p:spTgt>
+                                        </p:tgtEl>
+                                        <p:attrNameLst>
+                                          <p:attrName>ppt_y</p:attrName>
+                                        </p:attrNameLst>
+                                      </p:cBhvr>
+                                      <p:tavLst>
+                                        <p:tav tm="0">
+                                          <p:val>
+                                            <p:strVal val="1+#ppt_h/2"/>
+                                          </p:val>
+                                        </p:tav>
+                                        <p:tav tm="100000">
+                                          <p:val>
+                                            <p:strVal val="#ppt_y"/>
+                                          </p:val>
+                                        </p:tav>
+                                      </p:tavLst>
+                                    </p:anim>
+                                  </p:childTnLst>
+                                </p:cTn>
+                              </p:par>
+                              <p:par>
+                                <p:cTn id="21" presetID="2" presetClass="entr" presetSubtype="4" fill="hold" nodeType="withEffect">
+                                  <p:stCondLst>
+                                    <p:cond delay="0"/>
+                                  </p:stCondLst>
+                                  <p:childTnLst>
+                                    <p:set>
+                                      <p:cBhvr>
+                                        <p:cTn id="22" dur="1" fill="hold">
+                                          <p:stCondLst>
+                                            <p:cond delay="0"/>
+                                          </p:stCondLst>
+                                        </p:cTn>
+                                        <p:tgtEl>
+                                          <p:spTgt spid="2">
+                                            <p:txEl>
+                                              <p:pRg st="2" end="2"/>
+                                            </p:txEl>
+                                          </p:spTgt>
+                                        </p:tgtEl>
+                                        <p:attrNameLst>
+                                          <p:attrName>style.visibility</p:attrName>
+                                        </p:attrNameLst>
+                                      </p:cBhvr>
+                                      <p:to>
+                                        <p:strVal val="visible"/>
+                                      </p:to>
+                                    </p:set>
+                                    <p:anim calcmode="lin" valueType="num">
+                                      <p:cBhvr additive="base">
+                                        <p:cTn id="23" dur="500" fill="hold"/>
+                                        <p:tgtEl>
+                                          <p:spTgt spid="2">
+                                            <p:txEl>
+                                              <p:pRg st="2" end="2"/>
+                                            </p:txEl>
+                                          </p:spTgt>
+                                        </p:tgtEl>
+                                        <p:attrNameLst>
+                                          <p:attrName>ppt_x</p:attrName>
+                                        </p:attrNameLst>
+                                      </p:cBhvr>
+                                      <p:tavLst>
+                                        <p:tav tm="0">
+                                          <p:val>
+                                            <p:strVal val="#ppt_x"/>
+                                          </p:val>
+                                        </p:tav>
+                                        <p:tav tm="100000">
+                                          <p:val>
+                                            <p:strVal val="#ppt_x"/>
+                                          </p:val>
+                                        </p:tav>
+                                      </p:tavLst>
+                                    </p:anim>
+                                    <p:anim calcmode="lin" valueType="num">
+                                      <p:cBhvr additive="base">
+                                        <p:cTn id="24" dur="500" fill="hold"/>
+                                        <p:tgtEl>
+                                          <p:spTgt spid="2">
+                                            <p:txEl>
+                                              <p:pRg st="2" end="2"/>
+                                            </p:txEl>
+                                          </p:spTgt>
+                                        </p:tgtEl>
+                                        <p:attrNameLst>
+                                          <p:attrName>ppt_y</p:attrName>
+                                        </p:attrNameLst>
+                                      </p:cBhvr>
+                                      <p:tavLst>
+                                        <p:tav tm="0">
+                                          <p:val>
+                                            <p:strVal val="1+#ppt_h/2"/>
+                                          </p:val>
+                                        </p:tav>
+                                        <p:tav tm="100000">
+                                          <p:val>
+                                            <p:strVal val="#ppt_y"/>
+                                          </p:val>
+                                        </p:tav>
+                                      </p:tavLst>
+                                    </p:anim>
+                                  </p:childTnLst>
+                                </p:cTn>
+                              </p:par>
+                            </p:childTnLst>
+                          </p:cTn>
+                        </p:par>
+                      </p:childTnLst>
+                    </p:cTn>
+                  </p:par>
+                  <p:par>
+                    <p:cTn id="25" fill="hold">
+                      <p:stCondLst>
+                        <p:cond delay="indefinite"/>
+                      </p:stCondLst>
+                      <p:childTnLst>
+                        <p:par>
+                          <p:cTn id="26" fill="hold">
+                            <p:stCondLst>
+                              <p:cond delay="0"/>
+                            </p:stCondLst>
+                            <p:childTnLst>
+                              <p:par>
+                                <p:cTn id="27" presetID="2" presetClass="entr" presetSubtype="4" fill="hold" nodeType="clickEffect">
+                                  <p:stCondLst>
+                                    <p:cond delay="0"/>
+                                  </p:stCondLst>
+                                  <p:childTnLst>
+                                    <p:set>
+                                      <p:cBhvr>
+                                        <p:cTn id="28" dur="1" fill="hold">
+                                          <p:stCondLst>
+                                            <p:cond delay="0"/>
+                                          </p:stCondLst>
+                                        </p:cTn>
+                                        <p:tgtEl>
+                                          <p:spTgt spid="2">
+                                            <p:txEl>
+                                              <p:pRg st="4" end="4"/>
+                                            </p:txEl>
+                                          </p:spTgt>
+                                        </p:tgtEl>
+                                        <p:attrNameLst>
+                                          <p:attrName>style.visibility</p:attrName>
+                                        </p:attrNameLst>
+                                      </p:cBhvr>
+                                      <p:to>
+                                        <p:strVal val="visible"/>
+                                      </p:to>
+                                    </p:set>
+                                    <p:anim calcmode="lin" valueType="num">
+                                      <p:cBhvr additive="base">
+                                        <p:cTn id="29" dur="500" fill="hold"/>
+                                        <p:tgtEl>
+                                          <p:spTgt spid="2">
+                                            <p:txEl>
+                                              <p:pRg st="4" end="4"/>
+                                            </p:txEl>
+                                          </p:spTgt>
+                                        </p:tgtEl>
+                                        <p:attrNameLst>
+                                          <p:attrName>ppt_x</p:attrName>
+                                        </p:attrNameLst>
+                                      </p:cBhvr>
+                                      <p:tavLst>
+                                        <p:tav tm="0">
+                                          <p:val>
+                                            <p:strVal val="#ppt_x"/>
+                                          </p:val>
+                                        </p:tav>
+                                        <p:tav tm="100000">
+                                          <p:val>
+                                            <p:strVal val="#ppt_x"/>
+                                          </p:val>
+                                        </p:tav>
+                                      </p:tavLst>
+                                    </p:anim>
+                                    <p:anim calcmode="lin" valueType="num">
+                                      <p:cBhvr additive="base">
+                                        <p:cTn id="30" dur="500" fill="hold"/>
+                                        <p:tgtEl>
+                                          <p:spTgt spid="2">
+                                            <p:txEl>
+                                              <p:pRg st="4" end="4"/>
+                                            </p:txEl>
+                                          </p:spTgt>
+                                        </p:tgtEl>
+                                        <p:attrNameLst>
+                                          <p:attrName>ppt_y</p:attrName>
+                                        </p:attrNameLst>
+                                      </p:cBhvr>
+                                      <p:tavLst>
+                                        <p:tav tm="0">
+                                          <p:val>
+                                            <p:strVal val="1+#ppt_h/2"/>
+                                          </p:val>
+                                        </p:tav>
+                                        <p:tav tm="100000">
+                                          <p:val>
+                                            <p:strVal val="#ppt_y"/>
+                                          </p:val>
+                                        </p:tav>
+                                      </p:tavLst>
+                                    </p:anim>
+                                  </p:childTnLst>
+                                </p:cTn>
+                              </p:par>
+                              <p:par>
+                                <p:cTn id="31" presetID="2" presetClass="entr" presetSubtype="4" fill="hold" nodeType="withEffect">
+                                  <p:stCondLst>
+                                    <p:cond delay="0"/>
+                                  </p:stCondLst>
+                                  <p:childTnLst>
+                                    <p:set>
+                                      <p:cBhvr>
+                                        <p:cTn id="32" dur="1" fill="hold">
+                                          <p:stCondLst>
+                                            <p:cond delay="0"/>
+                                          </p:stCondLst>
+                                        </p:cTn>
+                                        <p:tgtEl>
+                                          <p:spTgt spid="2">
+                                            <p:txEl>
+                                              <p:pRg st="5" end="5"/>
+                                            </p:txEl>
+                                          </p:spTgt>
+                                        </p:tgtEl>
+                                        <p:attrNameLst>
+                                          <p:attrName>style.visibility</p:attrName>
+                                        </p:attrNameLst>
+                                      </p:cBhvr>
+                                      <p:to>
+                                        <p:strVal val="visible"/>
+                                      </p:to>
+                                    </p:set>
+                                    <p:anim calcmode="lin" valueType="num">
+                                      <p:cBhvr additive="base">
+                                        <p:cTn id="33" dur="500" fill="hold"/>
+                                        <p:tgtEl>
+                                          <p:spTgt spid="2">
+                                            <p:txEl>
+                                              <p:pRg st="5" end="5"/>
+                                            </p:txEl>
+                                          </p:spTgt>
+                                        </p:tgtEl>
+                                        <p:attrNameLst>
+                                          <p:attrName>ppt_x</p:attrName>
+                                        </p:attrNameLst>
+                                      </p:cBhvr>
+                                      <p:tavLst>
+                                        <p:tav tm="0">
+                                          <p:val>
+                                            <p:strVal val="#ppt_x"/>
+                                          </p:val>
+                                        </p:tav>
+                                        <p:tav tm="100000">
+                                          <p:val>
+                                            <p:strVal val="#ppt_x"/>
+                                          </p:val>
+                                        </p:tav>
+                                      </p:tavLst>
+                                    </p:anim>
+                                    <p:anim calcmode="lin" valueType="num">
+                                      <p:cBhvr additive="base">
+                                        <p:cTn id="34" dur="500" fill="hold"/>
+                                        <p:tgtEl>
+                                          <p:spTgt spid="2">
+                                            <p:txEl>
+                                              <p:pRg st="5" end="5"/>
+                                            </p:txEl>
+                                          </p:spTgt>
+                                        </p:tgtEl>
+                                        <p:attrNameLst>
+                                          <p:attrName>ppt_y</p:attrName>
+                                        </p:attrNameLst>
+                                      </p:cBhvr>
+                                      <p:tavLst>
+                                        <p:tav tm="0">
+                                          <p:val>
+                                            <p:strVal val="1+#ppt_h/2"/>
+                                          </p:val>
+                                        </p:tav>
+                                        <p:tav tm="100000">
+                                          <p:val>
+                                            <p:strVal val="#ppt_y"/>
+                                          </p:val>
+                                        </p:tav>
+                                      </p:tavLst>
+                                    </p:anim>
+                                  </p:childTnLst>
+                                </p:cTn>
+                              </p:par>
+                              <p:par>
+                                <p:cTn id="35" presetID="2" presetClass="entr" presetSubtype="4" fill="hold" nodeType="withEffect">
+                                  <p:stCondLst>
+                                    <p:cond delay="0"/>
+                                  </p:stCondLst>
+                                  <p:childTnLst>
+                                    <p:set>
+                                      <p:cBhvr>
+                                        <p:cTn id="36" dur="1" fill="hold">
+                                          <p:stCondLst>
+                                            <p:cond delay="0"/>
+                                          </p:stCondLst>
+                                        </p:cTn>
+                                        <p:tgtEl>
+                                          <p:spTgt spid="2">
+                                            <p:txEl>
+                                              <p:pRg st="6" end="6"/>
+                                            </p:txEl>
+                                          </p:spTgt>
+                                        </p:tgtEl>
+                                        <p:attrNameLst>
+                                          <p:attrName>style.visibility</p:attrName>
+                                        </p:attrNameLst>
+                                      </p:cBhvr>
+                                      <p:to>
+                                        <p:strVal val="visible"/>
+                                      </p:to>
+                                    </p:set>
+                                    <p:anim calcmode="lin" valueType="num">
+                                      <p:cBhvr additive="base">
+                                        <p:cTn id="37" dur="500" fill="hold"/>
+                                        <p:tgtEl>
+                                          <p:spTgt spid="2">
+                                            <p:txEl>
+                                              <p:pRg st="6" end="6"/>
+                                            </p:txEl>
+                                          </p:spTgt>
+                                        </p:tgtEl>
+                                        <p:attrNameLst>
+                                          <p:attrName>ppt_x</p:attrName>
+                                        </p:attrNameLst>
+                                      </p:cBhvr>
+                                      <p:tavLst>
+                                        <p:tav tm="0">
+                                          <p:val>
+                                            <p:strVal val="#ppt_x"/>
+                                          </p:val>
+                                        </p:tav>
+                                        <p:tav tm="100000">
+                                          <p:val>
+                                            <p:strVal val="#ppt_x"/>
+                                          </p:val>
+                                        </p:tav>
+                                      </p:tavLst>
+                                    </p:anim>
+                                    <p:anim calcmode="lin" valueType="num">
+                                      <p:cBhvr additive="base">
+                                        <p:cTn id="38" dur="500" fill="hold"/>
+                                        <p:tgtEl>
+                                          <p:spTgt spid="2">
+                                            <p:txEl>
+                                              <p:pRg st="6" end="6"/>
+                                            </p:txEl>
+                                          </p:spTgt>
+                                        </p:tgtEl>
+                                        <p:attrNameLst>
+                                          <p:attrName>ppt_y</p:attrName>
+                                        </p:attrNameLst>
+                                      </p:cBhvr>
+                                      <p:tavLst>
+                                        <p:tav tm="0">
+                                          <p:val>
+                                            <p:strVal val="1+#ppt_h/2"/>
+                                          </p:val>
+                                        </p:tav>
+                                        <p:tav tm="100000">
+                                          <p:val>
+                                            <p:strVal val="#ppt_y"/>
+                                          </p:val>
+                                        </p:tav>
+                                      </p:tavLst>
+                                    </p:anim>
+                                  </p:childTnLst>
+                                </p:cTn>
+                              </p:par>
+                              <p:par>
+                                <p:cTn id="39" presetID="2" presetClass="entr" presetSubtype="4" fill="hold" nodeType="withEffect">
+                                  <p:stCondLst>
+                                    <p:cond delay="0"/>
+                                  </p:stCondLst>
+                                  <p:childTnLst>
+                                    <p:set>
+                                      <p:cBhvr>
+                                        <p:cTn id="40" dur="1" fill="hold">
+                                          <p:stCondLst>
+                                            <p:cond delay="0"/>
+                                          </p:stCondLst>
+                                        </p:cTn>
+                                        <p:tgtEl>
+                                          <p:spTgt spid="2">
+                                            <p:txEl>
+                                              <p:pRg st="7" end="7"/>
+                                            </p:txEl>
+                                          </p:spTgt>
+                                        </p:tgtEl>
+                                        <p:attrNameLst>
+                                          <p:attrName>style.visibility</p:attrName>
+                                        </p:attrNameLst>
+                                      </p:cBhvr>
+                                      <p:to>
+                                        <p:strVal val="visible"/>
+                                      </p:to>
+                                    </p:set>
+                                    <p:anim calcmode="lin" valueType="num">
+                                      <p:cBhvr additive="base">
+                                        <p:cTn id="41" dur="500" fill="hold"/>
+                                        <p:tgtEl>
+                                          <p:spTgt spid="2">
+                                            <p:txEl>
+                                              <p:pRg st="7" end="7"/>
+                                            </p:txEl>
+                                          </p:spTgt>
+                                        </p:tgtEl>
+                                        <p:attrNameLst>
+                                          <p:attrName>ppt_x</p:attrName>
+                                        </p:attrNameLst>
+                                      </p:cBhvr>
+                                      <p:tavLst>
+                                        <p:tav tm="0">
+                                          <p:val>
+                                            <p:strVal val="#ppt_x"/>
+                                          </p:val>
+                                        </p:tav>
+                                        <p:tav tm="100000">
+                                          <p:val>
+                                            <p:strVal val="#ppt_x"/>
+                                          </p:val>
+                                        </p:tav>
+                                      </p:tavLst>
+                                    </p:anim>
+                                    <p:anim calcmode="lin" valueType="num">
+                                      <p:cBhvr additive="base">
+                                        <p:cTn id="42" dur="500" fill="hold"/>
+                                        <p:tgtEl>
+                                          <p:spTgt spid="2">
+                                            <p:txEl>
+                                              <p:pRg st="7" end="7"/>
+                                            </p:txEl>
+                                          </p:spTgt>
+                                        </p:tgtEl>
+                                        <p:attrNameLst>
+                                          <p:attrName>ppt_y</p:attrName>
+                                        </p:attrNameLst>
+                                      </p:cBhvr>
+                                      <p:tavLst>
+                                        <p:tav tm="0">
+                                          <p:val>
+                                            <p:strVal val="1+#ppt_h/2"/>
+                                          </p:val>
+                                        </p:tav>
+                                        <p:tav tm="100000">
+                                          <p:val>
+                                            <p:strVal val="#ppt_y"/>
+                                          </p:val>
+                                        </p:tav>
+                                      </p:tavLst>
+                                    </p:anim>
+                                  </p:childTnLst>
+                                </p:cTn>
+                              </p:par>
+                            </p:childTnLst>
+                          </p:cTn>
+                        </p:par>
+                      </p:childTnLst>
+                    </p:cTn>
+                  </p:par>
+                </p:childTnLst>
+              </p:cTn>
+              <p:prevCondLst>
+                <p:cond evt="onPrev" delay="0">
+                  <p:tgtEl>
+                    <p:sldTgt/>
+                  </p:tgtEl>
+                </p:cond>
+              </p:prevCondLst>
+              <p:nextCondLst>
+                <p:cond evt="onNext" delay="0">
+                  <p:tgtEl>
+                    <p:sldTgt/>
+                  </p:tgtEl>
+                </p:cond>
+              </p:nextCondLst>
+            </p:seq>
+          </p:childTnLst>
+        </p:cTn>
+      </p:par>
+    </p:tnLst>
+  </p:timing>
 </p:sld>
 </file>
 
@@ -10373,25 +11847,25 @@
             </a:pPr>
             <a:r>
               <a:rPr lang="en-US" altLang="zh-CN">
-                <a:latin typeface="宋体" panose="02010600030101010101" pitchFamily="2" charset="-122"/>
-                <a:ea typeface="宋体" panose="02010600030101010101" pitchFamily="2" charset="-122"/>
-                <a:cs typeface="宋体" panose="02010600030101010101" pitchFamily="2" charset="-122"/>
+                <a:latin typeface="楷体" panose="02010609060101010101" charset="-122"/>
+                <a:ea typeface="楷体" panose="02010609060101010101" charset="-122"/>
+                <a:cs typeface="楷体" panose="02010609060101010101" charset="-122"/>
               </a:rPr>
               <a:t>1 </a:t>
             </a:r>
             <a:r>
               <a:rPr lang="zh-CN" altLang="en-US">
-                <a:latin typeface="宋体" panose="02010600030101010101" pitchFamily="2" charset="-122"/>
-                <a:ea typeface="宋体" panose="02010600030101010101" pitchFamily="2" charset="-122"/>
-                <a:cs typeface="宋体" panose="02010600030101010101" pitchFamily="2" charset="-122"/>
+                <a:latin typeface="楷体" panose="02010609060101010101" charset="-122"/>
+                <a:ea typeface="楷体" panose="02010609060101010101" charset="-122"/>
+                <a:cs typeface="楷体" panose="02010609060101010101" charset="-122"/>
                 <a:hlinkClick r:id="rId1" action="ppaction://hlinkfile"/>
               </a:rPr>
               <a:t>习题管理系统</a:t>
             </a:r>
             <a:endParaRPr lang="zh-CN" altLang="en-US">
-              <a:latin typeface="宋体" panose="02010600030101010101" pitchFamily="2" charset="-122"/>
-              <a:ea typeface="宋体" panose="02010600030101010101" pitchFamily="2" charset="-122"/>
-              <a:cs typeface="宋体" panose="02010600030101010101" pitchFamily="2" charset="-122"/>
+              <a:latin typeface="楷体" panose="02010609060101010101" charset="-122"/>
+              <a:ea typeface="楷体" panose="02010609060101010101" charset="-122"/>
+              <a:cs typeface="楷体" panose="02010609060101010101" charset="-122"/>
             </a:endParaRPr>
           </a:p>
           <a:p>
@@ -10399,9 +11873,9 @@
               <a:buNone/>
             </a:pPr>
             <a:endParaRPr lang="zh-CN" altLang="en-US">
-              <a:latin typeface="宋体" panose="02010600030101010101" pitchFamily="2" charset="-122"/>
-              <a:ea typeface="宋体" panose="02010600030101010101" pitchFamily="2" charset="-122"/>
-              <a:cs typeface="宋体" panose="02010600030101010101" pitchFamily="2" charset="-122"/>
+              <a:latin typeface="楷体" panose="02010609060101010101" charset="-122"/>
+              <a:ea typeface="楷体" panose="02010609060101010101" charset="-122"/>
+              <a:cs typeface="楷体" panose="02010609060101010101" charset="-122"/>
             </a:endParaRPr>
           </a:p>
           <a:p>
@@ -10410,25 +11884,25 @@
             </a:pPr>
             <a:r>
               <a:rPr lang="en-US" altLang="zh-CN">
-                <a:latin typeface="宋体" panose="02010600030101010101" pitchFamily="2" charset="-122"/>
-                <a:ea typeface="宋体" panose="02010600030101010101" pitchFamily="2" charset="-122"/>
-                <a:cs typeface="宋体" panose="02010600030101010101" pitchFamily="2" charset="-122"/>
+                <a:latin typeface="楷体" panose="02010609060101010101" charset="-122"/>
+                <a:ea typeface="楷体" panose="02010609060101010101" charset="-122"/>
+                <a:cs typeface="楷体" panose="02010609060101010101" charset="-122"/>
               </a:rPr>
               <a:t>2 </a:t>
             </a:r>
             <a:r>
               <a:rPr lang="zh-CN" altLang="en-US">
-                <a:latin typeface="宋体" panose="02010600030101010101" pitchFamily="2" charset="-122"/>
-                <a:ea typeface="宋体" panose="02010600030101010101" pitchFamily="2" charset="-122"/>
-                <a:cs typeface="宋体" panose="02010600030101010101" pitchFamily="2" charset="-122"/>
+                <a:latin typeface="楷体" panose="02010609060101010101" charset="-122"/>
+                <a:ea typeface="楷体" panose="02010609060101010101" charset="-122"/>
+                <a:cs typeface="楷体" panose="02010609060101010101" charset="-122"/>
                 <a:hlinkClick r:id="rId2" action="ppaction://hlinkfile"/>
               </a:rPr>
               <a:t>问题答案对训练系统</a:t>
             </a:r>
             <a:endParaRPr lang="zh-CN" altLang="en-US">
-              <a:latin typeface="宋体" panose="02010600030101010101" pitchFamily="2" charset="-122"/>
-              <a:ea typeface="宋体" panose="02010600030101010101" pitchFamily="2" charset="-122"/>
-              <a:cs typeface="宋体" panose="02010600030101010101" pitchFamily="2" charset="-122"/>
+              <a:latin typeface="楷体" panose="02010609060101010101" charset="-122"/>
+              <a:ea typeface="楷体" panose="02010609060101010101" charset="-122"/>
+              <a:cs typeface="楷体" panose="02010609060101010101" charset="-122"/>
             </a:endParaRPr>
           </a:p>
           <a:p>
@@ -10436,9 +11910,9 @@
               <a:buNone/>
             </a:pPr>
             <a:endParaRPr lang="zh-CN" altLang="en-US">
-              <a:latin typeface="宋体" panose="02010600030101010101" pitchFamily="2" charset="-122"/>
-              <a:ea typeface="宋体" panose="02010600030101010101" pitchFamily="2" charset="-122"/>
-              <a:cs typeface="宋体" panose="02010600030101010101" pitchFamily="2" charset="-122"/>
+              <a:latin typeface="楷体" panose="02010609060101010101" charset="-122"/>
+              <a:ea typeface="楷体" panose="02010609060101010101" charset="-122"/>
+              <a:cs typeface="楷体" panose="02010609060101010101" charset="-122"/>
             </a:endParaRPr>
           </a:p>
           <a:p>
@@ -10447,25 +11921,25 @@
             </a:pPr>
             <a:r>
               <a:rPr lang="en-US" altLang="zh-CN">
-                <a:latin typeface="宋体" panose="02010600030101010101" pitchFamily="2" charset="-122"/>
-                <a:ea typeface="宋体" panose="02010600030101010101" pitchFamily="2" charset="-122"/>
-                <a:cs typeface="宋体" panose="02010600030101010101" pitchFamily="2" charset="-122"/>
+                <a:latin typeface="楷体" panose="02010609060101010101" charset="-122"/>
+                <a:ea typeface="楷体" panose="02010609060101010101" charset="-122"/>
+                <a:cs typeface="楷体" panose="02010609060101010101" charset="-122"/>
               </a:rPr>
               <a:t>3 </a:t>
             </a:r>
             <a:r>
               <a:rPr lang="zh-CN" altLang="en-US">
-                <a:latin typeface="宋体" panose="02010600030101010101" pitchFamily="2" charset="-122"/>
-                <a:ea typeface="宋体" panose="02010600030101010101" pitchFamily="2" charset="-122"/>
-                <a:cs typeface="宋体" panose="02010600030101010101" pitchFamily="2" charset="-122"/>
+                <a:latin typeface="楷体" panose="02010609060101010101" charset="-122"/>
+                <a:ea typeface="楷体" panose="02010609060101010101" charset="-122"/>
+                <a:cs typeface="楷体" panose="02010609060101010101" charset="-122"/>
                 <a:hlinkClick r:id="rId3" action="ppaction://hlinkfile"/>
               </a:rPr>
               <a:t>智能协同仿真实验系统</a:t>
             </a:r>
             <a:endParaRPr lang="zh-CN" altLang="en-US">
-              <a:latin typeface="宋体" panose="02010600030101010101" pitchFamily="2" charset="-122"/>
-              <a:ea typeface="宋体" panose="02010600030101010101" pitchFamily="2" charset="-122"/>
-              <a:cs typeface="宋体" panose="02010600030101010101" pitchFamily="2" charset="-122"/>
+              <a:latin typeface="楷体" panose="02010609060101010101" charset="-122"/>
+              <a:ea typeface="楷体" panose="02010609060101010101" charset="-122"/>
+              <a:cs typeface="楷体" panose="02010609060101010101" charset="-122"/>
             </a:endParaRPr>
           </a:p>
         </p:txBody>
@@ -10552,35 +12026,35 @@
               <a:buNone/>
             </a:pPr>
             <a:r>
-              <a:rPr lang="en-US" altLang="zh-CN">
-                <a:latin typeface="宋体" panose="02010600030101010101" pitchFamily="2" charset="-122"/>
-                <a:ea typeface="宋体" panose="02010600030101010101" pitchFamily="2" charset="-122"/>
-                <a:cs typeface="宋体" panose="02010600030101010101" pitchFamily="2" charset="-122"/>
+              <a:rPr lang="en-US" altLang="zh-CN" sz="2800">
+                <a:latin typeface="楷体" panose="02010609060101010101" charset="-122"/>
+                <a:ea typeface="楷体" panose="02010609060101010101" charset="-122"/>
+                <a:cs typeface="楷体" panose="02010609060101010101" charset="-122"/>
               </a:rPr>
               <a:t>1 </a:t>
             </a:r>
             <a:r>
-              <a:rPr lang="zh-CN" altLang="en-US">
-                <a:latin typeface="宋体" panose="02010600030101010101" pitchFamily="2" charset="-122"/>
-                <a:ea typeface="宋体" panose="02010600030101010101" pitchFamily="2" charset="-122"/>
-                <a:cs typeface="宋体" panose="02010600030101010101" pitchFamily="2" charset="-122"/>
+              <a:rPr lang="zh-CN" altLang="en-US" sz="2800">
+                <a:latin typeface="楷体" panose="02010609060101010101" charset="-122"/>
+                <a:ea typeface="楷体" panose="02010609060101010101" charset="-122"/>
+                <a:cs typeface="楷体" panose="02010609060101010101" charset="-122"/>
               </a:rPr>
               <a:t>刷脸登录模块</a:t>
             </a:r>
-            <a:endParaRPr lang="zh-CN" altLang="en-US">
-              <a:latin typeface="宋体" panose="02010600030101010101" pitchFamily="2" charset="-122"/>
-              <a:ea typeface="宋体" panose="02010600030101010101" pitchFamily="2" charset="-122"/>
-              <a:cs typeface="宋体" panose="02010600030101010101" pitchFamily="2" charset="-122"/>
+            <a:endParaRPr lang="zh-CN" altLang="en-US" sz="2800">
+              <a:latin typeface="楷体" panose="02010609060101010101" charset="-122"/>
+              <a:ea typeface="楷体" panose="02010609060101010101" charset="-122"/>
+              <a:cs typeface="楷体" panose="02010609060101010101" charset="-122"/>
             </a:endParaRPr>
           </a:p>
           <a:p>
             <a:pPr marL="109220" indent="0">
               <a:buNone/>
             </a:pPr>
-            <a:endParaRPr lang="zh-CN" altLang="en-US">
-              <a:latin typeface="宋体" panose="02010600030101010101" pitchFamily="2" charset="-122"/>
-              <a:ea typeface="宋体" panose="02010600030101010101" pitchFamily="2" charset="-122"/>
-              <a:cs typeface="宋体" panose="02010600030101010101" pitchFamily="2" charset="-122"/>
+            <a:endParaRPr lang="zh-CN" altLang="en-US" sz="2800">
+              <a:latin typeface="楷体" panose="02010609060101010101" charset="-122"/>
+              <a:ea typeface="楷体" panose="02010609060101010101" charset="-122"/>
+              <a:cs typeface="楷体" panose="02010609060101010101" charset="-122"/>
             </a:endParaRPr>
           </a:p>
           <a:p>
@@ -10588,35 +12062,35 @@
               <a:buNone/>
             </a:pPr>
             <a:r>
-              <a:rPr lang="en-US" altLang="zh-CN">
-                <a:latin typeface="宋体" panose="02010600030101010101" pitchFamily="2" charset="-122"/>
-                <a:ea typeface="宋体" panose="02010600030101010101" pitchFamily="2" charset="-122"/>
-                <a:cs typeface="宋体" panose="02010600030101010101" pitchFamily="2" charset="-122"/>
+              <a:rPr lang="en-US" altLang="zh-CN" sz="2800">
+                <a:latin typeface="楷体" panose="02010609060101010101" charset="-122"/>
+                <a:ea typeface="楷体" panose="02010609060101010101" charset="-122"/>
+                <a:cs typeface="楷体" panose="02010609060101010101" charset="-122"/>
               </a:rPr>
               <a:t>2 </a:t>
             </a:r>
             <a:r>
-              <a:rPr lang="zh-CN" altLang="en-US">
-                <a:latin typeface="宋体" panose="02010600030101010101" pitchFamily="2" charset="-122"/>
-                <a:ea typeface="宋体" panose="02010600030101010101" pitchFamily="2" charset="-122"/>
-                <a:cs typeface="宋体" panose="02010600030101010101" pitchFamily="2" charset="-122"/>
+              <a:rPr lang="zh-CN" altLang="en-US" sz="2800">
+                <a:latin typeface="楷体" panose="02010609060101010101" charset="-122"/>
+                <a:ea typeface="楷体" panose="02010609060101010101" charset="-122"/>
+                <a:cs typeface="楷体" panose="02010609060101010101" charset="-122"/>
               </a:rPr>
               <a:t>聊天室模块</a:t>
             </a:r>
-            <a:endParaRPr lang="zh-CN" altLang="en-US">
-              <a:latin typeface="宋体" panose="02010600030101010101" pitchFamily="2" charset="-122"/>
-              <a:ea typeface="宋体" panose="02010600030101010101" pitchFamily="2" charset="-122"/>
-              <a:cs typeface="宋体" panose="02010600030101010101" pitchFamily="2" charset="-122"/>
+            <a:endParaRPr lang="zh-CN" altLang="en-US" sz="2800">
+              <a:latin typeface="楷体" panose="02010609060101010101" charset="-122"/>
+              <a:ea typeface="楷体" panose="02010609060101010101" charset="-122"/>
+              <a:cs typeface="楷体" panose="02010609060101010101" charset="-122"/>
             </a:endParaRPr>
           </a:p>
           <a:p>
             <a:pPr marL="109220" indent="0">
               <a:buNone/>
             </a:pPr>
-            <a:endParaRPr lang="zh-CN" altLang="en-US">
-              <a:latin typeface="宋体" panose="02010600030101010101" pitchFamily="2" charset="-122"/>
-              <a:ea typeface="宋体" panose="02010600030101010101" pitchFamily="2" charset="-122"/>
-              <a:cs typeface="宋体" panose="02010600030101010101" pitchFamily="2" charset="-122"/>
+            <a:endParaRPr lang="zh-CN" altLang="en-US" sz="2800">
+              <a:latin typeface="楷体" panose="02010609060101010101" charset="-122"/>
+              <a:ea typeface="楷体" panose="02010609060101010101" charset="-122"/>
+              <a:cs typeface="楷体" panose="02010609060101010101" charset="-122"/>
             </a:endParaRPr>
           </a:p>
           <a:p>
@@ -10624,35 +12098,35 @@
               <a:buNone/>
             </a:pPr>
             <a:r>
-              <a:rPr lang="en-US" altLang="zh-CN">
-                <a:latin typeface="宋体" panose="02010600030101010101" pitchFamily="2" charset="-122"/>
-                <a:ea typeface="宋体" panose="02010600030101010101" pitchFamily="2" charset="-122"/>
-                <a:cs typeface="宋体" panose="02010600030101010101" pitchFamily="2" charset="-122"/>
+              <a:rPr lang="en-US" altLang="zh-CN" sz="2800">
+                <a:latin typeface="楷体" panose="02010609060101010101" charset="-122"/>
+                <a:ea typeface="楷体" panose="02010609060101010101" charset="-122"/>
+                <a:cs typeface="楷体" panose="02010609060101010101" charset="-122"/>
               </a:rPr>
               <a:t>3 </a:t>
             </a:r>
             <a:r>
-              <a:rPr lang="zh-CN" altLang="en-US">
-                <a:latin typeface="宋体" panose="02010600030101010101" pitchFamily="2" charset="-122"/>
-                <a:ea typeface="宋体" panose="02010600030101010101" pitchFamily="2" charset="-122"/>
-                <a:cs typeface="宋体" panose="02010600030101010101" pitchFamily="2" charset="-122"/>
+              <a:rPr lang="zh-CN" altLang="en-US" sz="2800">
+                <a:latin typeface="楷体" panose="02010609060101010101" charset="-122"/>
+                <a:ea typeface="楷体" panose="02010609060101010101" charset="-122"/>
+                <a:cs typeface="楷体" panose="02010609060101010101" charset="-122"/>
               </a:rPr>
               <a:t>智能语音模块</a:t>
             </a:r>
-            <a:endParaRPr lang="zh-CN" altLang="en-US">
-              <a:latin typeface="宋体" panose="02010600030101010101" pitchFamily="2" charset="-122"/>
-              <a:ea typeface="宋体" panose="02010600030101010101" pitchFamily="2" charset="-122"/>
-              <a:cs typeface="宋体" panose="02010600030101010101" pitchFamily="2" charset="-122"/>
+            <a:endParaRPr lang="zh-CN" altLang="en-US" sz="2800">
+              <a:latin typeface="楷体" panose="02010609060101010101" charset="-122"/>
+              <a:ea typeface="楷体" panose="02010609060101010101" charset="-122"/>
+              <a:cs typeface="楷体" panose="02010609060101010101" charset="-122"/>
             </a:endParaRPr>
           </a:p>
           <a:p>
             <a:pPr marL="109220" indent="0">
               <a:buNone/>
             </a:pPr>
-            <a:endParaRPr lang="zh-CN" altLang="en-US">
-              <a:latin typeface="宋体" panose="02010600030101010101" pitchFamily="2" charset="-122"/>
-              <a:ea typeface="宋体" panose="02010600030101010101" pitchFamily="2" charset="-122"/>
-              <a:cs typeface="宋体" panose="02010600030101010101" pitchFamily="2" charset="-122"/>
+            <a:endParaRPr lang="zh-CN" altLang="en-US" sz="2800">
+              <a:latin typeface="楷体" panose="02010609060101010101" charset="-122"/>
+              <a:ea typeface="楷体" panose="02010609060101010101" charset="-122"/>
+              <a:cs typeface="楷体" panose="02010609060101010101" charset="-122"/>
             </a:endParaRPr>
           </a:p>
           <a:p>
@@ -10660,35 +12134,35 @@
               <a:buNone/>
             </a:pPr>
             <a:r>
-              <a:rPr lang="en-US" altLang="zh-CN">
-                <a:latin typeface="宋体" panose="02010600030101010101" pitchFamily="2" charset="-122"/>
-                <a:ea typeface="宋体" panose="02010600030101010101" pitchFamily="2" charset="-122"/>
-                <a:cs typeface="宋体" panose="02010600030101010101" pitchFamily="2" charset="-122"/>
+              <a:rPr lang="en-US" altLang="zh-CN" sz="2800">
+                <a:latin typeface="楷体" panose="02010609060101010101" charset="-122"/>
+                <a:ea typeface="楷体" panose="02010609060101010101" charset="-122"/>
+                <a:cs typeface="楷体" panose="02010609060101010101" charset="-122"/>
               </a:rPr>
               <a:t>4 </a:t>
             </a:r>
             <a:r>
-              <a:rPr lang="zh-CN" altLang="en-US">
-                <a:latin typeface="宋体" panose="02010600030101010101" pitchFamily="2" charset="-122"/>
-                <a:ea typeface="宋体" panose="02010600030101010101" pitchFamily="2" charset="-122"/>
-                <a:cs typeface="宋体" panose="02010600030101010101" pitchFamily="2" charset="-122"/>
+              <a:rPr lang="zh-CN" altLang="en-US" sz="2800">
+                <a:latin typeface="楷体" panose="02010609060101010101" charset="-122"/>
+                <a:ea typeface="楷体" panose="02010609060101010101" charset="-122"/>
+                <a:cs typeface="楷体" panose="02010609060101010101" charset="-122"/>
               </a:rPr>
               <a:t>智能答疑模块</a:t>
             </a:r>
-            <a:endParaRPr lang="zh-CN" altLang="en-US">
-              <a:latin typeface="宋体" panose="02010600030101010101" pitchFamily="2" charset="-122"/>
-              <a:ea typeface="宋体" panose="02010600030101010101" pitchFamily="2" charset="-122"/>
-              <a:cs typeface="宋体" panose="02010600030101010101" pitchFamily="2" charset="-122"/>
+            <a:endParaRPr lang="zh-CN" altLang="en-US" sz="2800">
+              <a:latin typeface="楷体" panose="02010609060101010101" charset="-122"/>
+              <a:ea typeface="楷体" panose="02010609060101010101" charset="-122"/>
+              <a:cs typeface="楷体" panose="02010609060101010101" charset="-122"/>
             </a:endParaRPr>
           </a:p>
           <a:p>
             <a:pPr marL="109220" indent="0">
               <a:buNone/>
             </a:pPr>
-            <a:endParaRPr lang="en-US" altLang="zh-CN">
-              <a:latin typeface="宋体" panose="02010600030101010101" pitchFamily="2" charset="-122"/>
-              <a:ea typeface="宋体" panose="02010600030101010101" pitchFamily="2" charset="-122"/>
-              <a:cs typeface="宋体" panose="02010600030101010101" pitchFamily="2" charset="-122"/>
+            <a:endParaRPr lang="en-US" altLang="zh-CN" sz="2800">
+              <a:latin typeface="楷体" panose="02010609060101010101" charset="-122"/>
+              <a:ea typeface="楷体" panose="02010609060101010101" charset="-122"/>
+              <a:cs typeface="楷体" panose="02010609060101010101" charset="-122"/>
             </a:endParaRPr>
           </a:p>
           <a:p>
@@ -10696,25 +12170,25 @@
               <a:buNone/>
             </a:pPr>
             <a:r>
-              <a:rPr lang="en-US" altLang="zh-CN">
-                <a:latin typeface="宋体" panose="02010600030101010101" pitchFamily="2" charset="-122"/>
-                <a:ea typeface="宋体" panose="02010600030101010101" pitchFamily="2" charset="-122"/>
-                <a:cs typeface="宋体" panose="02010600030101010101" pitchFamily="2" charset="-122"/>
+              <a:rPr lang="en-US" altLang="zh-CN" sz="2800">
+                <a:latin typeface="楷体" panose="02010609060101010101" charset="-122"/>
+                <a:ea typeface="楷体" panose="02010609060101010101" charset="-122"/>
+                <a:cs typeface="楷体" panose="02010609060101010101" charset="-122"/>
               </a:rPr>
               <a:t>5 </a:t>
             </a:r>
             <a:r>
-              <a:rPr lang="zh-CN" altLang="en-US">
-                <a:latin typeface="宋体" panose="02010600030101010101" pitchFamily="2" charset="-122"/>
-                <a:ea typeface="宋体" panose="02010600030101010101" pitchFamily="2" charset="-122"/>
-                <a:cs typeface="宋体" panose="02010600030101010101" pitchFamily="2" charset="-122"/>
+              <a:rPr lang="zh-CN" altLang="en-US" sz="2800">
+                <a:latin typeface="楷体" panose="02010609060101010101" charset="-122"/>
+                <a:ea typeface="楷体" panose="02010609060101010101" charset="-122"/>
+                <a:cs typeface="楷体" panose="02010609060101010101" charset="-122"/>
               </a:rPr>
               <a:t>协同习题模块</a:t>
             </a:r>
-            <a:endParaRPr lang="zh-CN" altLang="en-US">
-              <a:latin typeface="宋体" panose="02010600030101010101" pitchFamily="2" charset="-122"/>
-              <a:ea typeface="宋体" panose="02010600030101010101" pitchFamily="2" charset="-122"/>
-              <a:cs typeface="宋体" panose="02010600030101010101" pitchFamily="2" charset="-122"/>
+            <a:endParaRPr lang="zh-CN" altLang="en-US" sz="2800">
+              <a:latin typeface="楷体" panose="02010609060101010101" charset="-122"/>
+              <a:ea typeface="楷体" panose="02010609060101010101" charset="-122"/>
+              <a:cs typeface="楷体" panose="02010609060101010101" charset="-122"/>
             </a:endParaRPr>
           </a:p>
         </p:txBody>
@@ -10776,6 +12250,551 @@
   <p:clrMapOvr>
     <a:masterClrMapping/>
   </p:clrMapOvr>
+  <p:timing>
+    <p:tnLst>
+      <p:par>
+        <p:cTn id="1" dur="indefinite" restart="never" nodeType="tmRoot">
+          <p:childTnLst>
+            <p:seq concurrent="1" nextAc="seek">
+              <p:cTn id="2" dur="indefinite" nodeType="mainSeq">
+                <p:childTnLst>
+                  <p:par>
+                    <p:cTn id="3" fill="hold">
+                      <p:stCondLst>
+                        <p:cond delay="indefinite"/>
+                      </p:stCondLst>
+                      <p:childTnLst>
+                        <p:par>
+                          <p:cTn id="4" fill="hold">
+                            <p:stCondLst>
+                              <p:cond delay="0"/>
+                            </p:stCondLst>
+                            <p:childTnLst>
+                              <p:par>
+                                <p:cTn id="5" presetID="2" presetClass="entr" presetSubtype="4" fill="hold" nodeType="clickEffect">
+                                  <p:stCondLst>
+                                    <p:cond delay="0"/>
+                                  </p:stCondLst>
+                                  <p:childTnLst>
+                                    <p:set>
+                                      <p:cBhvr>
+                                        <p:cTn id="6" dur="1" fill="hold">
+                                          <p:stCondLst>
+                                            <p:cond delay="0"/>
+                                          </p:stCondLst>
+                                        </p:cTn>
+                                        <p:tgtEl>
+                                          <p:spTgt spid="2">
+                                            <p:txEl>
+                                              <p:pRg st="0" end="0"/>
+                                            </p:txEl>
+                                          </p:spTgt>
+                                        </p:tgtEl>
+                                        <p:attrNameLst>
+                                          <p:attrName>style.visibility</p:attrName>
+                                        </p:attrNameLst>
+                                      </p:cBhvr>
+                                      <p:to>
+                                        <p:strVal val="visible"/>
+                                      </p:to>
+                                    </p:set>
+                                    <p:anim calcmode="lin" valueType="num">
+                                      <p:cBhvr additive="base">
+                                        <p:cTn id="7" dur="500" fill="hold"/>
+                                        <p:tgtEl>
+                                          <p:spTgt spid="2">
+                                            <p:txEl>
+                                              <p:pRg st="0" end="0"/>
+                                            </p:txEl>
+                                          </p:spTgt>
+                                        </p:tgtEl>
+                                        <p:attrNameLst>
+                                          <p:attrName>ppt_x</p:attrName>
+                                        </p:attrNameLst>
+                                      </p:cBhvr>
+                                      <p:tavLst>
+                                        <p:tav tm="0">
+                                          <p:val>
+                                            <p:strVal val="#ppt_x"/>
+                                          </p:val>
+                                        </p:tav>
+                                        <p:tav tm="100000">
+                                          <p:val>
+                                            <p:strVal val="#ppt_x"/>
+                                          </p:val>
+                                        </p:tav>
+                                      </p:tavLst>
+                                    </p:anim>
+                                    <p:anim calcmode="lin" valueType="num">
+                                      <p:cBhvr additive="base">
+                                        <p:cTn id="8" dur="500" fill="hold"/>
+                                        <p:tgtEl>
+                                          <p:spTgt spid="2">
+                                            <p:txEl>
+                                              <p:pRg st="0" end="0"/>
+                                            </p:txEl>
+                                          </p:spTgt>
+                                        </p:tgtEl>
+                                        <p:attrNameLst>
+                                          <p:attrName>ppt_y</p:attrName>
+                                        </p:attrNameLst>
+                                      </p:cBhvr>
+                                      <p:tavLst>
+                                        <p:tav tm="0">
+                                          <p:val>
+                                            <p:strVal val="1+#ppt_h/2"/>
+                                          </p:val>
+                                        </p:tav>
+                                        <p:tav tm="100000">
+                                          <p:val>
+                                            <p:strVal val="#ppt_y"/>
+                                          </p:val>
+                                        </p:tav>
+                                      </p:tavLst>
+                                    </p:anim>
+                                  </p:childTnLst>
+                                </p:cTn>
+                              </p:par>
+                            </p:childTnLst>
+                          </p:cTn>
+                        </p:par>
+                      </p:childTnLst>
+                    </p:cTn>
+                  </p:par>
+                  <p:par>
+                    <p:cTn id="9" fill="hold">
+                      <p:stCondLst>
+                        <p:cond delay="indefinite"/>
+                      </p:stCondLst>
+                      <p:childTnLst>
+                        <p:par>
+                          <p:cTn id="10" fill="hold">
+                            <p:stCondLst>
+                              <p:cond delay="0"/>
+                            </p:stCondLst>
+                            <p:childTnLst>
+                              <p:par>
+                                <p:cTn id="11" presetID="2" presetClass="entr" presetSubtype="4" fill="hold" nodeType="clickEffect">
+                                  <p:stCondLst>
+                                    <p:cond delay="0"/>
+                                  </p:stCondLst>
+                                  <p:childTnLst>
+                                    <p:set>
+                                      <p:cBhvr>
+                                        <p:cTn id="12" dur="1" fill="hold">
+                                          <p:stCondLst>
+                                            <p:cond delay="0"/>
+                                          </p:stCondLst>
+                                        </p:cTn>
+                                        <p:tgtEl>
+                                          <p:spTgt spid="2">
+                                            <p:txEl>
+                                              <p:pRg st="2" end="2"/>
+                                            </p:txEl>
+                                          </p:spTgt>
+                                        </p:tgtEl>
+                                        <p:attrNameLst>
+                                          <p:attrName>style.visibility</p:attrName>
+                                        </p:attrNameLst>
+                                      </p:cBhvr>
+                                      <p:to>
+                                        <p:strVal val="visible"/>
+                                      </p:to>
+                                    </p:set>
+                                    <p:anim calcmode="lin" valueType="num">
+                                      <p:cBhvr additive="base">
+                                        <p:cTn id="13" dur="500" fill="hold"/>
+                                        <p:tgtEl>
+                                          <p:spTgt spid="2">
+                                            <p:txEl>
+                                              <p:pRg st="2" end="2"/>
+                                            </p:txEl>
+                                          </p:spTgt>
+                                        </p:tgtEl>
+                                        <p:attrNameLst>
+                                          <p:attrName>ppt_x</p:attrName>
+                                        </p:attrNameLst>
+                                      </p:cBhvr>
+                                      <p:tavLst>
+                                        <p:tav tm="0">
+                                          <p:val>
+                                            <p:strVal val="#ppt_x"/>
+                                          </p:val>
+                                        </p:tav>
+                                        <p:tav tm="100000">
+                                          <p:val>
+                                            <p:strVal val="#ppt_x"/>
+                                          </p:val>
+                                        </p:tav>
+                                      </p:tavLst>
+                                    </p:anim>
+                                    <p:anim calcmode="lin" valueType="num">
+                                      <p:cBhvr additive="base">
+                                        <p:cTn id="14" dur="500" fill="hold"/>
+                                        <p:tgtEl>
+                                          <p:spTgt spid="2">
+                                            <p:txEl>
+                                              <p:pRg st="2" end="2"/>
+                                            </p:txEl>
+                                          </p:spTgt>
+                                        </p:tgtEl>
+                                        <p:attrNameLst>
+                                          <p:attrName>ppt_y</p:attrName>
+                                        </p:attrNameLst>
+                                      </p:cBhvr>
+                                      <p:tavLst>
+                                        <p:tav tm="0">
+                                          <p:val>
+                                            <p:strVal val="1+#ppt_h/2"/>
+                                          </p:val>
+                                        </p:tav>
+                                        <p:tav tm="100000">
+                                          <p:val>
+                                            <p:strVal val="#ppt_y"/>
+                                          </p:val>
+                                        </p:tav>
+                                      </p:tavLst>
+                                    </p:anim>
+                                  </p:childTnLst>
+                                </p:cTn>
+                              </p:par>
+                            </p:childTnLst>
+                          </p:cTn>
+                        </p:par>
+                      </p:childTnLst>
+                    </p:cTn>
+                  </p:par>
+                  <p:par>
+                    <p:cTn id="15" fill="hold">
+                      <p:stCondLst>
+                        <p:cond delay="indefinite"/>
+                      </p:stCondLst>
+                      <p:childTnLst>
+                        <p:par>
+                          <p:cTn id="16" fill="hold">
+                            <p:stCondLst>
+                              <p:cond delay="0"/>
+                            </p:stCondLst>
+                            <p:childTnLst>
+                              <p:par>
+                                <p:cTn id="17" presetID="2" presetClass="entr" presetSubtype="4" fill="hold" nodeType="clickEffect">
+                                  <p:stCondLst>
+                                    <p:cond delay="0"/>
+                                  </p:stCondLst>
+                                  <p:childTnLst>
+                                    <p:set>
+                                      <p:cBhvr>
+                                        <p:cTn id="18" dur="1" fill="hold">
+                                          <p:stCondLst>
+                                            <p:cond delay="0"/>
+                                          </p:stCondLst>
+                                        </p:cTn>
+                                        <p:tgtEl>
+                                          <p:spTgt spid="2">
+                                            <p:txEl>
+                                              <p:pRg st="4" end="4"/>
+                                            </p:txEl>
+                                          </p:spTgt>
+                                        </p:tgtEl>
+                                        <p:attrNameLst>
+                                          <p:attrName>style.visibility</p:attrName>
+                                        </p:attrNameLst>
+                                      </p:cBhvr>
+                                      <p:to>
+                                        <p:strVal val="visible"/>
+                                      </p:to>
+                                    </p:set>
+                                    <p:anim calcmode="lin" valueType="num">
+                                      <p:cBhvr additive="base">
+                                        <p:cTn id="19" dur="500" fill="hold"/>
+                                        <p:tgtEl>
+                                          <p:spTgt spid="2">
+                                            <p:txEl>
+                                              <p:pRg st="4" end="4"/>
+                                            </p:txEl>
+                                          </p:spTgt>
+                                        </p:tgtEl>
+                                        <p:attrNameLst>
+                                          <p:attrName>ppt_x</p:attrName>
+                                        </p:attrNameLst>
+                                      </p:cBhvr>
+                                      <p:tavLst>
+                                        <p:tav tm="0">
+                                          <p:val>
+                                            <p:strVal val="#ppt_x"/>
+                                          </p:val>
+                                        </p:tav>
+                                        <p:tav tm="100000">
+                                          <p:val>
+                                            <p:strVal val="#ppt_x"/>
+                                          </p:val>
+                                        </p:tav>
+                                      </p:tavLst>
+                                    </p:anim>
+                                    <p:anim calcmode="lin" valueType="num">
+                                      <p:cBhvr additive="base">
+                                        <p:cTn id="20" dur="500" fill="hold"/>
+                                        <p:tgtEl>
+                                          <p:spTgt spid="2">
+                                            <p:txEl>
+                                              <p:pRg st="4" end="4"/>
+                                            </p:txEl>
+                                          </p:spTgt>
+                                        </p:tgtEl>
+                                        <p:attrNameLst>
+                                          <p:attrName>ppt_y</p:attrName>
+                                        </p:attrNameLst>
+                                      </p:cBhvr>
+                                      <p:tavLst>
+                                        <p:tav tm="0">
+                                          <p:val>
+                                            <p:strVal val="1+#ppt_h/2"/>
+                                          </p:val>
+                                        </p:tav>
+                                        <p:tav tm="100000">
+                                          <p:val>
+                                            <p:strVal val="#ppt_y"/>
+                                          </p:val>
+                                        </p:tav>
+                                      </p:tavLst>
+                                    </p:anim>
+                                  </p:childTnLst>
+                                </p:cTn>
+                              </p:par>
+                            </p:childTnLst>
+                          </p:cTn>
+                        </p:par>
+                      </p:childTnLst>
+                    </p:cTn>
+                  </p:par>
+                  <p:par>
+                    <p:cTn id="21" fill="hold">
+                      <p:stCondLst>
+                        <p:cond delay="indefinite"/>
+                      </p:stCondLst>
+                      <p:childTnLst>
+                        <p:par>
+                          <p:cTn id="22" fill="hold">
+                            <p:stCondLst>
+                              <p:cond delay="0"/>
+                            </p:stCondLst>
+                            <p:childTnLst>
+                              <p:par>
+                                <p:cTn id="23" presetID="2" presetClass="entr" presetSubtype="4" fill="hold" nodeType="clickEffect">
+                                  <p:stCondLst>
+                                    <p:cond delay="0"/>
+                                  </p:stCondLst>
+                                  <p:childTnLst>
+                                    <p:set>
+                                      <p:cBhvr>
+                                        <p:cTn id="24" dur="1" fill="hold">
+                                          <p:stCondLst>
+                                            <p:cond delay="0"/>
+                                          </p:stCondLst>
+                                        </p:cTn>
+                                        <p:tgtEl>
+                                          <p:spTgt spid="2">
+                                            <p:txEl>
+                                              <p:pRg st="6" end="6"/>
+                                            </p:txEl>
+                                          </p:spTgt>
+                                        </p:tgtEl>
+                                        <p:attrNameLst>
+                                          <p:attrName>style.visibility</p:attrName>
+                                        </p:attrNameLst>
+                                      </p:cBhvr>
+                                      <p:to>
+                                        <p:strVal val="visible"/>
+                                      </p:to>
+                                    </p:set>
+                                    <p:anim calcmode="lin" valueType="num">
+                                      <p:cBhvr additive="base">
+                                        <p:cTn id="25" dur="500" fill="hold"/>
+                                        <p:tgtEl>
+                                          <p:spTgt spid="2">
+                                            <p:txEl>
+                                              <p:pRg st="6" end="6"/>
+                                            </p:txEl>
+                                          </p:spTgt>
+                                        </p:tgtEl>
+                                        <p:attrNameLst>
+                                          <p:attrName>ppt_x</p:attrName>
+                                        </p:attrNameLst>
+                                      </p:cBhvr>
+                                      <p:tavLst>
+                                        <p:tav tm="0">
+                                          <p:val>
+                                            <p:strVal val="#ppt_x"/>
+                                          </p:val>
+                                        </p:tav>
+                                        <p:tav tm="100000">
+                                          <p:val>
+                                            <p:strVal val="#ppt_x"/>
+                                          </p:val>
+                                        </p:tav>
+                                      </p:tavLst>
+                                    </p:anim>
+                                    <p:anim calcmode="lin" valueType="num">
+                                      <p:cBhvr additive="base">
+                                        <p:cTn id="26" dur="500" fill="hold"/>
+                                        <p:tgtEl>
+                                          <p:spTgt spid="2">
+                                            <p:txEl>
+                                              <p:pRg st="6" end="6"/>
+                                            </p:txEl>
+                                          </p:spTgt>
+                                        </p:tgtEl>
+                                        <p:attrNameLst>
+                                          <p:attrName>ppt_y</p:attrName>
+                                        </p:attrNameLst>
+                                      </p:cBhvr>
+                                      <p:tavLst>
+                                        <p:tav tm="0">
+                                          <p:val>
+                                            <p:strVal val="1+#ppt_h/2"/>
+                                          </p:val>
+                                        </p:tav>
+                                        <p:tav tm="100000">
+                                          <p:val>
+                                            <p:strVal val="#ppt_y"/>
+                                          </p:val>
+                                        </p:tav>
+                                      </p:tavLst>
+                                    </p:anim>
+                                  </p:childTnLst>
+                                </p:cTn>
+                              </p:par>
+                            </p:childTnLst>
+                          </p:cTn>
+                        </p:par>
+                      </p:childTnLst>
+                    </p:cTn>
+                  </p:par>
+                  <p:par>
+                    <p:cTn id="27" fill="hold">
+                      <p:stCondLst>
+                        <p:cond delay="indefinite"/>
+                      </p:stCondLst>
+                      <p:childTnLst>
+                        <p:par>
+                          <p:cTn id="28" fill="hold">
+                            <p:stCondLst>
+                              <p:cond delay="0"/>
+                            </p:stCondLst>
+                            <p:childTnLst>
+                              <p:par>
+                                <p:cTn id="29" presetID="2" presetClass="entr" presetSubtype="4" fill="hold" nodeType="clickEffect">
+                                  <p:stCondLst>
+                                    <p:cond delay="0"/>
+                                  </p:stCondLst>
+                                  <p:childTnLst>
+                                    <p:set>
+                                      <p:cBhvr>
+                                        <p:cTn id="30" dur="1" fill="hold">
+                                          <p:stCondLst>
+                                            <p:cond delay="0"/>
+                                          </p:stCondLst>
+                                        </p:cTn>
+                                        <p:tgtEl>
+                                          <p:spTgt spid="2">
+                                            <p:txEl>
+                                              <p:pRg st="8" end="8"/>
+                                            </p:txEl>
+                                          </p:spTgt>
+                                        </p:tgtEl>
+                                        <p:attrNameLst>
+                                          <p:attrName>style.visibility</p:attrName>
+                                        </p:attrNameLst>
+                                      </p:cBhvr>
+                                      <p:to>
+                                        <p:strVal val="visible"/>
+                                      </p:to>
+                                    </p:set>
+                                    <p:anim calcmode="lin" valueType="num">
+                                      <p:cBhvr additive="base">
+                                        <p:cTn id="31" dur="500" fill="hold"/>
+                                        <p:tgtEl>
+                                          <p:spTgt spid="2">
+                                            <p:txEl>
+                                              <p:pRg st="8" end="8"/>
+                                            </p:txEl>
+                                          </p:spTgt>
+                                        </p:tgtEl>
+                                        <p:attrNameLst>
+                                          <p:attrName>ppt_x</p:attrName>
+                                        </p:attrNameLst>
+                                      </p:cBhvr>
+                                      <p:tavLst>
+                                        <p:tav tm="0">
+                                          <p:val>
+                                            <p:strVal val="#ppt_x"/>
+                                          </p:val>
+                                        </p:tav>
+                                        <p:tav tm="100000">
+                                          <p:val>
+                                            <p:strVal val="#ppt_x"/>
+                                          </p:val>
+                                        </p:tav>
+                                      </p:tavLst>
+                                    </p:anim>
+                                    <p:anim calcmode="lin" valueType="num">
+                                      <p:cBhvr additive="base">
+                                        <p:cTn id="32" dur="500" fill="hold"/>
+                                        <p:tgtEl>
+                                          <p:spTgt spid="2">
+                                            <p:txEl>
+                                              <p:pRg st="8" end="8"/>
+                                            </p:txEl>
+                                          </p:spTgt>
+                                        </p:tgtEl>
+                                        <p:attrNameLst>
+                                          <p:attrName>ppt_y</p:attrName>
+                                        </p:attrNameLst>
+                                      </p:cBhvr>
+                                      <p:tavLst>
+                                        <p:tav tm="0">
+                                          <p:val>
+                                            <p:strVal val="1+#ppt_h/2"/>
+                                          </p:val>
+                                        </p:tav>
+                                        <p:tav tm="100000">
+                                          <p:val>
+                                            <p:strVal val="#ppt_y"/>
+                                          </p:val>
+                                        </p:tav>
+                                      </p:tavLst>
+                                    </p:anim>
+                                  </p:childTnLst>
+                                </p:cTn>
+                              </p:par>
+                            </p:childTnLst>
+                          </p:cTn>
+                        </p:par>
+                      </p:childTnLst>
+                    </p:cTn>
+                  </p:par>
+                </p:childTnLst>
+              </p:cTn>
+              <p:prevCondLst>
+                <p:cond evt="onPrev" delay="0">
+                  <p:tgtEl>
+                    <p:sldTgt/>
+                  </p:tgtEl>
+                </p:cond>
+              </p:prevCondLst>
+              <p:nextCondLst>
+                <p:cond evt="onNext" delay="0">
+                  <p:tgtEl>
+                    <p:sldTgt/>
+                  </p:tgtEl>
+                </p:cond>
+              </p:nextCondLst>
+            </p:seq>
+          </p:childTnLst>
+        </p:cTn>
+      </p:par>
+    </p:tnLst>
+  </p:timing>
 </p:sld>
 </file>
 

--- a/张祥裕答辩PPT.pptx
+++ b/张祥裕答辩PPT.pptx
@@ -8,7 +8,7 @@
     <p:notesMasterId r:id="rId4"/>
   </p:notesMasterIdLst>
   <p:handoutMasterIdLst>
-    <p:handoutMasterId r:id="rId19"/>
+    <p:handoutMasterId r:id="rId21"/>
   </p:handoutMasterIdLst>
   <p:sldIdLst>
     <p:sldId id="256" r:id="rId3"/>
@@ -25,7 +25,9 @@
     <p:sldId id="347" r:id="rId15"/>
     <p:sldId id="348" r:id="rId16"/>
     <p:sldId id="349" r:id="rId17"/>
-    <p:sldId id="282" r:id="rId18"/>
+    <p:sldId id="351" r:id="rId18"/>
+    <p:sldId id="352" r:id="rId19"/>
+    <p:sldId id="282" r:id="rId20"/>
   </p:sldIdLst>
   <p:sldSz cx="9144000" cy="6858000" type="screen4x3"/>
   <p:notesSz cx="6858000" cy="9144000"/>
@@ -1244,6 +1246,234 @@
 </file>
 
 <file path=ppt/notesSlides/notesSlide3.xml><?xml version="1.0" encoding="utf-8"?>
+<p:notes xmlns:a="http://schemas.openxmlformats.org/drawingml/2006/main" xmlns:r="http://schemas.openxmlformats.org/officeDocument/2006/relationships" xmlns:p="http://schemas.openxmlformats.org/presentationml/2006/main">
+  <p:cSld>
+    <p:spTree>
+      <p:nvGrpSpPr>
+        <p:cNvPr id="1" name=""/>
+        <p:cNvGrpSpPr/>
+        <p:nvPr/>
+      </p:nvGrpSpPr>
+      <p:grpSpPr>
+        <a:xfrm>
+          <a:off x="0" y="0"/>
+          <a:ext cx="0" cy="0"/>
+          <a:chOff x="0" y="0"/>
+          <a:chExt cx="0" cy="0"/>
+        </a:xfrm>
+      </p:grpSpPr>
+      <p:sp>
+        <p:nvSpPr>
+          <p:cNvPr id="47106" name="幻灯片图像占位符 1"/>
+          <p:cNvSpPr>
+            <a:spLocks noGrp="1" noRot="1" noChangeAspect="1" noTextEdit="1"/>
+          </p:cNvSpPr>
+          <p:nvPr>
+            <p:ph type="sldImg"/>
+          </p:nvPr>
+        </p:nvSpPr>
+        <p:spPr bwMode="auto">
+          <a:noFill/>
+          <a:ln>
+            <a:solidFill>
+              <a:srgbClr val="000000"/>
+            </a:solidFill>
+            <a:miter lim="800000"/>
+          </a:ln>
+          <a:extLst>
+            <a:ext uri="{909E8E84-426E-40DD-AFC4-6F175D3DCCD1}">
+              <a14:hiddenFill xmlns:a14="http://schemas.microsoft.com/office/drawing/2010/main">
+                <a:solidFill>
+                  <a:srgbClr val="FFFFFF"/>
+                </a:solidFill>
+              </a14:hiddenFill>
+            </a:ext>
+          </a:extLst>
+        </p:spPr>
+      </p:sp>
+      <p:sp>
+        <p:nvSpPr>
+          <p:cNvPr id="47107" name="备注占位符 2"/>
+          <p:cNvSpPr>
+            <a:spLocks noGrp="1"/>
+          </p:cNvSpPr>
+          <p:nvPr>
+            <p:ph type="body" idx="1"/>
+          </p:nvPr>
+        </p:nvSpPr>
+        <p:spPr bwMode="auto">
+          <a:noFill/>
+          <a:extLst>
+            <a:ext uri="{909E8E84-426E-40DD-AFC4-6F175D3DCCD1}">
+              <a14:hiddenFill xmlns:a14="http://schemas.microsoft.com/office/drawing/2010/main">
+                <a:solidFill>
+                  <a:srgbClr val="FFFFFF"/>
+                </a:solidFill>
+              </a14:hiddenFill>
+            </a:ext>
+            <a:ext uri="{91240B29-F687-4F45-9708-019B960494DF}">
+              <a14:hiddenLine xmlns:a14="http://schemas.microsoft.com/office/drawing/2010/main" w="9525">
+                <a:solidFill>
+                  <a:srgbClr val="000000"/>
+                </a:solidFill>
+                <a:miter lim="800000"/>
+                <a:headEnd/>
+                <a:tailEnd/>
+              </a14:hiddenLine>
+            </a:ext>
+          </a:extLst>
+        </p:spPr>
+        <p:txBody>
+          <a:bodyPr wrap="square" numCol="1" anchor="t" anchorCtr="0" compatLnSpc="1"/>
+          <a:lstStyle/>
+          <a:p>
+            <a:pPr eaLnBrk="1" hangingPunct="1"/>
+            <a:endParaRPr lang="zh-CN" altLang="en-US" smtClean="0"/>
+          </a:p>
+        </p:txBody>
+      </p:sp>
+      <p:sp>
+        <p:nvSpPr>
+          <p:cNvPr id="4" name="灯片编号占位符 3"/>
+          <p:cNvSpPr>
+            <a:spLocks noGrp="1"/>
+          </p:cNvSpPr>
+          <p:nvPr>
+            <p:ph type="sldNum" sz="quarter" idx="5"/>
+          </p:nvPr>
+        </p:nvSpPr>
+        <p:spPr/>
+        <p:txBody>
+          <a:bodyPr/>
+          <a:lstStyle>
+            <a:lvl1pPr eaLnBrk="0" hangingPunct="0">
+              <a:defRPr>
+                <a:solidFill>
+                  <a:schemeClr val="tx1"/>
+                </a:solidFill>
+                <a:latin typeface="Arial" panose="020B0604020202020204" pitchFamily="34" charset="0"/>
+                <a:ea typeface="宋体" panose="02010600030101010101" pitchFamily="2" charset="-122"/>
+              </a:defRPr>
+            </a:lvl1pPr>
+            <a:lvl2pPr marL="742950" indent="-285750" eaLnBrk="0" hangingPunct="0">
+              <a:defRPr>
+                <a:solidFill>
+                  <a:schemeClr val="tx1"/>
+                </a:solidFill>
+                <a:latin typeface="Arial" panose="020B0604020202020204" pitchFamily="34" charset="0"/>
+                <a:ea typeface="宋体" panose="02010600030101010101" pitchFamily="2" charset="-122"/>
+              </a:defRPr>
+            </a:lvl2pPr>
+            <a:lvl3pPr marL="1143000" indent="-228600" eaLnBrk="0" hangingPunct="0">
+              <a:defRPr>
+                <a:solidFill>
+                  <a:schemeClr val="tx1"/>
+                </a:solidFill>
+                <a:latin typeface="Arial" panose="020B0604020202020204" pitchFamily="34" charset="0"/>
+                <a:ea typeface="宋体" panose="02010600030101010101" pitchFamily="2" charset="-122"/>
+              </a:defRPr>
+            </a:lvl3pPr>
+            <a:lvl4pPr marL="1600200" indent="-228600" eaLnBrk="0" hangingPunct="0">
+              <a:defRPr>
+                <a:solidFill>
+                  <a:schemeClr val="tx1"/>
+                </a:solidFill>
+                <a:latin typeface="Arial" panose="020B0604020202020204" pitchFamily="34" charset="0"/>
+                <a:ea typeface="宋体" panose="02010600030101010101" pitchFamily="2" charset="-122"/>
+              </a:defRPr>
+            </a:lvl4pPr>
+            <a:lvl5pPr marL="2057400" indent="-228600" eaLnBrk="0" hangingPunct="0">
+              <a:defRPr>
+                <a:solidFill>
+                  <a:schemeClr val="tx1"/>
+                </a:solidFill>
+                <a:latin typeface="Arial" panose="020B0604020202020204" pitchFamily="34" charset="0"/>
+                <a:ea typeface="宋体" panose="02010600030101010101" pitchFamily="2" charset="-122"/>
+              </a:defRPr>
+            </a:lvl5pPr>
+            <a:lvl6pPr marL="2514600" indent="-228600" eaLnBrk="0" fontAlgn="base" hangingPunct="0">
+              <a:spcBef>
+                <a:spcPct val="0"/>
+              </a:spcBef>
+              <a:spcAft>
+                <a:spcPct val="0"/>
+              </a:spcAft>
+              <a:defRPr>
+                <a:solidFill>
+                  <a:schemeClr val="tx1"/>
+                </a:solidFill>
+                <a:latin typeface="Arial" panose="020B0604020202020204" pitchFamily="34" charset="0"/>
+                <a:ea typeface="宋体" panose="02010600030101010101" pitchFamily="2" charset="-122"/>
+              </a:defRPr>
+            </a:lvl6pPr>
+            <a:lvl7pPr marL="2971800" indent="-228600" eaLnBrk="0" fontAlgn="base" hangingPunct="0">
+              <a:spcBef>
+                <a:spcPct val="0"/>
+              </a:spcBef>
+              <a:spcAft>
+                <a:spcPct val="0"/>
+              </a:spcAft>
+              <a:defRPr>
+                <a:solidFill>
+                  <a:schemeClr val="tx1"/>
+                </a:solidFill>
+                <a:latin typeface="Arial" panose="020B0604020202020204" pitchFamily="34" charset="0"/>
+                <a:ea typeface="宋体" panose="02010600030101010101" pitchFamily="2" charset="-122"/>
+              </a:defRPr>
+            </a:lvl7pPr>
+            <a:lvl8pPr marL="3429000" indent="-228600" eaLnBrk="0" fontAlgn="base" hangingPunct="0">
+              <a:spcBef>
+                <a:spcPct val="0"/>
+              </a:spcBef>
+              <a:spcAft>
+                <a:spcPct val="0"/>
+              </a:spcAft>
+              <a:defRPr>
+                <a:solidFill>
+                  <a:schemeClr val="tx1"/>
+                </a:solidFill>
+                <a:latin typeface="Arial" panose="020B0604020202020204" pitchFamily="34" charset="0"/>
+                <a:ea typeface="宋体" panose="02010600030101010101" pitchFamily="2" charset="-122"/>
+              </a:defRPr>
+            </a:lvl8pPr>
+            <a:lvl9pPr marL="3886200" indent="-228600" eaLnBrk="0" fontAlgn="base" hangingPunct="0">
+              <a:spcBef>
+                <a:spcPct val="0"/>
+              </a:spcBef>
+              <a:spcAft>
+                <a:spcPct val="0"/>
+              </a:spcAft>
+              <a:defRPr>
+                <a:solidFill>
+                  <a:schemeClr val="tx1"/>
+                </a:solidFill>
+                <a:latin typeface="Arial" panose="020B0604020202020204" pitchFamily="34" charset="0"/>
+                <a:ea typeface="宋体" panose="02010600030101010101" pitchFamily="2" charset="-122"/>
+              </a:defRPr>
+            </a:lvl9pPr>
+          </a:lstStyle>
+          <a:p>
+            <a:pPr eaLnBrk="1" hangingPunct="1"/>
+            <a:fld id="{C7A61305-CE55-42B3-8D6F-02ECAAC0EA40}" type="slidenum">
+              <a:rPr lang="zh-CN" altLang="en-US">
+                <a:latin typeface="Calibri" panose="020F0502020204030204" pitchFamily="34" charset="0"/>
+              </a:rPr>
+            </a:fld>
+            <a:endParaRPr lang="en-US" altLang="zh-CN">
+              <a:latin typeface="Calibri" panose="020F0502020204030204" pitchFamily="34" charset="0"/>
+            </a:endParaRPr>
+          </a:p>
+        </p:txBody>
+      </p:sp>
+    </p:spTree>
+  </p:cSld>
+  <p:clrMapOvr>
+    <a:masterClrMapping/>
+  </p:clrMapOvr>
+</p:notes>
+</file>
+
+<file path=ppt/notesSlides/notesSlide4.xml><?xml version="1.0" encoding="utf-8"?>
 <p:notes xmlns:a="http://schemas.openxmlformats.org/drawingml/2006/main" xmlns:r="http://schemas.openxmlformats.org/officeDocument/2006/relationships" xmlns:p="http://schemas.openxmlformats.org/presentationml/2006/main">
   <p:cSld>
     <p:spTree>
@@ -7506,7 +7736,7 @@
       </p:sp>
       <p:graphicFrame>
         <p:nvGraphicFramePr>
-          <p:cNvPr id="-2147482623" name="对象 -2147482624"/>
+          <p:cNvPr id="2" name="对象 -2147482624"/>
           <p:cNvGraphicFramePr>
             <a:graphicFrameLocks noChangeAspect="1"/>
           </p:cNvGraphicFramePr>
@@ -7632,7 +7862,7 @@
       </p:sp>
       <p:graphicFrame>
         <p:nvGraphicFramePr>
-          <p:cNvPr id="-2147482623" name="对象 -2147482624"/>
+          <p:cNvPr id="2" name="对象 -2147482624"/>
           <p:cNvGraphicFramePr>
             <a:graphicFrameLocks noChangeAspect="1"/>
           </p:cNvGraphicFramePr>
@@ -7855,25 +8085,471 @@
       <p:grpSpPr/>
       <p:sp>
         <p:nvSpPr>
-          <p:cNvPr id="2" name="内容占位符 1"/>
+          <p:cNvPr id="3" name="标题 2"/>
           <p:cNvSpPr>
             <a:spLocks noGrp="1"/>
           </p:cNvSpPr>
           <p:nvPr>
-            <p:ph idx="1"/>
+            <p:ph type="title"/>
           </p:nvPr>
         </p:nvSpPr>
         <p:spPr/>
         <p:txBody>
-          <a:bodyPr/>
-          <a:p>
-            <a:pPr marL="109220" indent="0">
-              <a:buNone/>
-            </a:pPr>
-            <a:endParaRPr lang="zh-CN" altLang="en-US"/>
+          <a:bodyPr>
+            <a:normAutofit/>
+          </a:bodyPr>
+          <a:p>
+            <a:r>
+              <a:rPr lang="zh-CN" altLang="en-US" sz="2800" b="0">
+                <a:latin typeface="微软雅黑" panose="020B0503020204020204" charset="-122"/>
+                <a:ea typeface="微软雅黑" panose="020B0503020204020204" charset="-122"/>
+                <a:cs typeface="微软雅黑" panose="020B0503020204020204" charset="-122"/>
+                <a:sym typeface="+mn-ea"/>
+              </a:rPr>
+              <a:t>五大功能模块</a:t>
+            </a:r>
+            <a:r>
+              <a:rPr lang="en-US" altLang="zh-CN" sz="2800" b="0">
+                <a:latin typeface="微软雅黑" panose="020B0503020204020204" charset="-122"/>
+                <a:ea typeface="微软雅黑" panose="020B0503020204020204" charset="-122"/>
+                <a:cs typeface="微软雅黑" panose="020B0503020204020204" charset="-122"/>
+                <a:sym typeface="+mn-ea"/>
+              </a:rPr>
+              <a:t>——</a:t>
+            </a:r>
+            <a:r>
+              <a:rPr lang="zh-CN" altLang="en-US" sz="2800" b="0">
+                <a:latin typeface="微软雅黑" panose="020B0503020204020204" charset="-122"/>
+                <a:ea typeface="微软雅黑" panose="020B0503020204020204" charset="-122"/>
+                <a:cs typeface="微软雅黑" panose="020B0503020204020204" charset="-122"/>
+                <a:sym typeface="+mn-ea"/>
+              </a:rPr>
+              <a:t>协同习题</a:t>
+            </a:r>
+            <a:endParaRPr lang="zh-CN" altLang="en-US" sz="2800" b="0">
+              <a:latin typeface="微软雅黑" panose="020B0503020204020204" charset="-122"/>
+              <a:ea typeface="微软雅黑" panose="020B0503020204020204" charset="-122"/>
+              <a:cs typeface="微软雅黑" panose="020B0503020204020204" charset="-122"/>
+              <a:sym typeface="+mn-ea"/>
+            </a:endParaRPr>
           </a:p>
         </p:txBody>
       </p:sp>
+      <p:graphicFrame>
+        <p:nvGraphicFramePr>
+          <p:cNvPr id="-2147482623" name="对象 -2147482624"/>
+          <p:cNvGraphicFramePr>
+            <a:graphicFrameLocks noChangeAspect="1"/>
+          </p:cNvGraphicFramePr>
+          <p:nvPr/>
+        </p:nvGraphicFramePr>
+        <p:xfrm>
+          <a:off x="589280" y="1417955"/>
+          <a:ext cx="7683500" cy="4380230"/>
+        </p:xfrm>
+        <a:graphic>
+          <a:graphicData uri="http://schemas.openxmlformats.org/presentationml/2006/ole">
+            <mc:AlternateContent xmlns:mc="http://schemas.openxmlformats.org/markup-compatibility/2006">
+              <mc:Choice xmlns:v="urn:schemas-microsoft-com:vml" Requires="v">
+                <p:oleObj spid="_x0000_s3076" name="" r:id="rId1" imgW="3152775" imgH="1800225" progId="Visio.Drawing.11">
+                  <p:embed/>
+                </p:oleObj>
+              </mc:Choice>
+              <mc:Fallback>
+                <p:oleObj name="" r:id="rId1" imgW="3152775" imgH="1800225" progId="Visio.Drawing.11">
+                  <p:embed/>
+                  <p:pic>
+                    <p:nvPicPr>
+                      <p:cNvPr id="0" name="图片 3075"/>
+                      <p:cNvPicPr/>
+                      <p:nvPr/>
+                    </p:nvPicPr>
+                    <p:blipFill>
+                      <a:blip r:embed="rId2"/>
+                      <a:stretch>
+                        <a:fillRect/>
+                      </a:stretch>
+                    </p:blipFill>
+                    <p:spPr>
+                      <a:xfrm>
+                        <a:off x="589280" y="1417955"/>
+                        <a:ext cx="7683500" cy="4380230"/>
+                      </a:xfrm>
+                      <a:prstGeom prst="rect">
+                        <a:avLst/>
+                      </a:prstGeom>
+                      <a:noFill/>
+                      <a:ln w="38100">
+                        <a:noFill/>
+                        <a:miter/>
+                      </a:ln>
+                    </p:spPr>
+                  </p:pic>
+                </p:oleObj>
+              </mc:Fallback>
+            </mc:AlternateContent>
+          </a:graphicData>
+        </a:graphic>
+      </p:graphicFrame>
+      <p:graphicFrame>
+        <p:nvGraphicFramePr>
+          <p:cNvPr id="-2147482622" name="对象 -2147482623"/>
+          <p:cNvGraphicFramePr>
+            <a:graphicFrameLocks noChangeAspect="1"/>
+          </p:cNvGraphicFramePr>
+          <p:nvPr/>
+        </p:nvGraphicFramePr>
+        <p:xfrm>
+          <a:off x="589280" y="1417955"/>
+          <a:ext cx="8075295" cy="4156075"/>
+        </p:xfrm>
+        <a:graphic>
+          <a:graphicData uri="http://schemas.openxmlformats.org/presentationml/2006/ole">
+            <mc:AlternateContent xmlns:mc="http://schemas.openxmlformats.org/markup-compatibility/2006">
+              <mc:Choice xmlns:v="urn:schemas-microsoft-com:vml" Requires="v">
+                <p:oleObj spid="_x0000_s4" name="" r:id="rId3" imgW="3152775" imgH="1628775" progId="Visio.Drawing.11">
+                  <p:embed/>
+                </p:oleObj>
+              </mc:Choice>
+              <mc:Fallback>
+                <p:oleObj name="" r:id="rId3" imgW="3152775" imgH="1628775" progId="Visio.Drawing.11">
+                  <p:embed/>
+                  <p:pic>
+                    <p:nvPicPr>
+                      <p:cNvPr id="0" name="图片 3"/>
+                      <p:cNvPicPr/>
+                      <p:nvPr/>
+                    </p:nvPicPr>
+                    <p:blipFill>
+                      <a:blip r:embed="rId4"/>
+                      <a:stretch>
+                        <a:fillRect/>
+                      </a:stretch>
+                    </p:blipFill>
+                    <p:spPr>
+                      <a:xfrm>
+                        <a:off x="589280" y="1417955"/>
+                        <a:ext cx="8075295" cy="4156075"/>
+                      </a:xfrm>
+                      <a:prstGeom prst="rect">
+                        <a:avLst/>
+                      </a:prstGeom>
+                      <a:noFill/>
+                      <a:ln w="38100">
+                        <a:noFill/>
+                        <a:miter/>
+                      </a:ln>
+                    </p:spPr>
+                  </p:pic>
+                </p:oleObj>
+              </mc:Fallback>
+            </mc:AlternateContent>
+          </a:graphicData>
+        </a:graphic>
+      </p:graphicFrame>
+    </p:spTree>
+  </p:cSld>
+  <p:clrMapOvr>
+    <a:masterClrMapping/>
+  </p:clrMapOvr>
+  <p:timing>
+    <p:tnLst>
+      <p:par>
+        <p:cTn id="1" dur="indefinite" restart="never" nodeType="tmRoot">
+          <p:childTnLst>
+            <p:seq concurrent="1" nextAc="seek">
+              <p:cTn id="2" dur="indefinite" nodeType="mainSeq">
+                <p:childTnLst>
+                  <p:par>
+                    <p:cTn id="3" fill="hold">
+                      <p:stCondLst>
+                        <p:cond delay="indefinite"/>
+                      </p:stCondLst>
+                      <p:childTnLst>
+                        <p:par>
+                          <p:cTn id="4" fill="hold">
+                            <p:stCondLst>
+                              <p:cond delay="0"/>
+                            </p:stCondLst>
+                            <p:childTnLst>
+                              <p:par>
+                                <p:cTn id="5" presetID="2" presetClass="entr" presetSubtype="4" fill="hold" nodeType="clickEffect">
+                                  <p:stCondLst>
+                                    <p:cond delay="0"/>
+                                  </p:stCondLst>
+                                  <p:childTnLst>
+                                    <p:set>
+                                      <p:cBhvr>
+                                        <p:cTn id="6" dur="1" fill="hold">
+                                          <p:stCondLst>
+                                            <p:cond delay="0"/>
+                                          </p:stCondLst>
+                                        </p:cTn>
+                                        <p:tgtEl>
+                                          <p:spTgt spid="-2147482623"/>
+                                        </p:tgtEl>
+                                        <p:attrNameLst>
+                                          <p:attrName>style.visibility</p:attrName>
+                                        </p:attrNameLst>
+                                      </p:cBhvr>
+                                      <p:to>
+                                        <p:strVal val="visible"/>
+                                      </p:to>
+                                    </p:set>
+                                    <p:anim calcmode="lin" valueType="num">
+                                      <p:cBhvr additive="base">
+                                        <p:cTn id="7" dur="500" fill="hold"/>
+                                        <p:tgtEl>
+                                          <p:spTgt spid="-2147482623"/>
+                                        </p:tgtEl>
+                                        <p:attrNameLst>
+                                          <p:attrName>ppt_x</p:attrName>
+                                        </p:attrNameLst>
+                                      </p:cBhvr>
+                                      <p:tavLst>
+                                        <p:tav tm="0">
+                                          <p:val>
+                                            <p:strVal val="#ppt_x"/>
+                                          </p:val>
+                                        </p:tav>
+                                        <p:tav tm="100000">
+                                          <p:val>
+                                            <p:strVal val="#ppt_x"/>
+                                          </p:val>
+                                        </p:tav>
+                                      </p:tavLst>
+                                    </p:anim>
+                                    <p:anim calcmode="lin" valueType="num">
+                                      <p:cBhvr additive="base">
+                                        <p:cTn id="8" dur="500" fill="hold"/>
+                                        <p:tgtEl>
+                                          <p:spTgt spid="-2147482623"/>
+                                        </p:tgtEl>
+                                        <p:attrNameLst>
+                                          <p:attrName>ppt_y</p:attrName>
+                                        </p:attrNameLst>
+                                      </p:cBhvr>
+                                      <p:tavLst>
+                                        <p:tav tm="0">
+                                          <p:val>
+                                            <p:strVal val="1+#ppt_h/2"/>
+                                          </p:val>
+                                        </p:tav>
+                                        <p:tav tm="100000">
+                                          <p:val>
+                                            <p:strVal val="#ppt_y"/>
+                                          </p:val>
+                                        </p:tav>
+                                      </p:tavLst>
+                                    </p:anim>
+                                  </p:childTnLst>
+                                </p:cTn>
+                              </p:par>
+                            </p:childTnLst>
+                          </p:cTn>
+                        </p:par>
+                      </p:childTnLst>
+                    </p:cTn>
+                  </p:par>
+                  <p:par>
+                    <p:cTn id="9" fill="hold">
+                      <p:stCondLst>
+                        <p:cond delay="indefinite"/>
+                      </p:stCondLst>
+                      <p:childTnLst>
+                        <p:par>
+                          <p:cTn id="10" fill="hold">
+                            <p:stCondLst>
+                              <p:cond delay="0"/>
+                            </p:stCondLst>
+                            <p:childTnLst>
+                              <p:par>
+                                <p:cTn id="11" presetID="2" presetClass="exit" presetSubtype="4" fill="hold" nodeType="clickEffect">
+                                  <p:stCondLst>
+                                    <p:cond delay="0"/>
+                                  </p:stCondLst>
+                                  <p:childTnLst>
+                                    <p:anim calcmode="lin" valueType="num">
+                                      <p:cBhvr additive="base">
+                                        <p:cTn id="12" dur="500"/>
+                                        <p:tgtEl>
+                                          <p:spTgt spid="-2147482623"/>
+                                        </p:tgtEl>
+                                        <p:attrNameLst>
+                                          <p:attrName>ppt_x</p:attrName>
+                                        </p:attrNameLst>
+                                      </p:cBhvr>
+                                      <p:tavLst>
+                                        <p:tav tm="0">
+                                          <p:val>
+                                            <p:strVal val="ppt_x"/>
+                                          </p:val>
+                                        </p:tav>
+                                        <p:tav tm="100000">
+                                          <p:val>
+                                            <p:strVal val="ppt_x"/>
+                                          </p:val>
+                                        </p:tav>
+                                      </p:tavLst>
+                                    </p:anim>
+                                    <p:anim calcmode="lin" valueType="num">
+                                      <p:cBhvr additive="base">
+                                        <p:cTn id="13" dur="500"/>
+                                        <p:tgtEl>
+                                          <p:spTgt spid="-2147482623"/>
+                                        </p:tgtEl>
+                                        <p:attrNameLst>
+                                          <p:attrName>ppt_y</p:attrName>
+                                        </p:attrNameLst>
+                                      </p:cBhvr>
+                                      <p:tavLst>
+                                        <p:tav tm="0">
+                                          <p:val>
+                                            <p:strVal val="ppt_y"/>
+                                          </p:val>
+                                        </p:tav>
+                                        <p:tav tm="100000">
+                                          <p:val>
+                                            <p:strVal val="1+ppt_h/2"/>
+                                          </p:val>
+                                        </p:tav>
+                                      </p:tavLst>
+                                    </p:anim>
+                                    <p:set>
+                                      <p:cBhvr>
+                                        <p:cTn id="14" dur="1" fill="hold">
+                                          <p:stCondLst>
+                                            <p:cond delay="499"/>
+                                          </p:stCondLst>
+                                        </p:cTn>
+                                        <p:tgtEl>
+                                          <p:spTgt spid="-2147482623"/>
+                                        </p:tgtEl>
+                                        <p:attrNameLst>
+                                          <p:attrName>style.visibility</p:attrName>
+                                        </p:attrNameLst>
+                                      </p:cBhvr>
+                                      <p:to>
+                                        <p:strVal val="hidden"/>
+                                      </p:to>
+                                    </p:set>
+                                  </p:childTnLst>
+                                </p:cTn>
+                              </p:par>
+                              <p:par>
+                                <p:cTn id="15" presetID="2" presetClass="entr" presetSubtype="4" fill="hold" nodeType="withEffect">
+                                  <p:stCondLst>
+                                    <p:cond delay="0"/>
+                                  </p:stCondLst>
+                                  <p:childTnLst>
+                                    <p:set>
+                                      <p:cBhvr>
+                                        <p:cTn id="16" dur="1000" fill="hold">
+                                          <p:stCondLst>
+                                            <p:cond delay="0"/>
+                                          </p:stCondLst>
+                                        </p:cTn>
+                                        <p:tgtEl>
+                                          <p:spTgt spid="-2147482622"/>
+                                        </p:tgtEl>
+                                        <p:attrNameLst>
+                                          <p:attrName>style.visibility</p:attrName>
+                                        </p:attrNameLst>
+                                      </p:cBhvr>
+                                      <p:to>
+                                        <p:strVal val="visible"/>
+                                      </p:to>
+                                    </p:set>
+                                    <p:anim calcmode="lin" valueType="num">
+                                      <p:cBhvr additive="base">
+                                        <p:cTn id="17" dur="1000" fill="hold"/>
+                                        <p:tgtEl>
+                                          <p:spTgt spid="-2147482622"/>
+                                        </p:tgtEl>
+                                        <p:attrNameLst>
+                                          <p:attrName>ppt_x</p:attrName>
+                                        </p:attrNameLst>
+                                      </p:cBhvr>
+                                      <p:tavLst>
+                                        <p:tav tm="0">
+                                          <p:val>
+                                            <p:strVal val="#ppt_x"/>
+                                          </p:val>
+                                        </p:tav>
+                                        <p:tav tm="100000">
+                                          <p:val>
+                                            <p:strVal val="#ppt_x"/>
+                                          </p:val>
+                                        </p:tav>
+                                      </p:tavLst>
+                                    </p:anim>
+                                    <p:anim calcmode="lin" valueType="num">
+                                      <p:cBhvr additive="base">
+                                        <p:cTn id="18" dur="1000" fill="hold"/>
+                                        <p:tgtEl>
+                                          <p:spTgt spid="-2147482622"/>
+                                        </p:tgtEl>
+                                        <p:attrNameLst>
+                                          <p:attrName>ppt_y</p:attrName>
+                                        </p:attrNameLst>
+                                      </p:cBhvr>
+                                      <p:tavLst>
+                                        <p:tav tm="0">
+                                          <p:val>
+                                            <p:strVal val="1+#ppt_h/2"/>
+                                          </p:val>
+                                        </p:tav>
+                                        <p:tav tm="100000">
+                                          <p:val>
+                                            <p:strVal val="#ppt_y"/>
+                                          </p:val>
+                                        </p:tav>
+                                      </p:tavLst>
+                                    </p:anim>
+                                  </p:childTnLst>
+                                </p:cTn>
+                              </p:par>
+                            </p:childTnLst>
+                          </p:cTn>
+                        </p:par>
+                      </p:childTnLst>
+                    </p:cTn>
+                  </p:par>
+                </p:childTnLst>
+              </p:cTn>
+              <p:prevCondLst>
+                <p:cond evt="onPrev" delay="0">
+                  <p:tgtEl>
+                    <p:sldTgt/>
+                  </p:tgtEl>
+                </p:cond>
+              </p:prevCondLst>
+              <p:nextCondLst>
+                <p:cond evt="onNext" delay="0">
+                  <p:tgtEl>
+                    <p:sldTgt/>
+                  </p:tgtEl>
+                </p:cond>
+              </p:nextCondLst>
+            </p:seq>
+          </p:childTnLst>
+        </p:cTn>
+      </p:par>
+    </p:tnLst>
+  </p:timing>
+</p:sld>
+</file>
+
+<file path=ppt/slides/slide15.xml><?xml version="1.0" encoding="utf-8"?>
+<p:sld xmlns:a="http://schemas.openxmlformats.org/drawingml/2006/main" xmlns:r="http://schemas.openxmlformats.org/officeDocument/2006/relationships" xmlns:p="http://schemas.openxmlformats.org/presentationml/2006/main">
+  <p:cSld>
+    <p:spTree>
+      <p:nvGrpSpPr>
+        <p:cNvPr id="1" name=""/>
+        <p:cNvGrpSpPr/>
+        <p:nvPr/>
+      </p:nvGrpSpPr>
+      <p:grpSpPr/>
       <p:sp>
         <p:nvSpPr>
           <p:cNvPr id="3" name="标题 2"/>
@@ -7917,11 +8593,499 @@
               </a:rPr>
               <a:t>协同习题</a:t>
             </a:r>
-            <a:endParaRPr lang="zh-CN" altLang="en-US" sz="2800" b="0">
+            <a:endParaRPr lang="zh-CN" altLang="en-US" sz="2800"/>
+          </a:p>
+        </p:txBody>
+      </p:sp>
+      <p:graphicFrame>
+        <p:nvGraphicFramePr>
+          <p:cNvPr id="-2147482621" name="对象 -2147482622"/>
+          <p:cNvGraphicFramePr>
+            <a:graphicFrameLocks noChangeAspect="1"/>
+          </p:cNvGraphicFramePr>
+          <p:nvPr/>
+        </p:nvGraphicFramePr>
+        <p:xfrm>
+          <a:off x="194945" y="2320290"/>
+          <a:ext cx="8491855" cy="2048510"/>
+        </p:xfrm>
+        <a:graphic>
+          <a:graphicData uri="http://schemas.openxmlformats.org/presentationml/2006/ole">
+            <mc:AlternateContent xmlns:mc="http://schemas.openxmlformats.org/markup-compatibility/2006">
+              <mc:Choice xmlns:v="urn:schemas-microsoft-com:vml" Requires="v">
+                <p:oleObj spid="_x0000_s3076" name="" r:id="rId1" imgW="6800850" imgH="1200150" progId="Visio.Drawing.11">
+                  <p:embed/>
+                </p:oleObj>
+              </mc:Choice>
+              <mc:Fallback>
+                <p:oleObj name="" r:id="rId1" imgW="6800850" imgH="1200150" progId="Visio.Drawing.11">
+                  <p:embed/>
+                  <p:pic>
+                    <p:nvPicPr>
+                      <p:cNvPr id="0" name="图片 3075"/>
+                      <p:cNvPicPr/>
+                      <p:nvPr/>
+                    </p:nvPicPr>
+                    <p:blipFill>
+                      <a:blip r:embed="rId2"/>
+                      <a:stretch>
+                        <a:fillRect/>
+                      </a:stretch>
+                    </p:blipFill>
+                    <p:spPr>
+                      <a:xfrm>
+                        <a:off x="194945" y="2320290"/>
+                        <a:ext cx="8491855" cy="2048510"/>
+                      </a:xfrm>
+                      <a:prstGeom prst="rect">
+                        <a:avLst/>
+                      </a:prstGeom>
+                      <a:noFill/>
+                      <a:ln w="38100">
+                        <a:noFill/>
+                        <a:miter/>
+                      </a:ln>
+                    </p:spPr>
+                  </p:pic>
+                </p:oleObj>
+              </mc:Fallback>
+            </mc:AlternateContent>
+          </a:graphicData>
+        </a:graphic>
+      </p:graphicFrame>
+      <p:pic>
+        <p:nvPicPr>
+          <p:cNvPr id="38" name="图片 38"/>
+          <p:cNvPicPr>
+            <a:picLocks noChangeAspect="1"/>
+          </p:cNvPicPr>
+          <p:nvPr/>
+        </p:nvPicPr>
+        <p:blipFill>
+          <a:blip r:embed="rId3"/>
+          <a:stretch>
+            <a:fillRect/>
+          </a:stretch>
+        </p:blipFill>
+        <p:spPr>
+          <a:xfrm>
+            <a:off x="194945" y="1838960"/>
+            <a:ext cx="8428990" cy="3053715"/>
+          </a:xfrm>
+          <a:prstGeom prst="rect">
+            <a:avLst/>
+          </a:prstGeom>
+          <a:noFill/>
+          <a:ln>
+            <a:noFill/>
+          </a:ln>
+        </p:spPr>
+      </p:pic>
+      <p:pic>
+        <p:nvPicPr>
+          <p:cNvPr id="4" name="图片 50"/>
+          <p:cNvPicPr>
+            <a:picLocks noChangeAspect="1"/>
+          </p:cNvPicPr>
+          <p:nvPr/>
+        </p:nvPicPr>
+        <p:blipFill>
+          <a:blip r:embed="rId4"/>
+          <a:stretch>
+            <a:fillRect/>
+          </a:stretch>
+        </p:blipFill>
+        <p:spPr>
+          <a:xfrm>
+            <a:off x="194945" y="1541780"/>
+            <a:ext cx="8428990" cy="4237990"/>
+          </a:xfrm>
+          <a:prstGeom prst="rect">
+            <a:avLst/>
+          </a:prstGeom>
+          <a:noFill/>
+          <a:ln>
+            <a:noFill/>
+          </a:ln>
+        </p:spPr>
+      </p:pic>
+    </p:spTree>
+  </p:cSld>
+  <p:clrMapOvr>
+    <a:masterClrMapping/>
+  </p:clrMapOvr>
+  <p:timing>
+    <p:tnLst>
+      <p:par>
+        <p:cTn id="1" dur="indefinite" restart="never" nodeType="tmRoot">
+          <p:childTnLst>
+            <p:seq concurrent="1" nextAc="seek">
+              <p:cTn id="2" dur="indefinite" nodeType="mainSeq">
+                <p:childTnLst>
+                  <p:par>
+                    <p:cTn id="3" fill="hold">
+                      <p:stCondLst>
+                        <p:cond delay="indefinite"/>
+                      </p:stCondLst>
+                      <p:childTnLst>
+                        <p:par>
+                          <p:cTn id="4" fill="hold">
+                            <p:stCondLst>
+                              <p:cond delay="0"/>
+                            </p:stCondLst>
+                            <p:childTnLst>
+                              <p:par>
+                                <p:cTn id="5" presetID="2" presetClass="entr" presetSubtype="4" fill="hold" nodeType="clickEffect">
+                                  <p:stCondLst>
+                                    <p:cond delay="0"/>
+                                  </p:stCondLst>
+                                  <p:childTnLst>
+                                    <p:set>
+                                      <p:cBhvr>
+                                        <p:cTn id="6" dur="1" fill="hold">
+                                          <p:stCondLst>
+                                            <p:cond delay="0"/>
+                                          </p:stCondLst>
+                                        </p:cTn>
+                                        <p:tgtEl>
+                                          <p:spTgt spid="38"/>
+                                        </p:tgtEl>
+                                        <p:attrNameLst>
+                                          <p:attrName>style.visibility</p:attrName>
+                                        </p:attrNameLst>
+                                      </p:cBhvr>
+                                      <p:to>
+                                        <p:strVal val="visible"/>
+                                      </p:to>
+                                    </p:set>
+                                    <p:anim calcmode="lin" valueType="num">
+                                      <p:cBhvr additive="base">
+                                        <p:cTn id="7" dur="500" fill="hold"/>
+                                        <p:tgtEl>
+                                          <p:spTgt spid="38"/>
+                                        </p:tgtEl>
+                                        <p:attrNameLst>
+                                          <p:attrName>ppt_x</p:attrName>
+                                        </p:attrNameLst>
+                                      </p:cBhvr>
+                                      <p:tavLst>
+                                        <p:tav tm="0">
+                                          <p:val>
+                                            <p:strVal val="#ppt_x"/>
+                                          </p:val>
+                                        </p:tav>
+                                        <p:tav tm="100000">
+                                          <p:val>
+                                            <p:strVal val="#ppt_x"/>
+                                          </p:val>
+                                        </p:tav>
+                                      </p:tavLst>
+                                    </p:anim>
+                                    <p:anim calcmode="lin" valueType="num">
+                                      <p:cBhvr additive="base">
+                                        <p:cTn id="8" dur="500" fill="hold"/>
+                                        <p:tgtEl>
+                                          <p:spTgt spid="38"/>
+                                        </p:tgtEl>
+                                        <p:attrNameLst>
+                                          <p:attrName>ppt_y</p:attrName>
+                                        </p:attrNameLst>
+                                      </p:cBhvr>
+                                      <p:tavLst>
+                                        <p:tav tm="0">
+                                          <p:val>
+                                            <p:strVal val="1+#ppt_h/2"/>
+                                          </p:val>
+                                        </p:tav>
+                                        <p:tav tm="100000">
+                                          <p:val>
+                                            <p:strVal val="#ppt_y"/>
+                                          </p:val>
+                                        </p:tav>
+                                      </p:tavLst>
+                                    </p:anim>
+                                  </p:childTnLst>
+                                </p:cTn>
+                              </p:par>
+                            </p:childTnLst>
+                          </p:cTn>
+                        </p:par>
+                      </p:childTnLst>
+                    </p:cTn>
+                  </p:par>
+                  <p:par>
+                    <p:cTn id="9" fill="hold">
+                      <p:stCondLst>
+                        <p:cond delay="indefinite"/>
+                      </p:stCondLst>
+                      <p:childTnLst>
+                        <p:par>
+                          <p:cTn id="10" fill="hold">
+                            <p:stCondLst>
+                              <p:cond delay="0"/>
+                            </p:stCondLst>
+                            <p:childTnLst>
+                              <p:par>
+                                <p:cTn id="11" presetID="2" presetClass="entr" presetSubtype="4" fill="hold" nodeType="clickEffect">
+                                  <p:stCondLst>
+                                    <p:cond delay="0"/>
+                                  </p:stCondLst>
+                                  <p:childTnLst>
+                                    <p:set>
+                                      <p:cBhvr>
+                                        <p:cTn id="12" dur="1" fill="hold">
+                                          <p:stCondLst>
+                                            <p:cond delay="0"/>
+                                          </p:stCondLst>
+                                        </p:cTn>
+                                        <p:tgtEl>
+                                          <p:spTgt spid="4"/>
+                                        </p:tgtEl>
+                                        <p:attrNameLst>
+                                          <p:attrName>style.visibility</p:attrName>
+                                        </p:attrNameLst>
+                                      </p:cBhvr>
+                                      <p:to>
+                                        <p:strVal val="visible"/>
+                                      </p:to>
+                                    </p:set>
+                                    <p:anim calcmode="lin" valueType="num">
+                                      <p:cBhvr additive="base">
+                                        <p:cTn id="13" dur="500" fill="hold"/>
+                                        <p:tgtEl>
+                                          <p:spTgt spid="4"/>
+                                        </p:tgtEl>
+                                        <p:attrNameLst>
+                                          <p:attrName>ppt_x</p:attrName>
+                                        </p:attrNameLst>
+                                      </p:cBhvr>
+                                      <p:tavLst>
+                                        <p:tav tm="0">
+                                          <p:val>
+                                            <p:strVal val="#ppt_x"/>
+                                          </p:val>
+                                        </p:tav>
+                                        <p:tav tm="100000">
+                                          <p:val>
+                                            <p:strVal val="#ppt_x"/>
+                                          </p:val>
+                                        </p:tav>
+                                      </p:tavLst>
+                                    </p:anim>
+                                    <p:anim calcmode="lin" valueType="num">
+                                      <p:cBhvr additive="base">
+                                        <p:cTn id="14" dur="500" fill="hold"/>
+                                        <p:tgtEl>
+                                          <p:spTgt spid="4"/>
+                                        </p:tgtEl>
+                                        <p:attrNameLst>
+                                          <p:attrName>ppt_y</p:attrName>
+                                        </p:attrNameLst>
+                                      </p:cBhvr>
+                                      <p:tavLst>
+                                        <p:tav tm="0">
+                                          <p:val>
+                                            <p:strVal val="1+#ppt_h/2"/>
+                                          </p:val>
+                                        </p:tav>
+                                        <p:tav tm="100000">
+                                          <p:val>
+                                            <p:strVal val="#ppt_y"/>
+                                          </p:val>
+                                        </p:tav>
+                                      </p:tavLst>
+                                    </p:anim>
+                                  </p:childTnLst>
+                                </p:cTn>
+                              </p:par>
+                            </p:childTnLst>
+                          </p:cTn>
+                        </p:par>
+                      </p:childTnLst>
+                    </p:cTn>
+                  </p:par>
+                </p:childTnLst>
+              </p:cTn>
+              <p:prevCondLst>
+                <p:cond evt="onPrev" delay="0">
+                  <p:tgtEl>
+                    <p:sldTgt/>
+                  </p:tgtEl>
+                </p:cond>
+              </p:prevCondLst>
+              <p:nextCondLst>
+                <p:cond evt="onNext" delay="0">
+                  <p:tgtEl>
+                    <p:sldTgt/>
+                  </p:tgtEl>
+                </p:cond>
+              </p:nextCondLst>
+            </p:seq>
+          </p:childTnLst>
+        </p:cTn>
+      </p:par>
+    </p:tnLst>
+  </p:timing>
+</p:sld>
+</file>
+
+<file path=ppt/slides/slide16.xml><?xml version="1.0" encoding="utf-8"?>
+<p:sld xmlns:a="http://schemas.openxmlformats.org/drawingml/2006/main" xmlns:r="http://schemas.openxmlformats.org/officeDocument/2006/relationships" xmlns:p="http://schemas.openxmlformats.org/presentationml/2006/main">
+  <p:cSld>
+    <p:spTree>
+      <p:nvGrpSpPr>
+        <p:cNvPr id="1" name=""/>
+        <p:cNvGrpSpPr/>
+        <p:nvPr/>
+      </p:nvGrpSpPr>
+      <p:grpSpPr>
+        <a:xfrm>
+          <a:off x="0" y="0"/>
+          <a:ext cx="0" cy="0"/>
+          <a:chOff x="0" y="0"/>
+          <a:chExt cx="0" cy="0"/>
+        </a:xfrm>
+      </p:grpSpPr>
+      <p:sp>
+        <p:nvSpPr>
+          <p:cNvPr id="28674" name="内容占位符 1"/>
+          <p:cNvSpPr>
+            <a:spLocks noGrp="1"/>
+          </p:cNvSpPr>
+          <p:nvPr>
+            <p:ph idx="1"/>
+          </p:nvPr>
+        </p:nvSpPr>
+        <p:spPr>
+          <a:xfrm>
+            <a:off x="539750" y="835025"/>
+            <a:ext cx="8229600" cy="5104130"/>
+          </a:xfrm>
+        </p:spPr>
+        <p:txBody>
+          <a:bodyPr/>
+          <a:lstStyle/>
+          <a:p>
+            <a:pPr eaLnBrk="1" hangingPunct="1">
+              <a:lnSpc>
+                <a:spcPct val="200000"/>
+              </a:lnSpc>
+              <a:buFont typeface="Wingdings" panose="05000000000000000000" pitchFamily="2" charset="2"/>
+              <a:buChar char="l"/>
+            </a:pPr>
+            <a:r>
+              <a:rPr lang="zh-CN" altLang="en-US" sz="4000" dirty="0">
+                <a:solidFill>
+                  <a:schemeClr val="tx1"/>
+                </a:solidFill>
+                <a:effectLst>
+                  <a:outerShdw blurRad="38100" dist="38100" dir="2700000" algn="tl">
+                    <a:srgbClr val="C0C0C0"/>
+                  </a:outerShdw>
+                </a:effectLst>
+                <a:latin typeface="微软雅黑" panose="020B0503020204020204" charset="-122"/>
+                <a:ea typeface="微软雅黑" panose="020B0503020204020204" charset="-122"/>
+              </a:rPr>
+              <a:t>选题</a:t>
+            </a:r>
+            <a:r>
+              <a:rPr lang="zh-CN" altLang="en-US" sz="4000" dirty="0" smtClean="0">
+                <a:solidFill>
+                  <a:schemeClr val="tx1"/>
+                </a:solidFill>
+                <a:effectLst>
+                  <a:outerShdw blurRad="38100" dist="38100" dir="2700000" algn="tl">
+                    <a:srgbClr val="C0C0C0"/>
+                  </a:outerShdw>
+                </a:effectLst>
+                <a:latin typeface="微软雅黑" panose="020B0503020204020204" charset="-122"/>
+                <a:ea typeface="微软雅黑" panose="020B0503020204020204" charset="-122"/>
+              </a:rPr>
+              <a:t>的背景和意义</a:t>
+            </a:r>
+            <a:endParaRPr lang="en-US" altLang="zh-CN" sz="4000" dirty="0">
+              <a:solidFill>
+                <a:schemeClr val="tx1"/>
+              </a:solidFill>
+              <a:effectLst>
+                <a:outerShdw blurRad="38100" dist="38100" dir="2700000" algn="tl">
+                  <a:srgbClr val="C0C0C0"/>
+                </a:outerShdw>
+              </a:effectLst>
               <a:latin typeface="微软雅黑" panose="020B0503020204020204" charset="-122"/>
               <a:ea typeface="微软雅黑" panose="020B0503020204020204" charset="-122"/>
-              <a:cs typeface="微软雅黑" panose="020B0503020204020204" charset="-122"/>
-              <a:sym typeface="+mn-ea"/>
+            </a:endParaRPr>
+          </a:p>
+          <a:p>
+            <a:pPr eaLnBrk="1" hangingPunct="1">
+              <a:lnSpc>
+                <a:spcPct val="200000"/>
+              </a:lnSpc>
+              <a:buFont typeface="Wingdings" panose="05000000000000000000" pitchFamily="2" charset="2"/>
+              <a:buChar char="l"/>
+            </a:pPr>
+            <a:r>
+              <a:rPr lang="zh-CN" altLang="en-US" sz="4000" dirty="0" smtClean="0">
+                <a:solidFill>
+                  <a:schemeClr val="tx1"/>
+                </a:solidFill>
+                <a:effectLst>
+                  <a:outerShdw blurRad="38100" dist="38100" dir="2700000" algn="tl">
+                    <a:srgbClr val="C0C0C0"/>
+                  </a:outerShdw>
+                </a:effectLst>
+                <a:latin typeface="微软雅黑" panose="020B0503020204020204" charset="-122"/>
+                <a:ea typeface="微软雅黑" panose="020B0503020204020204" charset="-122"/>
+              </a:rPr>
+              <a:t>主要研究内容</a:t>
+            </a:r>
+            <a:endParaRPr lang="zh-CN" altLang="en-US" sz="4000" dirty="0" smtClean="0">
+              <a:solidFill>
+                <a:schemeClr val="tx1"/>
+              </a:solidFill>
+              <a:effectLst>
+                <a:outerShdw blurRad="38100" dist="38100" dir="2700000" algn="tl">
+                  <a:srgbClr val="C0C0C0"/>
+                </a:outerShdw>
+              </a:effectLst>
+              <a:latin typeface="微软雅黑" panose="020B0503020204020204" charset="-122"/>
+              <a:ea typeface="微软雅黑" panose="020B0503020204020204" charset="-122"/>
+            </a:endParaRPr>
+          </a:p>
+          <a:p>
+            <a:pPr eaLnBrk="1" hangingPunct="1">
+              <a:lnSpc>
+                <a:spcPct val="200000"/>
+              </a:lnSpc>
+              <a:buFont typeface="Wingdings" panose="05000000000000000000" pitchFamily="2" charset="2"/>
+              <a:buChar char="l"/>
+            </a:pPr>
+            <a:r>
+              <a:rPr lang="zh-CN" altLang="en-US" sz="4000" dirty="0" smtClean="0">
+                <a:solidFill>
+                  <a:srgbClr val="FF0000"/>
+                </a:solidFill>
+                <a:effectLst>
+                  <a:outerShdw blurRad="38100" dist="38100" dir="2700000" algn="tl">
+                    <a:srgbClr val="C0C0C0"/>
+                  </a:outerShdw>
+                </a:effectLst>
+                <a:latin typeface="微软雅黑" panose="020B0503020204020204" charset="-122"/>
+                <a:ea typeface="微软雅黑" panose="020B0503020204020204" charset="-122"/>
+              </a:rPr>
+              <a:t>仿真结果展示</a:t>
+            </a:r>
+            <a:endParaRPr lang="zh-CN" altLang="en-US" sz="4000" dirty="0" smtClean="0">
+              <a:solidFill>
+                <a:srgbClr val="FF0000"/>
+              </a:solidFill>
+              <a:effectLst>
+                <a:outerShdw blurRad="38100" dist="38100" dir="2700000" algn="tl">
+                  <a:srgbClr val="C0C0C0"/>
+                </a:outerShdw>
+              </a:effectLst>
+              <a:latin typeface="微软雅黑" panose="020B0503020204020204" charset="-122"/>
+              <a:ea typeface="微软雅黑" panose="020B0503020204020204" charset="-122"/>
             </a:endParaRPr>
           </a:p>
         </p:txBody>
@@ -7931,10 +9095,17 @@
   <p:clrMapOvr>
     <a:masterClrMapping/>
   </p:clrMapOvr>
+  <p:timing>
+    <p:tnLst>
+      <p:par>
+        <p:cTn id="1" dur="indefinite" restart="never" nodeType="tmRoot"/>
+      </p:par>
+    </p:tnLst>
+  </p:timing>
 </p:sld>
 </file>
 
-<file path=ppt/slides/slide15.xml><?xml version="1.0" encoding="utf-8"?>
+<file path=ppt/slides/slide17.xml><?xml version="1.0" encoding="utf-8"?>
 <p:sld xmlns:a="http://schemas.openxmlformats.org/drawingml/2006/main" xmlns:r="http://schemas.openxmlformats.org/officeDocument/2006/relationships" xmlns:p="http://schemas.openxmlformats.org/presentationml/2006/main">
   <p:cSld>
     <p:spTree>
